--- a/docs/Diagramas/Diagramas de Arquitetura.pptx
+++ b/docs/Diagramas/Diagramas de Arquitetura.pptx
@@ -260,7 +260,7 @@
           <a:p>
             <a:fld id="{E79AB282-DA06-4F6B-B5A0-2CC006DE651C}" type="datetimeFigureOut">
               <a:rPr lang="pt-BR" smtClean="0"/>
-              <a:t>24/05/2020</a:t>
+              <a:t>15/11/2020</a:t>
             </a:fld>
             <a:endParaRPr lang="pt-BR"/>
           </a:p>
@@ -458,7 +458,7 @@
           <a:p>
             <a:fld id="{E79AB282-DA06-4F6B-B5A0-2CC006DE651C}" type="datetimeFigureOut">
               <a:rPr lang="pt-BR" smtClean="0"/>
-              <a:t>24/05/2020</a:t>
+              <a:t>15/11/2020</a:t>
             </a:fld>
             <a:endParaRPr lang="pt-BR"/>
           </a:p>
@@ -666,7 +666,7 @@
           <a:p>
             <a:fld id="{E79AB282-DA06-4F6B-B5A0-2CC006DE651C}" type="datetimeFigureOut">
               <a:rPr lang="pt-BR" smtClean="0"/>
-              <a:t>24/05/2020</a:t>
+              <a:t>15/11/2020</a:t>
             </a:fld>
             <a:endParaRPr lang="pt-BR"/>
           </a:p>
@@ -864,7 +864,7 @@
           <a:p>
             <a:fld id="{E79AB282-DA06-4F6B-B5A0-2CC006DE651C}" type="datetimeFigureOut">
               <a:rPr lang="pt-BR" smtClean="0"/>
-              <a:t>24/05/2020</a:t>
+              <a:t>15/11/2020</a:t>
             </a:fld>
             <a:endParaRPr lang="pt-BR"/>
           </a:p>
@@ -1139,7 +1139,7 @@
           <a:p>
             <a:fld id="{E79AB282-DA06-4F6B-B5A0-2CC006DE651C}" type="datetimeFigureOut">
               <a:rPr lang="pt-BR" smtClean="0"/>
-              <a:t>24/05/2020</a:t>
+              <a:t>15/11/2020</a:t>
             </a:fld>
             <a:endParaRPr lang="pt-BR"/>
           </a:p>
@@ -1404,7 +1404,7 @@
           <a:p>
             <a:fld id="{E79AB282-DA06-4F6B-B5A0-2CC006DE651C}" type="datetimeFigureOut">
               <a:rPr lang="pt-BR" smtClean="0"/>
-              <a:t>24/05/2020</a:t>
+              <a:t>15/11/2020</a:t>
             </a:fld>
             <a:endParaRPr lang="pt-BR"/>
           </a:p>
@@ -1816,7 +1816,7 @@
           <a:p>
             <a:fld id="{E79AB282-DA06-4F6B-B5A0-2CC006DE651C}" type="datetimeFigureOut">
               <a:rPr lang="pt-BR" smtClean="0"/>
-              <a:t>24/05/2020</a:t>
+              <a:t>15/11/2020</a:t>
             </a:fld>
             <a:endParaRPr lang="pt-BR"/>
           </a:p>
@@ -1957,7 +1957,7 @@
           <a:p>
             <a:fld id="{E79AB282-DA06-4F6B-B5A0-2CC006DE651C}" type="datetimeFigureOut">
               <a:rPr lang="pt-BR" smtClean="0"/>
-              <a:t>24/05/2020</a:t>
+              <a:t>15/11/2020</a:t>
             </a:fld>
             <a:endParaRPr lang="pt-BR"/>
           </a:p>
@@ -2070,7 +2070,7 @@
           <a:p>
             <a:fld id="{E79AB282-DA06-4F6B-B5A0-2CC006DE651C}" type="datetimeFigureOut">
               <a:rPr lang="pt-BR" smtClean="0"/>
-              <a:t>24/05/2020</a:t>
+              <a:t>15/11/2020</a:t>
             </a:fld>
             <a:endParaRPr lang="pt-BR"/>
           </a:p>
@@ -2381,7 +2381,7 @@
           <a:p>
             <a:fld id="{E79AB282-DA06-4F6B-B5A0-2CC006DE651C}" type="datetimeFigureOut">
               <a:rPr lang="pt-BR" smtClean="0"/>
-              <a:t>24/05/2020</a:t>
+              <a:t>15/11/2020</a:t>
             </a:fld>
             <a:endParaRPr lang="pt-BR"/>
           </a:p>
@@ -2669,7 +2669,7 @@
           <a:p>
             <a:fld id="{E79AB282-DA06-4F6B-B5A0-2CC006DE651C}" type="datetimeFigureOut">
               <a:rPr lang="pt-BR" smtClean="0"/>
-              <a:t>24/05/2020</a:t>
+              <a:t>15/11/2020</a:t>
             </a:fld>
             <a:endParaRPr lang="pt-BR"/>
           </a:p>
@@ -2910,7 +2910,7 @@
           <a:p>
             <a:fld id="{E79AB282-DA06-4F6B-B5A0-2CC006DE651C}" type="datetimeFigureOut">
               <a:rPr lang="pt-BR" smtClean="0"/>
-              <a:t>24/05/2020</a:t>
+              <a:t>15/11/2020</a:t>
             </a:fld>
             <a:endParaRPr lang="pt-BR"/>
           </a:p>
@@ -4406,224 +4406,6 @@
           </a:fontRef>
         </p:style>
       </p:cxnSp>
-      <p:sp>
-        <p:nvSpPr>
-          <p:cNvPr id="43" name="CaixaDeTexto 42">
-            <a:extLst>
-              <a:ext uri="{FF2B5EF4-FFF2-40B4-BE49-F238E27FC236}">
-                <a16:creationId xmlns:a16="http://schemas.microsoft.com/office/drawing/2014/main" id="{F8EDC253-2909-41CC-ADF0-1995B0087661}"/>
-              </a:ext>
-            </a:extLst>
-          </p:cNvPr>
-          <p:cNvSpPr txBox="1"/>
-          <p:nvPr/>
-        </p:nvSpPr>
-        <p:spPr>
-          <a:xfrm>
-            <a:off x="1371266" y="6324795"/>
-            <a:ext cx="2831481" cy="369332"/>
-          </a:xfrm>
-          <a:prstGeom prst="rect">
-            <a:avLst/>
-          </a:prstGeom>
-          <a:noFill/>
-        </p:spPr>
-        <p:txBody>
-          <a:bodyPr wrap="none" rtlCol="0">
-            <a:spAutoFit/>
-          </a:bodyPr>
-          <a:lstStyle/>
-          <a:p>
-            <a:r>
-              <a:rPr lang="pt-BR" b="1" dirty="0"/>
-              <a:t>Diagrama de Arquitetura v2</a:t>
-            </a:r>
-          </a:p>
-        </p:txBody>
-      </p:sp>
-      <p:sp>
-        <p:nvSpPr>
-          <p:cNvPr id="27" name="Fluxograma: Disco Magnético 26">
-            <a:extLst>
-              <a:ext uri="{FF2B5EF4-FFF2-40B4-BE49-F238E27FC236}">
-                <a16:creationId xmlns:a16="http://schemas.microsoft.com/office/drawing/2014/main" id="{0D0E3ECE-1F5E-4EE5-8CBD-D603A39B67A1}"/>
-              </a:ext>
-            </a:extLst>
-          </p:cNvPr>
-          <p:cNvSpPr/>
-          <p:nvPr/>
-        </p:nvSpPr>
-        <p:spPr>
-          <a:xfrm>
-            <a:off x="1930123" y="5553681"/>
-            <a:ext cx="1713769" cy="656822"/>
-          </a:xfrm>
-          <a:prstGeom prst="flowChartMagneticDisk">
-            <a:avLst/>
-          </a:prstGeom>
-          <a:solidFill>
-            <a:schemeClr val="bg2">
-              <a:lumMod val="75000"/>
-            </a:schemeClr>
-          </a:solidFill>
-          <a:ln>
-            <a:solidFill>
-              <a:schemeClr val="tx1"/>
-            </a:solidFill>
-          </a:ln>
-        </p:spPr>
-        <p:style>
-          <a:lnRef idx="2">
-            <a:schemeClr val="accent1">
-              <a:shade val="50000"/>
-            </a:schemeClr>
-          </a:lnRef>
-          <a:fillRef idx="1">
-            <a:schemeClr val="accent1"/>
-          </a:fillRef>
-          <a:effectRef idx="0">
-            <a:schemeClr val="accent1"/>
-          </a:effectRef>
-          <a:fontRef idx="minor">
-            <a:schemeClr val="lt1"/>
-          </a:fontRef>
-        </p:style>
-        <p:txBody>
-          <a:bodyPr rtlCol="0" anchor="ctr"/>
-          <a:lstStyle/>
-          <a:p>
-            <a:pPr algn="ctr"/>
-            <a:endParaRPr lang="pt-BR"/>
-          </a:p>
-        </p:txBody>
-      </p:sp>
-      <p:sp>
-        <p:nvSpPr>
-          <p:cNvPr id="30" name="CaixaDeTexto 29">
-            <a:extLst>
-              <a:ext uri="{FF2B5EF4-FFF2-40B4-BE49-F238E27FC236}">
-                <a16:creationId xmlns:a16="http://schemas.microsoft.com/office/drawing/2014/main" id="{AFFBB04B-CC58-4368-AD7C-F1260086AAD0}"/>
-              </a:ext>
-            </a:extLst>
-          </p:cNvPr>
-          <p:cNvSpPr txBox="1"/>
-          <p:nvPr/>
-        </p:nvSpPr>
-        <p:spPr>
-          <a:xfrm>
-            <a:off x="2224882" y="5754572"/>
-            <a:ext cx="1245277" cy="369332"/>
-          </a:xfrm>
-          <a:prstGeom prst="rect">
-            <a:avLst/>
-          </a:prstGeom>
-          <a:noFill/>
-        </p:spPr>
-        <p:txBody>
-          <a:bodyPr wrap="none" rtlCol="0">
-            <a:spAutoFit/>
-          </a:bodyPr>
-          <a:lstStyle/>
-          <a:p>
-            <a:r>
-              <a:rPr lang="pt-BR" dirty="0"/>
-              <a:t>PostgreSQL</a:t>
-            </a:r>
-          </a:p>
-        </p:txBody>
-      </p:sp>
-      <p:cxnSp>
-        <p:nvCxnSpPr>
-          <p:cNvPr id="31" name="Conector de Seta Reta 30">
-            <a:extLst>
-              <a:ext uri="{FF2B5EF4-FFF2-40B4-BE49-F238E27FC236}">
-                <a16:creationId xmlns:a16="http://schemas.microsoft.com/office/drawing/2014/main" id="{B89AA8F4-77A4-4AE3-BE65-670D52E38412}"/>
-              </a:ext>
-            </a:extLst>
-          </p:cNvPr>
-          <p:cNvCxnSpPr>
-            <a:cxnSpLocks/>
-            <a:stCxn id="27" idx="4"/>
-          </p:cNvCxnSpPr>
-          <p:nvPr/>
-        </p:nvCxnSpPr>
-        <p:spPr>
-          <a:xfrm>
-            <a:off x="3643892" y="5882092"/>
-            <a:ext cx="3499589" cy="16710"/>
-          </a:xfrm>
-          <a:prstGeom prst="straightConnector1">
-            <a:avLst/>
-          </a:prstGeom>
-          <a:ln w="38100">
-            <a:solidFill>
-              <a:schemeClr val="tx1"/>
-            </a:solidFill>
-            <a:headEnd type="triangle"/>
-            <a:tailEnd type="triangle"/>
-          </a:ln>
-        </p:spPr>
-        <p:style>
-          <a:lnRef idx="1">
-            <a:schemeClr val="accent1"/>
-          </a:lnRef>
-          <a:fillRef idx="0">
-            <a:schemeClr val="accent1"/>
-          </a:fillRef>
-          <a:effectRef idx="0">
-            <a:schemeClr val="accent1"/>
-          </a:effectRef>
-          <a:fontRef idx="minor">
-            <a:schemeClr val="tx1"/>
-          </a:fontRef>
-        </p:style>
-      </p:cxnSp>
-      <p:cxnSp>
-        <p:nvCxnSpPr>
-          <p:cNvPr id="32" name="Conector de Seta Reta 31">
-            <a:extLst>
-              <a:ext uri="{FF2B5EF4-FFF2-40B4-BE49-F238E27FC236}">
-                <a16:creationId xmlns:a16="http://schemas.microsoft.com/office/drawing/2014/main" id="{2B37F4FD-2EBB-4BCF-A459-578ED236D1D4}"/>
-              </a:ext>
-            </a:extLst>
-          </p:cNvPr>
-          <p:cNvCxnSpPr>
-            <a:cxnSpLocks/>
-            <a:stCxn id="27" idx="1"/>
-            <a:endCxn id="14" idx="2"/>
-          </p:cNvCxnSpPr>
-          <p:nvPr/>
-        </p:nvCxnSpPr>
-        <p:spPr>
-          <a:xfrm flipV="1">
-            <a:off x="2787008" y="4752304"/>
-            <a:ext cx="1268" cy="801377"/>
-          </a:xfrm>
-          <a:prstGeom prst="straightConnector1">
-            <a:avLst/>
-          </a:prstGeom>
-          <a:ln w="38100">
-            <a:solidFill>
-              <a:schemeClr val="tx1"/>
-            </a:solidFill>
-            <a:tailEnd type="triangle"/>
-          </a:ln>
-        </p:spPr>
-        <p:style>
-          <a:lnRef idx="1">
-            <a:schemeClr val="accent1"/>
-          </a:lnRef>
-          <a:fillRef idx="0">
-            <a:schemeClr val="accent1"/>
-          </a:fillRef>
-          <a:effectRef idx="0">
-            <a:schemeClr val="accent1"/>
-          </a:effectRef>
-          <a:fontRef idx="minor">
-            <a:schemeClr val="tx1"/>
-          </a:fontRef>
-        </p:style>
-      </p:cxnSp>
     </p:spTree>
     <p:extLst>
       <p:ext uri="{BB962C8B-B14F-4D97-AF65-F5344CB8AC3E}">
@@ -5688,41 +5470,6 @@
       </p:cxnSp>
       <p:sp>
         <p:nvSpPr>
-          <p:cNvPr id="43" name="CaixaDeTexto 42">
-            <a:extLst>
-              <a:ext uri="{FF2B5EF4-FFF2-40B4-BE49-F238E27FC236}">
-                <a16:creationId xmlns:a16="http://schemas.microsoft.com/office/drawing/2014/main" id="{F8EDC253-2909-41CC-ADF0-1995B0087661}"/>
-              </a:ext>
-            </a:extLst>
-          </p:cNvPr>
-          <p:cNvSpPr txBox="1"/>
-          <p:nvPr/>
-        </p:nvSpPr>
-        <p:spPr>
-          <a:xfrm>
-            <a:off x="1418722" y="6282606"/>
-            <a:ext cx="2831481" cy="369332"/>
-          </a:xfrm>
-          <a:prstGeom prst="rect">
-            <a:avLst/>
-          </a:prstGeom>
-          <a:noFill/>
-        </p:spPr>
-        <p:txBody>
-          <a:bodyPr wrap="none" rtlCol="0">
-            <a:spAutoFit/>
-          </a:bodyPr>
-          <a:lstStyle/>
-          <a:p>
-            <a:r>
-              <a:rPr lang="pt-BR" b="1" dirty="0"/>
-              <a:t>Diagrama de Arquitetura v1</a:t>
-            </a:r>
-          </a:p>
-        </p:txBody>
-      </p:sp>
-      <p:sp>
-        <p:nvSpPr>
           <p:cNvPr id="2" name="Retângulo 1">
             <a:extLst>
               <a:ext uri="{FF2B5EF4-FFF2-40B4-BE49-F238E27FC236}">
@@ -6885,213 +6632,6 @@
           </a:p>
         </p:txBody>
       </p:sp>
-      <p:grpSp>
-        <p:nvGrpSpPr>
-          <p:cNvPr id="66" name="Agrupar 65">
-            <a:extLst>
-              <a:ext uri="{FF2B5EF4-FFF2-40B4-BE49-F238E27FC236}">
-                <a16:creationId xmlns:a16="http://schemas.microsoft.com/office/drawing/2014/main" id="{09187517-62D0-4B86-9AFD-E13D7493D746}"/>
-              </a:ext>
-            </a:extLst>
-          </p:cNvPr>
-          <p:cNvGrpSpPr/>
-          <p:nvPr/>
-        </p:nvGrpSpPr>
-        <p:grpSpPr>
-          <a:xfrm>
-            <a:off x="1977577" y="5460643"/>
-            <a:ext cx="1713769" cy="656822"/>
-            <a:chOff x="1980781" y="5342064"/>
-            <a:chExt cx="1713769" cy="656822"/>
-          </a:xfrm>
-        </p:grpSpPr>
-        <p:sp>
-          <p:nvSpPr>
-            <p:cNvPr id="59" name="Fluxograma: Disco Magnético 58">
-              <a:extLst>
-                <a:ext uri="{FF2B5EF4-FFF2-40B4-BE49-F238E27FC236}">
-                  <a16:creationId xmlns:a16="http://schemas.microsoft.com/office/drawing/2014/main" id="{C6965C15-2E54-459E-BC5A-637F90B8839D}"/>
-                </a:ext>
-              </a:extLst>
-            </p:cNvPr>
-            <p:cNvSpPr/>
-            <p:nvPr/>
-          </p:nvSpPr>
-          <p:spPr>
-            <a:xfrm>
-              <a:off x="1980781" y="5342064"/>
-              <a:ext cx="1713769" cy="656822"/>
-            </a:xfrm>
-            <a:prstGeom prst="flowChartMagneticDisk">
-              <a:avLst/>
-            </a:prstGeom>
-            <a:solidFill>
-              <a:schemeClr val="bg2">
-                <a:lumMod val="75000"/>
-              </a:schemeClr>
-            </a:solidFill>
-            <a:ln>
-              <a:solidFill>
-                <a:schemeClr val="tx1"/>
-              </a:solidFill>
-            </a:ln>
-          </p:spPr>
-          <p:style>
-            <a:lnRef idx="2">
-              <a:schemeClr val="accent1">
-                <a:shade val="50000"/>
-              </a:schemeClr>
-            </a:lnRef>
-            <a:fillRef idx="1">
-              <a:schemeClr val="accent1"/>
-            </a:fillRef>
-            <a:effectRef idx="0">
-              <a:schemeClr val="accent1"/>
-            </a:effectRef>
-            <a:fontRef idx="minor">
-              <a:schemeClr val="lt1"/>
-            </a:fontRef>
-          </p:style>
-          <p:txBody>
-            <a:bodyPr rtlCol="0" anchor="ctr"/>
-            <a:lstStyle/>
-            <a:p>
-              <a:pPr algn="ctr"/>
-              <a:endParaRPr lang="pt-BR"/>
-            </a:p>
-          </p:txBody>
-        </p:sp>
-        <p:sp>
-          <p:nvSpPr>
-            <p:cNvPr id="60" name="CaixaDeTexto 59">
-              <a:extLst>
-                <a:ext uri="{FF2B5EF4-FFF2-40B4-BE49-F238E27FC236}">
-                  <a16:creationId xmlns:a16="http://schemas.microsoft.com/office/drawing/2014/main" id="{A114BB3F-0D73-4278-AACB-3E5E7120C908}"/>
-                </a:ext>
-              </a:extLst>
-            </p:cNvPr>
-            <p:cNvSpPr txBox="1"/>
-            <p:nvPr/>
-          </p:nvSpPr>
-          <p:spPr>
-            <a:xfrm>
-              <a:off x="2215026" y="5590917"/>
-              <a:ext cx="1245277" cy="369332"/>
-            </a:xfrm>
-            <a:prstGeom prst="rect">
-              <a:avLst/>
-            </a:prstGeom>
-            <a:noFill/>
-          </p:spPr>
-          <p:txBody>
-            <a:bodyPr wrap="none" rtlCol="0">
-              <a:spAutoFit/>
-            </a:bodyPr>
-            <a:lstStyle/>
-            <a:p>
-              <a:r>
-                <a:rPr lang="pt-BR" dirty="0"/>
-                <a:t>PostgreSQL</a:t>
-              </a:r>
-            </a:p>
-          </p:txBody>
-        </p:sp>
-      </p:grpSp>
-      <p:cxnSp>
-        <p:nvCxnSpPr>
-          <p:cNvPr id="61" name="Conector de Seta Reta 60">
-            <a:extLst>
-              <a:ext uri="{FF2B5EF4-FFF2-40B4-BE49-F238E27FC236}">
-                <a16:creationId xmlns:a16="http://schemas.microsoft.com/office/drawing/2014/main" id="{0BAFF56B-F4CE-48F3-8428-F5FFDC8707B9}"/>
-              </a:ext>
-            </a:extLst>
-          </p:cNvPr>
-          <p:cNvCxnSpPr>
-            <a:cxnSpLocks/>
-            <a:stCxn id="59" idx="2"/>
-            <a:endCxn id="31" idx="1"/>
-          </p:cNvCxnSpPr>
-          <p:nvPr/>
-        </p:nvCxnSpPr>
-        <p:spPr>
-          <a:xfrm rot="10800000">
-            <a:off x="708339" y="2335456"/>
-            <a:ext cx="1269238" cy="3453598"/>
-          </a:xfrm>
-          <a:prstGeom prst="bentConnector3">
-            <a:avLst>
-              <a:gd name="adj1" fmla="val 122187"/>
-            </a:avLst>
-          </a:prstGeom>
-          <a:ln w="38100">
-            <a:solidFill>
-              <a:schemeClr val="tx1"/>
-            </a:solidFill>
-            <a:tailEnd type="triangle"/>
-          </a:ln>
-        </p:spPr>
-        <p:style>
-          <a:lnRef idx="1">
-            <a:schemeClr val="accent1"/>
-          </a:lnRef>
-          <a:fillRef idx="0">
-            <a:schemeClr val="accent1"/>
-          </a:fillRef>
-          <a:effectRef idx="0">
-            <a:schemeClr val="accent1"/>
-          </a:effectRef>
-          <a:fontRef idx="minor">
-            <a:schemeClr val="tx1"/>
-          </a:fontRef>
-        </p:style>
-      </p:cxnSp>
-      <p:cxnSp>
-        <p:nvCxnSpPr>
-          <p:cNvPr id="62" name="Conector de Seta Reta 61">
-            <a:extLst>
-              <a:ext uri="{FF2B5EF4-FFF2-40B4-BE49-F238E27FC236}">
-                <a16:creationId xmlns:a16="http://schemas.microsoft.com/office/drawing/2014/main" id="{C2A053E5-95D1-4E2A-98C3-9F8E64536641}"/>
-              </a:ext>
-            </a:extLst>
-          </p:cNvPr>
-          <p:cNvCxnSpPr>
-            <a:cxnSpLocks/>
-            <a:stCxn id="59" idx="4"/>
-            <a:endCxn id="58" idx="1"/>
-          </p:cNvCxnSpPr>
-          <p:nvPr/>
-        </p:nvCxnSpPr>
-        <p:spPr>
-          <a:xfrm flipV="1">
-            <a:off x="3691346" y="5775583"/>
-            <a:ext cx="3643567" cy="13471"/>
-          </a:xfrm>
-          <a:prstGeom prst="straightConnector1">
-            <a:avLst/>
-          </a:prstGeom>
-          <a:ln w="38100">
-            <a:solidFill>
-              <a:schemeClr val="tx1"/>
-            </a:solidFill>
-            <a:headEnd type="triangle"/>
-            <a:tailEnd type="triangle"/>
-          </a:ln>
-        </p:spPr>
-        <p:style>
-          <a:lnRef idx="1">
-            <a:schemeClr val="accent1"/>
-          </a:lnRef>
-          <a:fillRef idx="0">
-            <a:schemeClr val="accent1"/>
-          </a:fillRef>
-          <a:effectRef idx="0">
-            <a:schemeClr val="accent1"/>
-          </a:effectRef>
-          <a:fontRef idx="minor">
-            <a:schemeClr val="tx1"/>
-          </a:fontRef>
-        </p:style>
-      </p:cxnSp>
     </p:spTree>
     <p:extLst>
       <p:ext uri="{BB962C8B-B14F-4D97-AF65-F5344CB8AC3E}">

--- a/docs/Diagramas/Diagramas de Arquitetura.pptx
+++ b/docs/Diagramas/Diagramas de Arquitetura.pptx
@@ -2,11 +2,12 @@
 <file path=ppt/presentation.xml><?xml version="1.0" encoding="utf-8"?>
 <p:presentation xmlns:a="http://schemas.openxmlformats.org/drawingml/2006/main" xmlns:r="http://schemas.openxmlformats.org/officeDocument/2006/relationships" xmlns:p="http://schemas.openxmlformats.org/presentationml/2006/main" saveSubsetFonts="1">
   <p:sldMasterIdLst>
-    <p:sldMasterId id="2147483648" r:id="rId1"/>
+    <p:sldMasterId id="2147483648" r:id="rId4"/>
   </p:sldMasterIdLst>
   <p:sldIdLst>
-    <p:sldId id="256" r:id="rId2"/>
-    <p:sldId id="257" r:id="rId3"/>
+    <p:sldId id="256" r:id="rId5"/>
+    <p:sldId id="257" r:id="rId6"/>
+    <p:sldId id="258" r:id="rId7"/>
   </p:sldIdLst>
   <p:sldSz cx="12192000" cy="6858000"/>
   <p:notesSz cx="6858000" cy="9144000"/>
@@ -260,7 +261,7 @@
           <a:p>
             <a:fld id="{E79AB282-DA06-4F6B-B5A0-2CC006DE651C}" type="datetimeFigureOut">
               <a:rPr lang="pt-BR" smtClean="0"/>
-              <a:t>15/11/2020</a:t>
+              <a:t>25/11/2020</a:t>
             </a:fld>
             <a:endParaRPr lang="pt-BR"/>
           </a:p>
@@ -458,7 +459,7 @@
           <a:p>
             <a:fld id="{E79AB282-DA06-4F6B-B5A0-2CC006DE651C}" type="datetimeFigureOut">
               <a:rPr lang="pt-BR" smtClean="0"/>
-              <a:t>15/11/2020</a:t>
+              <a:t>25/11/2020</a:t>
             </a:fld>
             <a:endParaRPr lang="pt-BR"/>
           </a:p>
@@ -666,7 +667,7 @@
           <a:p>
             <a:fld id="{E79AB282-DA06-4F6B-B5A0-2CC006DE651C}" type="datetimeFigureOut">
               <a:rPr lang="pt-BR" smtClean="0"/>
-              <a:t>15/11/2020</a:t>
+              <a:t>25/11/2020</a:t>
             </a:fld>
             <a:endParaRPr lang="pt-BR"/>
           </a:p>
@@ -864,7 +865,7 @@
           <a:p>
             <a:fld id="{E79AB282-DA06-4F6B-B5A0-2CC006DE651C}" type="datetimeFigureOut">
               <a:rPr lang="pt-BR" smtClean="0"/>
-              <a:t>15/11/2020</a:t>
+              <a:t>25/11/2020</a:t>
             </a:fld>
             <a:endParaRPr lang="pt-BR"/>
           </a:p>
@@ -1139,7 +1140,7 @@
           <a:p>
             <a:fld id="{E79AB282-DA06-4F6B-B5A0-2CC006DE651C}" type="datetimeFigureOut">
               <a:rPr lang="pt-BR" smtClean="0"/>
-              <a:t>15/11/2020</a:t>
+              <a:t>25/11/2020</a:t>
             </a:fld>
             <a:endParaRPr lang="pt-BR"/>
           </a:p>
@@ -1404,7 +1405,7 @@
           <a:p>
             <a:fld id="{E79AB282-DA06-4F6B-B5A0-2CC006DE651C}" type="datetimeFigureOut">
               <a:rPr lang="pt-BR" smtClean="0"/>
-              <a:t>15/11/2020</a:t>
+              <a:t>25/11/2020</a:t>
             </a:fld>
             <a:endParaRPr lang="pt-BR"/>
           </a:p>
@@ -1816,7 +1817,7 @@
           <a:p>
             <a:fld id="{E79AB282-DA06-4F6B-B5A0-2CC006DE651C}" type="datetimeFigureOut">
               <a:rPr lang="pt-BR" smtClean="0"/>
-              <a:t>15/11/2020</a:t>
+              <a:t>25/11/2020</a:t>
             </a:fld>
             <a:endParaRPr lang="pt-BR"/>
           </a:p>
@@ -1957,7 +1958,7 @@
           <a:p>
             <a:fld id="{E79AB282-DA06-4F6B-B5A0-2CC006DE651C}" type="datetimeFigureOut">
               <a:rPr lang="pt-BR" smtClean="0"/>
-              <a:t>15/11/2020</a:t>
+              <a:t>25/11/2020</a:t>
             </a:fld>
             <a:endParaRPr lang="pt-BR"/>
           </a:p>
@@ -2070,7 +2071,7 @@
           <a:p>
             <a:fld id="{E79AB282-DA06-4F6B-B5A0-2CC006DE651C}" type="datetimeFigureOut">
               <a:rPr lang="pt-BR" smtClean="0"/>
-              <a:t>15/11/2020</a:t>
+              <a:t>25/11/2020</a:t>
             </a:fld>
             <a:endParaRPr lang="pt-BR"/>
           </a:p>
@@ -2381,7 +2382,7 @@
           <a:p>
             <a:fld id="{E79AB282-DA06-4F6B-B5A0-2CC006DE651C}" type="datetimeFigureOut">
               <a:rPr lang="pt-BR" smtClean="0"/>
-              <a:t>15/11/2020</a:t>
+              <a:t>25/11/2020</a:t>
             </a:fld>
             <a:endParaRPr lang="pt-BR"/>
           </a:p>
@@ -2669,7 +2670,7 @@
           <a:p>
             <a:fld id="{E79AB282-DA06-4F6B-B5A0-2CC006DE651C}" type="datetimeFigureOut">
               <a:rPr lang="pt-BR" smtClean="0"/>
-              <a:t>15/11/2020</a:t>
+              <a:t>25/11/2020</a:t>
             </a:fld>
             <a:endParaRPr lang="pt-BR"/>
           </a:p>
@@ -2910,7 +2911,7 @@
           <a:p>
             <a:fld id="{E79AB282-DA06-4F6B-B5A0-2CC006DE651C}" type="datetimeFigureOut">
               <a:rPr lang="pt-BR" smtClean="0"/>
-              <a:t>15/11/2020</a:t>
+              <a:t>25/11/2020</a:t>
             </a:fld>
             <a:endParaRPr lang="pt-BR"/>
           </a:p>
@@ -3329,6 +3330,120 @@
       </p:grpSpPr>
       <p:sp>
         <p:nvSpPr>
+          <p:cNvPr id="26" name="Retângulo 25">
+            <a:extLst>
+              <a:ext uri="{FF2B5EF4-FFF2-40B4-BE49-F238E27FC236}">
+                <a16:creationId xmlns:a16="http://schemas.microsoft.com/office/drawing/2014/main" id="{A127CC11-DE15-4D73-971B-EE50D60F3D9E}"/>
+              </a:ext>
+            </a:extLst>
+          </p:cNvPr>
+          <p:cNvSpPr/>
+          <p:nvPr/>
+        </p:nvSpPr>
+        <p:spPr>
+          <a:xfrm>
+            <a:off x="244700" y="3685566"/>
+            <a:ext cx="4956254" cy="2781539"/>
+          </a:xfrm>
+          <a:prstGeom prst="rect">
+            <a:avLst/>
+          </a:prstGeom>
+          <a:solidFill>
+            <a:schemeClr val="accent1">
+              <a:lumMod val="60000"/>
+              <a:lumOff val="40000"/>
+            </a:schemeClr>
+          </a:solidFill>
+          <a:ln>
+            <a:solidFill>
+              <a:schemeClr val="tx1"/>
+            </a:solidFill>
+          </a:ln>
+        </p:spPr>
+        <p:style>
+          <a:lnRef idx="2">
+            <a:schemeClr val="accent1">
+              <a:shade val="50000"/>
+            </a:schemeClr>
+          </a:lnRef>
+          <a:fillRef idx="1">
+            <a:schemeClr val="accent1"/>
+          </a:fillRef>
+          <a:effectRef idx="0">
+            <a:schemeClr val="accent1"/>
+          </a:effectRef>
+          <a:fontRef idx="minor">
+            <a:schemeClr val="lt1"/>
+          </a:fontRef>
+        </p:style>
+        <p:txBody>
+          <a:bodyPr rtlCol="0" anchor="ctr"/>
+          <a:lstStyle/>
+          <a:p>
+            <a:pPr algn="ctr"/>
+            <a:endParaRPr lang="pt-BR"/>
+          </a:p>
+        </p:txBody>
+      </p:sp>
+      <p:sp>
+        <p:nvSpPr>
+          <p:cNvPr id="41" name="Retângulo: Cantos Arredondados 40">
+            <a:extLst>
+              <a:ext uri="{FF2B5EF4-FFF2-40B4-BE49-F238E27FC236}">
+                <a16:creationId xmlns:a16="http://schemas.microsoft.com/office/drawing/2014/main" id="{BED5B0C8-96F5-4F17-8DE2-B847B8BEF9F6}"/>
+              </a:ext>
+            </a:extLst>
+          </p:cNvPr>
+          <p:cNvSpPr/>
+          <p:nvPr/>
+        </p:nvSpPr>
+        <p:spPr>
+          <a:xfrm>
+            <a:off x="526767" y="4182888"/>
+            <a:ext cx="4521751" cy="2151266"/>
+          </a:xfrm>
+          <a:prstGeom prst="roundRect">
+            <a:avLst/>
+          </a:prstGeom>
+          <a:solidFill>
+            <a:schemeClr val="accent1">
+              <a:lumMod val="40000"/>
+              <a:lumOff val="60000"/>
+            </a:schemeClr>
+          </a:solidFill>
+          <a:ln>
+            <a:solidFill>
+              <a:schemeClr val="tx1"/>
+            </a:solidFill>
+          </a:ln>
+        </p:spPr>
+        <p:style>
+          <a:lnRef idx="2">
+            <a:schemeClr val="accent1">
+              <a:shade val="50000"/>
+            </a:schemeClr>
+          </a:lnRef>
+          <a:fillRef idx="1">
+            <a:schemeClr val="accent1"/>
+          </a:fillRef>
+          <a:effectRef idx="0">
+            <a:schemeClr val="accent1"/>
+          </a:effectRef>
+          <a:fontRef idx="minor">
+            <a:schemeClr val="lt1"/>
+          </a:fontRef>
+        </p:style>
+        <p:txBody>
+          <a:bodyPr rtlCol="0" anchor="ctr"/>
+          <a:lstStyle/>
+          <a:p>
+            <a:pPr algn="ctr"/>
+            <a:endParaRPr lang="pt-BR"/>
+          </a:p>
+        </p:txBody>
+      </p:sp>
+      <p:sp>
+        <p:nvSpPr>
           <p:cNvPr id="4" name="Retângulo 3">
             <a:extLst>
               <a:ext uri="{FF2B5EF4-FFF2-40B4-BE49-F238E27FC236}">
@@ -3341,8 +3456,8 @@
         </p:nvSpPr>
         <p:spPr>
           <a:xfrm>
-            <a:off x="244699" y="206062"/>
-            <a:ext cx="5087155" cy="4726547"/>
+            <a:off x="244700" y="206062"/>
+            <a:ext cx="4956254" cy="3093139"/>
           </a:xfrm>
           <a:prstGeom prst="rect">
             <a:avLst/>
@@ -3623,7 +3738,7 @@
         </p:nvSpPr>
         <p:spPr>
           <a:xfrm>
-            <a:off x="5470122" y="4182887"/>
+            <a:off x="5447129" y="5862096"/>
             <a:ext cx="1270715" cy="772733"/>
           </a:xfrm>
           <a:prstGeom prst="parallelogram">
@@ -3680,7 +3795,7 @@
         <p:spPr>
           <a:xfrm>
             <a:off x="528034" y="734096"/>
-            <a:ext cx="4520484" cy="4018208"/>
+            <a:ext cx="4407320" cy="2363273"/>
           </a:xfrm>
           <a:prstGeom prst="roundRect">
             <a:avLst/>
@@ -3759,41 +3874,6 @@
       </p:sp>
       <p:sp>
         <p:nvSpPr>
-          <p:cNvPr id="16" name="CaixaDeTexto 15">
-            <a:extLst>
-              <a:ext uri="{FF2B5EF4-FFF2-40B4-BE49-F238E27FC236}">
-                <a16:creationId xmlns:a16="http://schemas.microsoft.com/office/drawing/2014/main" id="{93949F93-5314-4597-AF94-8EAB2481CB15}"/>
-              </a:ext>
-            </a:extLst>
-          </p:cNvPr>
-          <p:cNvSpPr txBox="1"/>
-          <p:nvPr/>
-        </p:nvSpPr>
-        <p:spPr>
-          <a:xfrm>
-            <a:off x="2367567" y="2484006"/>
-            <a:ext cx="838884" cy="369332"/>
-          </a:xfrm>
-          <a:prstGeom prst="rect">
-            <a:avLst/>
-          </a:prstGeom>
-          <a:noFill/>
-        </p:spPr>
-        <p:txBody>
-          <a:bodyPr wrap="none" rtlCol="0">
-            <a:spAutoFit/>
-          </a:bodyPr>
-          <a:lstStyle/>
-          <a:p>
-            <a:r>
-              <a:rPr lang="pt-BR" dirty="0"/>
-              <a:t>Cliente</a:t>
-            </a:r>
-          </a:p>
-        </p:txBody>
-      </p:sp>
-      <p:sp>
-        <p:nvSpPr>
           <p:cNvPr id="17" name="Fluxograma: Disco Magnético 16">
             <a:extLst>
               <a:ext uri="{FF2B5EF4-FFF2-40B4-BE49-F238E27FC236}">
@@ -3897,7 +3977,7 @@
         </p:nvSpPr>
         <p:spPr>
           <a:xfrm>
-            <a:off x="5682488" y="4400138"/>
+            <a:off x="5696477" y="6025160"/>
             <a:ext cx="819455" cy="369332"/>
           </a:xfrm>
           <a:prstGeom prst="rect">
@@ -3932,7 +4012,7 @@
         </p:nvSpPr>
         <p:spPr>
           <a:xfrm>
-            <a:off x="5570471" y="2870373"/>
+            <a:off x="5570471" y="1608241"/>
             <a:ext cx="1051057" cy="369332"/>
           </a:xfrm>
           <a:prstGeom prst="rect">
@@ -4201,13 +4281,13 @@
           <p:nvPr/>
         </p:nvCxnSpPr>
         <p:spPr>
-          <a:xfrm rot="10800000" flipV="1">
-            <a:off x="5048519" y="2395470"/>
-            <a:ext cx="661115" cy="347729"/>
+          <a:xfrm rot="10800000">
+            <a:off x="4935355" y="1915733"/>
+            <a:ext cx="774279" cy="479738"/>
           </a:xfrm>
           <a:prstGeom prst="bentConnector3">
             <a:avLst>
-              <a:gd name="adj1" fmla="val 36364"/>
+              <a:gd name="adj1" fmla="val 50000"/>
             </a:avLst>
           </a:prstGeom>
           <a:ln w="38100">
@@ -4333,7 +4413,7 @@
         </p:nvCxnSpPr>
         <p:spPr>
           <a:xfrm>
-            <a:off x="6644245" y="4569254"/>
+            <a:off x="6621252" y="6248463"/>
             <a:ext cx="499236" cy="0"/>
           </a:xfrm>
           <a:prstGeom prst="straightConnector1">
@@ -4388,6 +4468,157 @@
               <a:schemeClr val="tx1"/>
             </a:solidFill>
             <a:headEnd type="triangle"/>
+            <a:tailEnd type="triangle"/>
+          </a:ln>
+        </p:spPr>
+        <p:style>
+          <a:lnRef idx="1">
+            <a:schemeClr val="accent1"/>
+          </a:lnRef>
+          <a:fillRef idx="0">
+            <a:schemeClr val="accent1"/>
+          </a:fillRef>
+          <a:effectRef idx="0">
+            <a:schemeClr val="accent1"/>
+          </a:effectRef>
+          <a:fontRef idx="minor">
+            <a:schemeClr val="tx1"/>
+          </a:fontRef>
+        </p:style>
+      </p:cxnSp>
+      <p:sp>
+        <p:nvSpPr>
+          <p:cNvPr id="33" name="CaixaDeTexto 32">
+            <a:extLst>
+              <a:ext uri="{FF2B5EF4-FFF2-40B4-BE49-F238E27FC236}">
+                <a16:creationId xmlns:a16="http://schemas.microsoft.com/office/drawing/2014/main" id="{364DF8C5-4910-4E9D-8B1B-71F758072E5F}"/>
+              </a:ext>
+            </a:extLst>
+          </p:cNvPr>
+          <p:cNvSpPr txBox="1"/>
+          <p:nvPr/>
+        </p:nvSpPr>
+        <p:spPr>
+          <a:xfrm>
+            <a:off x="2245869" y="1745932"/>
+            <a:ext cx="953915" cy="369332"/>
+          </a:xfrm>
+          <a:prstGeom prst="rect">
+            <a:avLst/>
+          </a:prstGeom>
+          <a:noFill/>
+        </p:spPr>
+        <p:txBody>
+          <a:bodyPr wrap="none" rtlCol="0">
+            <a:spAutoFit/>
+          </a:bodyPr>
+          <a:lstStyle/>
+          <a:p>
+            <a:r>
+              <a:rPr lang="pt-BR" dirty="0"/>
+              <a:t>Desktop</a:t>
+            </a:r>
+          </a:p>
+        </p:txBody>
+      </p:sp>
+      <p:sp>
+        <p:nvSpPr>
+          <p:cNvPr id="32" name="CaixaDeTexto 31">
+            <a:extLst>
+              <a:ext uri="{FF2B5EF4-FFF2-40B4-BE49-F238E27FC236}">
+                <a16:creationId xmlns:a16="http://schemas.microsoft.com/office/drawing/2014/main" id="{4F7E0846-359E-4E3D-A29A-2CCA458EEABC}"/>
+              </a:ext>
+            </a:extLst>
+          </p:cNvPr>
+          <p:cNvSpPr txBox="1"/>
+          <p:nvPr/>
+        </p:nvSpPr>
+        <p:spPr>
+          <a:xfrm>
+            <a:off x="2422378" y="5072670"/>
+            <a:ext cx="618631" cy="369332"/>
+          </a:xfrm>
+          <a:prstGeom prst="rect">
+            <a:avLst/>
+          </a:prstGeom>
+          <a:noFill/>
+        </p:spPr>
+        <p:txBody>
+          <a:bodyPr wrap="none" rtlCol="0">
+            <a:spAutoFit/>
+          </a:bodyPr>
+          <a:lstStyle/>
+          <a:p>
+            <a:r>
+              <a:rPr lang="pt-BR" dirty="0"/>
+              <a:t>Web</a:t>
+            </a:r>
+          </a:p>
+        </p:txBody>
+      </p:sp>
+      <p:sp>
+        <p:nvSpPr>
+          <p:cNvPr id="43" name="CaixaDeTexto 42">
+            <a:extLst>
+              <a:ext uri="{FF2B5EF4-FFF2-40B4-BE49-F238E27FC236}">
+                <a16:creationId xmlns:a16="http://schemas.microsoft.com/office/drawing/2014/main" id="{294AA50F-D7B2-4151-8679-0B2F6F21BC4A}"/>
+              </a:ext>
+            </a:extLst>
+          </p:cNvPr>
+          <p:cNvSpPr txBox="1"/>
+          <p:nvPr/>
+        </p:nvSpPr>
+        <p:spPr>
+          <a:xfrm>
+            <a:off x="244699" y="3685566"/>
+            <a:ext cx="2038058" cy="369332"/>
+          </a:xfrm>
+          <a:prstGeom prst="rect">
+            <a:avLst/>
+          </a:prstGeom>
+          <a:noFill/>
+        </p:spPr>
+        <p:txBody>
+          <a:bodyPr wrap="none" rtlCol="0">
+            <a:spAutoFit/>
+          </a:bodyPr>
+          <a:lstStyle/>
+          <a:p>
+            <a:r>
+              <a:rPr lang="pt-BR" dirty="0"/>
+              <a:t>Terminal de Acesso</a:t>
+            </a:r>
+          </a:p>
+        </p:txBody>
+      </p:sp>
+      <p:cxnSp>
+        <p:nvCxnSpPr>
+          <p:cNvPr id="46" name="Conector reto 45">
+            <a:extLst>
+              <a:ext uri="{FF2B5EF4-FFF2-40B4-BE49-F238E27FC236}">
+                <a16:creationId xmlns:a16="http://schemas.microsoft.com/office/drawing/2014/main" id="{55A48754-6BF0-49D8-9F08-0D4A8B2A073E}"/>
+              </a:ext>
+            </a:extLst>
+          </p:cNvPr>
+          <p:cNvCxnSpPr>
+            <a:cxnSpLocks/>
+            <a:stCxn id="6" idx="4"/>
+            <a:endCxn id="41" idx="3"/>
+          </p:cNvCxnSpPr>
+          <p:nvPr/>
+        </p:nvCxnSpPr>
+        <p:spPr>
+          <a:xfrm rot="5400000">
+            <a:off x="4333917" y="3496438"/>
+            <a:ext cx="2476684" cy="1047482"/>
+          </a:xfrm>
+          <a:prstGeom prst="bentConnector2">
+            <a:avLst/>
+          </a:prstGeom>
+          <a:ln w="38100">
+            <a:solidFill>
+              <a:schemeClr val="tx1"/>
+            </a:solidFill>
             <a:tailEnd type="triangle"/>
           </a:ln>
         </p:spPr>
@@ -4438,10 +4669,10 @@
       </p:grpSpPr>
       <p:sp>
         <p:nvSpPr>
-          <p:cNvPr id="4" name="Retângulo 3">
-            <a:extLst>
-              <a:ext uri="{FF2B5EF4-FFF2-40B4-BE49-F238E27FC236}">
-                <a16:creationId xmlns:a16="http://schemas.microsoft.com/office/drawing/2014/main" id="{754CDA82-9E01-48FE-9AB4-53438AFAC033}"/>
+          <p:cNvPr id="59" name="Retângulo 58">
+            <a:extLst>
+              <a:ext uri="{FF2B5EF4-FFF2-40B4-BE49-F238E27FC236}">
+                <a16:creationId xmlns:a16="http://schemas.microsoft.com/office/drawing/2014/main" id="{D8909AFF-E73F-4FEC-ACD4-DA98FB91D173}"/>
               </a:ext>
             </a:extLst>
           </p:cNvPr>
@@ -4450,8 +4681,8 @@
         </p:nvSpPr>
         <p:spPr>
           <a:xfrm>
-            <a:off x="244699" y="206062"/>
-            <a:ext cx="5087155" cy="4726547"/>
+            <a:off x="244700" y="3632102"/>
+            <a:ext cx="5172902" cy="2835003"/>
           </a:xfrm>
           <a:prstGeom prst="rect">
             <a:avLst/>
@@ -4495,10 +4726,10 @@
       </p:sp>
       <p:sp>
         <p:nvSpPr>
-          <p:cNvPr id="5" name="Retângulo 4">
-            <a:extLst>
-              <a:ext uri="{FF2B5EF4-FFF2-40B4-BE49-F238E27FC236}">
-                <a16:creationId xmlns:a16="http://schemas.microsoft.com/office/drawing/2014/main" id="{75E862AE-812C-42BE-A894-3C423C6ABA8A}"/>
+          <p:cNvPr id="80" name="Retângulo: Cantos Arredondados 79">
+            <a:extLst>
+              <a:ext uri="{FF2B5EF4-FFF2-40B4-BE49-F238E27FC236}">
+                <a16:creationId xmlns:a16="http://schemas.microsoft.com/office/drawing/2014/main" id="{36CA4C64-D000-4BD7-A9FF-627C25D05918}"/>
               </a:ext>
             </a:extLst>
           </p:cNvPr>
@@ -4507,16 +4738,16 @@
         </p:nvSpPr>
         <p:spPr>
           <a:xfrm>
-            <a:off x="6860146" y="206062"/>
-            <a:ext cx="5087155" cy="6439437"/>
-          </a:xfrm>
-          <a:prstGeom prst="rect">
+            <a:off x="526766" y="4099255"/>
+            <a:ext cx="4697576" cy="2270928"/>
+          </a:xfrm>
+          <a:prstGeom prst="roundRect">
             <a:avLst/>
           </a:prstGeom>
           <a:solidFill>
-            <a:schemeClr val="accent2">
-              <a:lumMod val="60000"/>
-              <a:lumOff val="40000"/>
+            <a:schemeClr val="accent1">
+              <a:lumMod val="40000"/>
+              <a:lumOff val="60000"/>
             </a:schemeClr>
           </a:solidFill>
           <a:ln>
@@ -4550,12 +4781,1674 @@
           </a:p>
         </p:txBody>
       </p:sp>
+      <p:sp>
+        <p:nvSpPr>
+          <p:cNvPr id="4" name="Retângulo 3">
+            <a:extLst>
+              <a:ext uri="{FF2B5EF4-FFF2-40B4-BE49-F238E27FC236}">
+                <a16:creationId xmlns:a16="http://schemas.microsoft.com/office/drawing/2014/main" id="{754CDA82-9E01-48FE-9AB4-53438AFAC033}"/>
+              </a:ext>
+            </a:extLst>
+          </p:cNvPr>
+          <p:cNvSpPr/>
+          <p:nvPr/>
+        </p:nvSpPr>
+        <p:spPr>
+          <a:xfrm>
+            <a:off x="244699" y="206063"/>
+            <a:ext cx="5172903" cy="3140160"/>
+          </a:xfrm>
+          <a:prstGeom prst="rect">
+            <a:avLst/>
+          </a:prstGeom>
+          <a:solidFill>
+            <a:schemeClr val="accent1">
+              <a:lumMod val="60000"/>
+              <a:lumOff val="40000"/>
+            </a:schemeClr>
+          </a:solidFill>
+          <a:ln>
+            <a:solidFill>
+              <a:schemeClr val="tx1"/>
+            </a:solidFill>
+          </a:ln>
+        </p:spPr>
+        <p:style>
+          <a:lnRef idx="2">
+            <a:schemeClr val="accent1">
+              <a:shade val="50000"/>
+            </a:schemeClr>
+          </a:lnRef>
+          <a:fillRef idx="1">
+            <a:schemeClr val="accent1"/>
+          </a:fillRef>
+          <a:effectRef idx="0">
+            <a:schemeClr val="accent1"/>
+          </a:effectRef>
+          <a:fontRef idx="minor">
+            <a:schemeClr val="lt1"/>
+          </a:fontRef>
+        </p:style>
+        <p:txBody>
+          <a:bodyPr rtlCol="0" anchor="ctr"/>
+          <a:lstStyle/>
+          <a:p>
+            <a:pPr algn="ctr"/>
+            <a:endParaRPr lang="pt-BR"/>
+          </a:p>
+        </p:txBody>
+      </p:sp>
+      <p:sp>
+        <p:nvSpPr>
+          <p:cNvPr id="5" name="Retângulo 4">
+            <a:extLst>
+              <a:ext uri="{FF2B5EF4-FFF2-40B4-BE49-F238E27FC236}">
+                <a16:creationId xmlns:a16="http://schemas.microsoft.com/office/drawing/2014/main" id="{75E862AE-812C-42BE-A894-3C423C6ABA8A}"/>
+              </a:ext>
+            </a:extLst>
+          </p:cNvPr>
+          <p:cNvSpPr/>
+          <p:nvPr/>
+        </p:nvSpPr>
+        <p:spPr>
+          <a:xfrm>
+            <a:off x="6860146" y="206062"/>
+            <a:ext cx="5087155" cy="6439437"/>
+          </a:xfrm>
+          <a:prstGeom prst="rect">
+            <a:avLst/>
+          </a:prstGeom>
+          <a:solidFill>
+            <a:schemeClr val="accent2">
+              <a:lumMod val="60000"/>
+              <a:lumOff val="40000"/>
+            </a:schemeClr>
+          </a:solidFill>
+          <a:ln>
+            <a:solidFill>
+              <a:schemeClr val="tx1"/>
+            </a:solidFill>
+          </a:ln>
+        </p:spPr>
+        <p:style>
+          <a:lnRef idx="2">
+            <a:schemeClr val="accent1">
+              <a:shade val="50000"/>
+            </a:schemeClr>
+          </a:lnRef>
+          <a:fillRef idx="1">
+            <a:schemeClr val="accent1"/>
+          </a:fillRef>
+          <a:effectRef idx="0">
+            <a:schemeClr val="accent1"/>
+          </a:effectRef>
+          <a:fontRef idx="minor">
+            <a:schemeClr val="lt1"/>
+          </a:fontRef>
+        </p:style>
+        <p:txBody>
+          <a:bodyPr rtlCol="0" anchor="ctr"/>
+          <a:lstStyle/>
+          <a:p>
+            <a:pPr algn="ctr"/>
+            <a:endParaRPr lang="pt-BR"/>
+          </a:p>
+        </p:txBody>
+      </p:sp>
+      <p:sp>
+        <p:nvSpPr>
+          <p:cNvPr id="12" name="Paralelogramo 11">
+            <a:extLst>
+              <a:ext uri="{FF2B5EF4-FFF2-40B4-BE49-F238E27FC236}">
+                <a16:creationId xmlns:a16="http://schemas.microsoft.com/office/drawing/2014/main" id="{B7931F14-75E4-4F31-B816-E41E87C500E1}"/>
+              </a:ext>
+            </a:extLst>
+          </p:cNvPr>
+          <p:cNvSpPr/>
+          <p:nvPr/>
+        </p:nvSpPr>
+        <p:spPr>
+          <a:xfrm>
+            <a:off x="5470122" y="5843647"/>
+            <a:ext cx="1270715" cy="772733"/>
+          </a:xfrm>
+          <a:prstGeom prst="parallelogram">
+            <a:avLst/>
+          </a:prstGeom>
+          <a:solidFill>
+            <a:schemeClr val="bg2">
+              <a:lumMod val="75000"/>
+            </a:schemeClr>
+          </a:solidFill>
+          <a:ln>
+            <a:solidFill>
+              <a:schemeClr val="tx1"/>
+            </a:solidFill>
+          </a:ln>
+        </p:spPr>
+        <p:style>
+          <a:lnRef idx="2">
+            <a:schemeClr val="accent1">
+              <a:shade val="50000"/>
+            </a:schemeClr>
+          </a:lnRef>
+          <a:fillRef idx="1">
+            <a:schemeClr val="accent1"/>
+          </a:fillRef>
+          <a:effectRef idx="0">
+            <a:schemeClr val="accent1"/>
+          </a:effectRef>
+          <a:fontRef idx="minor">
+            <a:schemeClr val="lt1"/>
+          </a:fontRef>
+        </p:style>
+        <p:txBody>
+          <a:bodyPr rtlCol="0" anchor="ctr"/>
+          <a:lstStyle/>
+          <a:p>
+            <a:pPr algn="ctr"/>
+            <a:endParaRPr lang="pt-BR"/>
+          </a:p>
+        </p:txBody>
+      </p:sp>
+      <p:sp>
+        <p:nvSpPr>
+          <p:cNvPr id="14" name="Retângulo: Cantos Arredondados 13">
+            <a:extLst>
+              <a:ext uri="{FF2B5EF4-FFF2-40B4-BE49-F238E27FC236}">
+                <a16:creationId xmlns:a16="http://schemas.microsoft.com/office/drawing/2014/main" id="{A5DC3BCF-A514-4667-8296-DE6B2C552167}"/>
+              </a:ext>
+            </a:extLst>
+          </p:cNvPr>
+          <p:cNvSpPr/>
+          <p:nvPr/>
+        </p:nvSpPr>
+        <p:spPr>
+          <a:xfrm>
+            <a:off x="528033" y="734096"/>
+            <a:ext cx="4696309" cy="2412612"/>
+          </a:xfrm>
+          <a:prstGeom prst="roundRect">
+            <a:avLst/>
+          </a:prstGeom>
+          <a:solidFill>
+            <a:schemeClr val="accent1">
+              <a:lumMod val="40000"/>
+              <a:lumOff val="60000"/>
+            </a:schemeClr>
+          </a:solidFill>
+          <a:ln>
+            <a:solidFill>
+              <a:schemeClr val="tx1"/>
+            </a:solidFill>
+          </a:ln>
+        </p:spPr>
+        <p:style>
+          <a:lnRef idx="2">
+            <a:schemeClr val="accent1">
+              <a:shade val="50000"/>
+            </a:schemeClr>
+          </a:lnRef>
+          <a:fillRef idx="1">
+            <a:schemeClr val="accent1"/>
+          </a:fillRef>
+          <a:effectRef idx="0">
+            <a:schemeClr val="accent1"/>
+          </a:effectRef>
+          <a:fontRef idx="minor">
+            <a:schemeClr val="lt1"/>
+          </a:fontRef>
+        </p:style>
+        <p:txBody>
+          <a:bodyPr rtlCol="0" anchor="ctr"/>
+          <a:lstStyle/>
+          <a:p>
+            <a:pPr algn="ctr"/>
+            <a:endParaRPr lang="pt-BR"/>
+          </a:p>
+        </p:txBody>
+      </p:sp>
+      <p:sp>
+        <p:nvSpPr>
+          <p:cNvPr id="15" name="CaixaDeTexto 14">
+            <a:extLst>
+              <a:ext uri="{FF2B5EF4-FFF2-40B4-BE49-F238E27FC236}">
+                <a16:creationId xmlns:a16="http://schemas.microsoft.com/office/drawing/2014/main" id="{DC274417-5573-4E46-B16B-A11FACD0EB26}"/>
+              </a:ext>
+            </a:extLst>
+          </p:cNvPr>
+          <p:cNvSpPr txBox="1"/>
+          <p:nvPr/>
+        </p:nvSpPr>
+        <p:spPr>
+          <a:xfrm>
+            <a:off x="244699" y="285413"/>
+            <a:ext cx="2038058" cy="369332"/>
+          </a:xfrm>
+          <a:prstGeom prst="rect">
+            <a:avLst/>
+          </a:prstGeom>
+          <a:noFill/>
+        </p:spPr>
+        <p:txBody>
+          <a:bodyPr wrap="square" rtlCol="0">
+            <a:spAutoFit/>
+          </a:bodyPr>
+          <a:lstStyle/>
+          <a:p>
+            <a:r>
+              <a:rPr lang="pt-BR" dirty="0"/>
+              <a:t>Terminal de Acesso</a:t>
+            </a:r>
+          </a:p>
+        </p:txBody>
+      </p:sp>
+      <p:sp>
+        <p:nvSpPr>
+          <p:cNvPr id="16" name="CaixaDeTexto 15">
+            <a:extLst>
+              <a:ext uri="{FF2B5EF4-FFF2-40B4-BE49-F238E27FC236}">
+                <a16:creationId xmlns:a16="http://schemas.microsoft.com/office/drawing/2014/main" id="{93949F93-5314-4597-AF94-8EAB2481CB15}"/>
+              </a:ext>
+            </a:extLst>
+          </p:cNvPr>
+          <p:cNvSpPr txBox="1"/>
+          <p:nvPr/>
+        </p:nvSpPr>
+        <p:spPr>
+          <a:xfrm>
+            <a:off x="847296" y="675537"/>
+            <a:ext cx="953915" cy="369332"/>
+          </a:xfrm>
+          <a:prstGeom prst="rect">
+            <a:avLst/>
+          </a:prstGeom>
+          <a:noFill/>
+        </p:spPr>
+        <p:txBody>
+          <a:bodyPr wrap="square" rtlCol="0">
+            <a:spAutoFit/>
+          </a:bodyPr>
+          <a:lstStyle/>
+          <a:p>
+            <a:r>
+              <a:rPr lang="pt-BR" dirty="0"/>
+              <a:t>Desktop</a:t>
+            </a:r>
+          </a:p>
+        </p:txBody>
+      </p:sp>
+      <p:sp>
+        <p:nvSpPr>
+          <p:cNvPr id="17" name="Fluxograma: Disco Magnético 16">
+            <a:extLst>
+              <a:ext uri="{FF2B5EF4-FFF2-40B4-BE49-F238E27FC236}">
+                <a16:creationId xmlns:a16="http://schemas.microsoft.com/office/drawing/2014/main" id="{97632C8A-7399-4598-B947-D5326BD0EC95}"/>
+              </a:ext>
+            </a:extLst>
+          </p:cNvPr>
+          <p:cNvSpPr/>
+          <p:nvPr/>
+        </p:nvSpPr>
+        <p:spPr>
+          <a:xfrm>
+            <a:off x="8546838" y="3097369"/>
+            <a:ext cx="1713769" cy="656822"/>
+          </a:xfrm>
+          <a:prstGeom prst="flowChartMagneticDisk">
+            <a:avLst/>
+          </a:prstGeom>
+          <a:solidFill>
+            <a:schemeClr val="bg2">
+              <a:lumMod val="75000"/>
+            </a:schemeClr>
+          </a:solidFill>
+          <a:ln>
+            <a:solidFill>
+              <a:schemeClr val="tx1"/>
+            </a:solidFill>
+          </a:ln>
+        </p:spPr>
+        <p:style>
+          <a:lnRef idx="2">
+            <a:schemeClr val="accent1">
+              <a:shade val="50000"/>
+            </a:schemeClr>
+          </a:lnRef>
+          <a:fillRef idx="1">
+            <a:schemeClr val="accent1"/>
+          </a:fillRef>
+          <a:effectRef idx="0">
+            <a:schemeClr val="accent1"/>
+          </a:effectRef>
+          <a:fontRef idx="minor">
+            <a:schemeClr val="lt1"/>
+          </a:fontRef>
+        </p:style>
+        <p:txBody>
+          <a:bodyPr rtlCol="0" anchor="ctr"/>
+          <a:lstStyle/>
+          <a:p>
+            <a:pPr algn="ctr"/>
+            <a:endParaRPr lang="pt-BR"/>
+          </a:p>
+        </p:txBody>
+      </p:sp>
+      <p:sp>
+        <p:nvSpPr>
+          <p:cNvPr id="18" name="CaixaDeTexto 17">
+            <a:extLst>
+              <a:ext uri="{FF2B5EF4-FFF2-40B4-BE49-F238E27FC236}">
+                <a16:creationId xmlns:a16="http://schemas.microsoft.com/office/drawing/2014/main" id="{B733DF52-F6C8-4E15-8108-AA2E502C1B9F}"/>
+              </a:ext>
+            </a:extLst>
+          </p:cNvPr>
+          <p:cNvSpPr txBox="1"/>
+          <p:nvPr/>
+        </p:nvSpPr>
+        <p:spPr>
+          <a:xfrm>
+            <a:off x="8781083" y="3346222"/>
+            <a:ext cx="1245277" cy="369332"/>
+          </a:xfrm>
+          <a:prstGeom prst="rect">
+            <a:avLst/>
+          </a:prstGeom>
+          <a:noFill/>
+        </p:spPr>
+        <p:txBody>
+          <a:bodyPr wrap="square" rtlCol="0">
+            <a:spAutoFit/>
+          </a:bodyPr>
+          <a:lstStyle/>
+          <a:p>
+            <a:r>
+              <a:rPr lang="pt-BR" dirty="0"/>
+              <a:t>PostgreSQL</a:t>
+            </a:r>
+          </a:p>
+        </p:txBody>
+      </p:sp>
+      <p:sp>
+        <p:nvSpPr>
+          <p:cNvPr id="19" name="CaixaDeTexto 18">
+            <a:extLst>
+              <a:ext uri="{FF2B5EF4-FFF2-40B4-BE49-F238E27FC236}">
+                <a16:creationId xmlns:a16="http://schemas.microsoft.com/office/drawing/2014/main" id="{F48636BB-0194-4D4B-AC56-215245C3D578}"/>
+              </a:ext>
+            </a:extLst>
+          </p:cNvPr>
+          <p:cNvSpPr txBox="1"/>
+          <p:nvPr/>
+        </p:nvSpPr>
+        <p:spPr>
+          <a:xfrm>
+            <a:off x="5705481" y="6045347"/>
+            <a:ext cx="819455" cy="369332"/>
+          </a:xfrm>
+          <a:prstGeom prst="rect">
+            <a:avLst/>
+          </a:prstGeom>
+          <a:noFill/>
+        </p:spPr>
+        <p:txBody>
+          <a:bodyPr wrap="square" rtlCol="0">
+            <a:spAutoFit/>
+          </a:bodyPr>
+          <a:lstStyle/>
+          <a:p>
+            <a:r>
+              <a:rPr lang="pt-BR" dirty="0"/>
+              <a:t>Sensor</a:t>
+            </a:r>
+          </a:p>
+        </p:txBody>
+      </p:sp>
+      <p:sp>
+        <p:nvSpPr>
+          <p:cNvPr id="21" name="Retângulo: Cantos Arredondados 20">
+            <a:extLst>
+              <a:ext uri="{FF2B5EF4-FFF2-40B4-BE49-F238E27FC236}">
+                <a16:creationId xmlns:a16="http://schemas.microsoft.com/office/drawing/2014/main" id="{FA5D9024-7DCE-4709-82C8-E9D785B6ACB2}"/>
+              </a:ext>
+            </a:extLst>
+          </p:cNvPr>
+          <p:cNvSpPr/>
+          <p:nvPr/>
+        </p:nvSpPr>
+        <p:spPr>
+          <a:xfrm>
+            <a:off x="7144749" y="734095"/>
+            <a:ext cx="4520484" cy="1934577"/>
+          </a:xfrm>
+          <a:prstGeom prst="roundRect">
+            <a:avLst/>
+          </a:prstGeom>
+          <a:solidFill>
+            <a:schemeClr val="accent2">
+              <a:lumMod val="40000"/>
+              <a:lumOff val="60000"/>
+            </a:schemeClr>
+          </a:solidFill>
+          <a:ln>
+            <a:solidFill>
+              <a:schemeClr val="tx1"/>
+            </a:solidFill>
+          </a:ln>
+        </p:spPr>
+        <p:style>
+          <a:lnRef idx="2">
+            <a:schemeClr val="accent1">
+              <a:shade val="50000"/>
+            </a:schemeClr>
+          </a:lnRef>
+          <a:fillRef idx="1">
+            <a:schemeClr val="accent1"/>
+          </a:fillRef>
+          <a:effectRef idx="0">
+            <a:schemeClr val="accent1"/>
+          </a:effectRef>
+          <a:fontRef idx="minor">
+            <a:schemeClr val="lt1"/>
+          </a:fontRef>
+        </p:style>
+        <p:txBody>
+          <a:bodyPr rtlCol="0" anchor="ctr"/>
+          <a:lstStyle/>
+          <a:p>
+            <a:pPr algn="ctr"/>
+            <a:endParaRPr lang="pt-BR"/>
+          </a:p>
+        </p:txBody>
+      </p:sp>
+      <p:sp>
+        <p:nvSpPr>
+          <p:cNvPr id="22" name="Retângulo: Cantos Arredondados 21">
+            <a:extLst>
+              <a:ext uri="{FF2B5EF4-FFF2-40B4-BE49-F238E27FC236}">
+                <a16:creationId xmlns:a16="http://schemas.microsoft.com/office/drawing/2014/main" id="{D95E201C-3F7A-49C1-9890-1A509EF89620}"/>
+              </a:ext>
+            </a:extLst>
+          </p:cNvPr>
+          <p:cNvSpPr/>
+          <p:nvPr/>
+        </p:nvSpPr>
+        <p:spPr>
+          <a:xfrm>
+            <a:off x="7144749" y="4182887"/>
+            <a:ext cx="4520484" cy="2383260"/>
+          </a:xfrm>
+          <a:prstGeom prst="roundRect">
+            <a:avLst/>
+          </a:prstGeom>
+          <a:solidFill>
+            <a:schemeClr val="accent2">
+              <a:lumMod val="40000"/>
+              <a:lumOff val="60000"/>
+            </a:schemeClr>
+          </a:solidFill>
+          <a:ln>
+            <a:solidFill>
+              <a:schemeClr val="tx1"/>
+            </a:solidFill>
+          </a:ln>
+        </p:spPr>
+        <p:style>
+          <a:lnRef idx="2">
+            <a:schemeClr val="accent1">
+              <a:shade val="50000"/>
+            </a:schemeClr>
+          </a:lnRef>
+          <a:fillRef idx="1">
+            <a:schemeClr val="accent1"/>
+          </a:fillRef>
+          <a:effectRef idx="0">
+            <a:schemeClr val="accent1"/>
+          </a:effectRef>
+          <a:fontRef idx="minor">
+            <a:schemeClr val="lt1"/>
+          </a:fontRef>
+        </p:style>
+        <p:txBody>
+          <a:bodyPr rtlCol="0" anchor="ctr"/>
+          <a:lstStyle/>
+          <a:p>
+            <a:pPr algn="ctr"/>
+            <a:endParaRPr lang="pt-BR"/>
+          </a:p>
+        </p:txBody>
+      </p:sp>
+      <p:sp>
+        <p:nvSpPr>
+          <p:cNvPr id="23" name="CaixaDeTexto 22">
+            <a:extLst>
+              <a:ext uri="{FF2B5EF4-FFF2-40B4-BE49-F238E27FC236}">
+                <a16:creationId xmlns:a16="http://schemas.microsoft.com/office/drawing/2014/main" id="{826A007D-0603-48B9-AFC1-73D7102CA7E8}"/>
+              </a:ext>
+            </a:extLst>
+          </p:cNvPr>
+          <p:cNvSpPr txBox="1"/>
+          <p:nvPr/>
+        </p:nvSpPr>
+        <p:spPr>
+          <a:xfrm>
+            <a:off x="8667045" y="729940"/>
+            <a:ext cx="1473352" cy="369332"/>
+          </a:xfrm>
+          <a:prstGeom prst="rect">
+            <a:avLst/>
+          </a:prstGeom>
+          <a:noFill/>
+        </p:spPr>
+        <p:txBody>
+          <a:bodyPr wrap="square" rtlCol="0">
+            <a:spAutoFit/>
+          </a:bodyPr>
+          <a:lstStyle/>
+          <a:p>
+            <a:r>
+              <a:rPr lang="pt-BR" dirty="0"/>
+              <a:t>Servidor REST</a:t>
+            </a:r>
+          </a:p>
+        </p:txBody>
+      </p:sp>
+      <p:sp>
+        <p:nvSpPr>
+          <p:cNvPr id="24" name="CaixaDeTexto 23">
+            <a:extLst>
+              <a:ext uri="{FF2B5EF4-FFF2-40B4-BE49-F238E27FC236}">
+                <a16:creationId xmlns:a16="http://schemas.microsoft.com/office/drawing/2014/main" id="{B31C1505-47CF-4AED-A852-7F99097F2362}"/>
+              </a:ext>
+            </a:extLst>
+          </p:cNvPr>
+          <p:cNvSpPr txBox="1"/>
+          <p:nvPr/>
+        </p:nvSpPr>
+        <p:spPr>
+          <a:xfrm>
+            <a:off x="7777827" y="4282362"/>
+            <a:ext cx="3251788" cy="369332"/>
+          </a:xfrm>
+          <a:prstGeom prst="rect">
+            <a:avLst/>
+          </a:prstGeom>
+          <a:noFill/>
+        </p:spPr>
+        <p:txBody>
+          <a:bodyPr wrap="square" rtlCol="0">
+            <a:spAutoFit/>
+          </a:bodyPr>
+          <a:lstStyle/>
+          <a:p>
+            <a:r>
+              <a:rPr lang="pt-BR" dirty="0"/>
+              <a:t>Captador de Estado de Sensores</a:t>
+            </a:r>
+          </a:p>
+        </p:txBody>
+      </p:sp>
+      <p:sp>
+        <p:nvSpPr>
+          <p:cNvPr id="35" name="CaixaDeTexto 34">
+            <a:extLst>
+              <a:ext uri="{FF2B5EF4-FFF2-40B4-BE49-F238E27FC236}">
+                <a16:creationId xmlns:a16="http://schemas.microsoft.com/office/drawing/2014/main" id="{B96143FE-2467-452E-80C3-F35400408E86}"/>
+              </a:ext>
+            </a:extLst>
+          </p:cNvPr>
+          <p:cNvSpPr txBox="1"/>
+          <p:nvPr/>
+        </p:nvSpPr>
+        <p:spPr>
+          <a:xfrm>
+            <a:off x="6860146" y="281258"/>
+            <a:ext cx="1416926" cy="369332"/>
+          </a:xfrm>
+          <a:prstGeom prst="rect">
+            <a:avLst/>
+          </a:prstGeom>
+          <a:noFill/>
+        </p:spPr>
+        <p:txBody>
+          <a:bodyPr wrap="square" rtlCol="0">
+            <a:spAutoFit/>
+          </a:bodyPr>
+          <a:lstStyle/>
+          <a:p>
+            <a:r>
+              <a:rPr lang="pt-BR" dirty="0" err="1"/>
+              <a:t>Raspberry</a:t>
+            </a:r>
+            <a:r>
+              <a:rPr lang="pt-BR" dirty="0"/>
+              <a:t> PI</a:t>
+            </a:r>
+          </a:p>
+        </p:txBody>
+      </p:sp>
+      <p:cxnSp>
+        <p:nvCxnSpPr>
+          <p:cNvPr id="38" name="Conector de Seta Reta 37">
+            <a:extLst>
+              <a:ext uri="{FF2B5EF4-FFF2-40B4-BE49-F238E27FC236}">
+                <a16:creationId xmlns:a16="http://schemas.microsoft.com/office/drawing/2014/main" id="{17A13188-B998-462E-AB32-9E53AFEA4F15}"/>
+              </a:ext>
+            </a:extLst>
+          </p:cNvPr>
+          <p:cNvCxnSpPr>
+            <a:cxnSpLocks/>
+            <a:stCxn id="12" idx="2"/>
+          </p:cNvCxnSpPr>
+          <p:nvPr/>
+        </p:nvCxnSpPr>
+        <p:spPr>
+          <a:xfrm>
+            <a:off x="6644245" y="6230014"/>
+            <a:ext cx="499236" cy="0"/>
+          </a:xfrm>
+          <a:prstGeom prst="straightConnector1">
+            <a:avLst/>
+          </a:prstGeom>
+          <a:ln w="38100">
+            <a:solidFill>
+              <a:schemeClr val="tx1"/>
+            </a:solidFill>
+            <a:tailEnd type="triangle"/>
+          </a:ln>
+        </p:spPr>
+        <p:style>
+          <a:lnRef idx="1">
+            <a:schemeClr val="accent1"/>
+          </a:lnRef>
+          <a:fillRef idx="0">
+            <a:schemeClr val="accent1"/>
+          </a:fillRef>
+          <a:effectRef idx="0">
+            <a:schemeClr val="accent1"/>
+          </a:effectRef>
+          <a:fontRef idx="minor">
+            <a:schemeClr val="tx1"/>
+          </a:fontRef>
+        </p:style>
+      </p:cxnSp>
+      <p:cxnSp>
+        <p:nvCxnSpPr>
+          <p:cNvPr id="42" name="Conector de Seta Reta 41">
+            <a:extLst>
+              <a:ext uri="{FF2B5EF4-FFF2-40B4-BE49-F238E27FC236}">
+                <a16:creationId xmlns:a16="http://schemas.microsoft.com/office/drawing/2014/main" id="{E7A16B00-D97D-4B80-841A-DEA92AA31CF1}"/>
+              </a:ext>
+            </a:extLst>
+          </p:cNvPr>
+          <p:cNvCxnSpPr>
+            <a:stCxn id="17" idx="3"/>
+          </p:cNvCxnSpPr>
+          <p:nvPr/>
+        </p:nvCxnSpPr>
+        <p:spPr>
+          <a:xfrm flipH="1">
+            <a:off x="9403721" y="3754191"/>
+            <a:ext cx="2" cy="428696"/>
+          </a:xfrm>
+          <a:prstGeom prst="straightConnector1">
+            <a:avLst/>
+          </a:prstGeom>
+          <a:ln w="38100">
+            <a:solidFill>
+              <a:schemeClr val="tx1"/>
+            </a:solidFill>
+            <a:headEnd type="triangle"/>
+            <a:tailEnd type="triangle"/>
+          </a:ln>
+        </p:spPr>
+        <p:style>
+          <a:lnRef idx="1">
+            <a:schemeClr val="accent1"/>
+          </a:lnRef>
+          <a:fillRef idx="0">
+            <a:schemeClr val="accent1"/>
+          </a:fillRef>
+          <a:effectRef idx="0">
+            <a:schemeClr val="accent1"/>
+          </a:effectRef>
+          <a:fontRef idx="minor">
+            <a:schemeClr val="tx1"/>
+          </a:fontRef>
+        </p:style>
+      </p:cxnSp>
+      <p:sp>
+        <p:nvSpPr>
+          <p:cNvPr id="2" name="Retângulo 1">
+            <a:extLst>
+              <a:ext uri="{FF2B5EF4-FFF2-40B4-BE49-F238E27FC236}">
+                <a16:creationId xmlns:a16="http://schemas.microsoft.com/office/drawing/2014/main" id="{468F06B3-22A9-49E0-A746-0237A07D228E}"/>
+              </a:ext>
+            </a:extLst>
+          </p:cNvPr>
+          <p:cNvSpPr/>
+          <p:nvPr/>
+        </p:nvSpPr>
+        <p:spPr>
+          <a:xfrm>
+            <a:off x="719904" y="1147975"/>
+            <a:ext cx="4185634" cy="426375"/>
+          </a:xfrm>
+          <a:prstGeom prst="rect">
+            <a:avLst/>
+          </a:prstGeom>
+          <a:solidFill>
+            <a:schemeClr val="accent1">
+              <a:lumMod val="20000"/>
+              <a:lumOff val="80000"/>
+            </a:schemeClr>
+          </a:solidFill>
+          <a:ln>
+            <a:solidFill>
+              <a:schemeClr val="tx1"/>
+            </a:solidFill>
+          </a:ln>
+        </p:spPr>
+        <p:style>
+          <a:lnRef idx="2">
+            <a:schemeClr val="accent1">
+              <a:shade val="50000"/>
+            </a:schemeClr>
+          </a:lnRef>
+          <a:fillRef idx="1">
+            <a:schemeClr val="accent1"/>
+          </a:fillRef>
+          <a:effectRef idx="0">
+            <a:schemeClr val="accent1"/>
+          </a:effectRef>
+          <a:fontRef idx="minor">
+            <a:schemeClr val="lt1"/>
+          </a:fontRef>
+        </p:style>
+        <p:txBody>
+          <a:bodyPr rtlCol="0" anchor="ctr"/>
+          <a:lstStyle/>
+          <a:p>
+            <a:pPr algn="ctr"/>
+            <a:endParaRPr lang="pt-BR"/>
+          </a:p>
+        </p:txBody>
+      </p:sp>
+      <p:sp>
+        <p:nvSpPr>
+          <p:cNvPr id="30" name="Retângulo 29">
+            <a:extLst>
+              <a:ext uri="{FF2B5EF4-FFF2-40B4-BE49-F238E27FC236}">
+                <a16:creationId xmlns:a16="http://schemas.microsoft.com/office/drawing/2014/main" id="{EEAECDC4-0F37-4F40-9CFE-D6C3A600A814}"/>
+              </a:ext>
+            </a:extLst>
+          </p:cNvPr>
+          <p:cNvSpPr/>
+          <p:nvPr/>
+        </p:nvSpPr>
+        <p:spPr>
+          <a:xfrm>
+            <a:off x="747851" y="2439128"/>
+            <a:ext cx="4185634" cy="426375"/>
+          </a:xfrm>
+          <a:prstGeom prst="rect">
+            <a:avLst/>
+          </a:prstGeom>
+          <a:solidFill>
+            <a:schemeClr val="accent1">
+              <a:lumMod val="20000"/>
+              <a:lumOff val="80000"/>
+            </a:schemeClr>
+          </a:solidFill>
+          <a:ln>
+            <a:solidFill>
+              <a:schemeClr val="tx1"/>
+            </a:solidFill>
+          </a:ln>
+        </p:spPr>
+        <p:style>
+          <a:lnRef idx="2">
+            <a:schemeClr val="accent1">
+              <a:shade val="50000"/>
+            </a:schemeClr>
+          </a:lnRef>
+          <a:fillRef idx="1">
+            <a:schemeClr val="accent1"/>
+          </a:fillRef>
+          <a:effectRef idx="0">
+            <a:schemeClr val="accent1"/>
+          </a:effectRef>
+          <a:fontRef idx="minor">
+            <a:schemeClr val="lt1"/>
+          </a:fontRef>
+        </p:style>
+        <p:txBody>
+          <a:bodyPr rtlCol="0" anchor="ctr"/>
+          <a:lstStyle/>
+          <a:p>
+            <a:pPr algn="ctr"/>
+            <a:endParaRPr lang="pt-BR"/>
+          </a:p>
+        </p:txBody>
+      </p:sp>
+      <p:sp>
+        <p:nvSpPr>
+          <p:cNvPr id="31" name="Retângulo 30">
+            <a:extLst>
+              <a:ext uri="{FF2B5EF4-FFF2-40B4-BE49-F238E27FC236}">
+                <a16:creationId xmlns:a16="http://schemas.microsoft.com/office/drawing/2014/main" id="{A2F2D0A3-6994-4F59-BE44-C5EADCDC4F04}"/>
+              </a:ext>
+            </a:extLst>
+          </p:cNvPr>
+          <p:cNvSpPr/>
+          <p:nvPr/>
+        </p:nvSpPr>
+        <p:spPr>
+          <a:xfrm>
+            <a:off x="721403" y="1635906"/>
+            <a:ext cx="1056068" cy="426375"/>
+          </a:xfrm>
+          <a:prstGeom prst="rect">
+            <a:avLst/>
+          </a:prstGeom>
+          <a:solidFill>
+            <a:schemeClr val="accent1">
+              <a:lumMod val="20000"/>
+              <a:lumOff val="80000"/>
+            </a:schemeClr>
+          </a:solidFill>
+          <a:ln>
+            <a:solidFill>
+              <a:schemeClr val="tx1"/>
+            </a:solidFill>
+          </a:ln>
+        </p:spPr>
+        <p:style>
+          <a:lnRef idx="2">
+            <a:schemeClr val="accent1">
+              <a:shade val="50000"/>
+            </a:schemeClr>
+          </a:lnRef>
+          <a:fillRef idx="1">
+            <a:schemeClr val="accent1"/>
+          </a:fillRef>
+          <a:effectRef idx="0">
+            <a:schemeClr val="accent1"/>
+          </a:effectRef>
+          <a:fontRef idx="minor">
+            <a:schemeClr val="lt1"/>
+          </a:fontRef>
+        </p:style>
+        <p:txBody>
+          <a:bodyPr rtlCol="0" anchor="ctr"/>
+          <a:lstStyle/>
+          <a:p>
+            <a:pPr algn="ctr"/>
+            <a:endParaRPr lang="pt-BR"/>
+          </a:p>
+        </p:txBody>
+      </p:sp>
+      <p:sp>
+        <p:nvSpPr>
+          <p:cNvPr id="32" name="Retângulo 31">
+            <a:extLst>
+              <a:ext uri="{FF2B5EF4-FFF2-40B4-BE49-F238E27FC236}">
+                <a16:creationId xmlns:a16="http://schemas.microsoft.com/office/drawing/2014/main" id="{91384776-F012-475B-B693-9BB669F6FC8C}"/>
+              </a:ext>
+            </a:extLst>
+          </p:cNvPr>
+          <p:cNvSpPr/>
+          <p:nvPr/>
+        </p:nvSpPr>
+        <p:spPr>
+          <a:xfrm>
+            <a:off x="2931854" y="1655134"/>
+            <a:ext cx="1979054" cy="659567"/>
+          </a:xfrm>
+          <a:prstGeom prst="rect">
+            <a:avLst/>
+          </a:prstGeom>
+          <a:solidFill>
+            <a:schemeClr val="accent1">
+              <a:lumMod val="20000"/>
+              <a:lumOff val="80000"/>
+            </a:schemeClr>
+          </a:solidFill>
+          <a:ln>
+            <a:solidFill>
+              <a:schemeClr val="tx1"/>
+            </a:solidFill>
+          </a:ln>
+        </p:spPr>
+        <p:style>
+          <a:lnRef idx="2">
+            <a:schemeClr val="accent1">
+              <a:shade val="50000"/>
+            </a:schemeClr>
+          </a:lnRef>
+          <a:fillRef idx="1">
+            <a:schemeClr val="accent1"/>
+          </a:fillRef>
+          <a:effectRef idx="0">
+            <a:schemeClr val="accent1"/>
+          </a:effectRef>
+          <a:fontRef idx="minor">
+            <a:schemeClr val="lt1"/>
+          </a:fontRef>
+        </p:style>
+        <p:txBody>
+          <a:bodyPr rtlCol="0" anchor="ctr"/>
+          <a:lstStyle/>
+          <a:p>
+            <a:pPr algn="ctr"/>
+            <a:endParaRPr lang="pt-BR"/>
+          </a:p>
+        </p:txBody>
+      </p:sp>
+      <p:sp>
+        <p:nvSpPr>
+          <p:cNvPr id="33" name="CaixaDeTexto 32">
+            <a:extLst>
+              <a:ext uri="{FF2B5EF4-FFF2-40B4-BE49-F238E27FC236}">
+                <a16:creationId xmlns:a16="http://schemas.microsoft.com/office/drawing/2014/main" id="{81C7AB82-4A06-4052-BF8A-94B84BE148D3}"/>
+              </a:ext>
+            </a:extLst>
+          </p:cNvPr>
+          <p:cNvSpPr txBox="1"/>
+          <p:nvPr/>
+        </p:nvSpPr>
+        <p:spPr>
+          <a:xfrm>
+            <a:off x="774875" y="1197050"/>
+            <a:ext cx="691215" cy="369332"/>
+          </a:xfrm>
+          <a:prstGeom prst="rect">
+            <a:avLst/>
+          </a:prstGeom>
+          <a:noFill/>
+        </p:spPr>
+        <p:txBody>
+          <a:bodyPr wrap="square" rtlCol="0">
+            <a:spAutoFit/>
+          </a:bodyPr>
+          <a:lstStyle/>
+          <a:p>
+            <a:r>
+              <a:rPr lang="pt-BR" dirty="0"/>
+              <a:t>Visão</a:t>
+            </a:r>
+          </a:p>
+        </p:txBody>
+      </p:sp>
+      <p:sp>
+        <p:nvSpPr>
+          <p:cNvPr id="34" name="CaixaDeTexto 33">
+            <a:extLst>
+              <a:ext uri="{FF2B5EF4-FFF2-40B4-BE49-F238E27FC236}">
+                <a16:creationId xmlns:a16="http://schemas.microsoft.com/office/drawing/2014/main" id="{2E80A6EE-B8FF-4DFF-A972-41FC30A7C627}"/>
+              </a:ext>
+            </a:extLst>
+          </p:cNvPr>
+          <p:cNvSpPr txBox="1"/>
+          <p:nvPr/>
+        </p:nvSpPr>
+        <p:spPr>
+          <a:xfrm>
+            <a:off x="760916" y="1657243"/>
+            <a:ext cx="993157" cy="369332"/>
+          </a:xfrm>
+          <a:prstGeom prst="rect">
+            <a:avLst/>
+          </a:prstGeom>
+          <a:noFill/>
+        </p:spPr>
+        <p:txBody>
+          <a:bodyPr wrap="square" rtlCol="0">
+            <a:spAutoFit/>
+          </a:bodyPr>
+          <a:lstStyle/>
+          <a:p>
+            <a:r>
+              <a:rPr lang="pt-BR" dirty="0"/>
+              <a:t>Controle</a:t>
+            </a:r>
+          </a:p>
+        </p:txBody>
+      </p:sp>
+      <p:sp>
+        <p:nvSpPr>
+          <p:cNvPr id="36" name="CaixaDeTexto 35">
+            <a:extLst>
+              <a:ext uri="{FF2B5EF4-FFF2-40B4-BE49-F238E27FC236}">
+                <a16:creationId xmlns:a16="http://schemas.microsoft.com/office/drawing/2014/main" id="{30E9E533-5EDE-4FA0-9A35-3131710D575C}"/>
+              </a:ext>
+            </a:extLst>
+          </p:cNvPr>
+          <p:cNvSpPr txBox="1"/>
+          <p:nvPr/>
+        </p:nvSpPr>
+        <p:spPr>
+          <a:xfrm>
+            <a:off x="3141977" y="1653648"/>
+            <a:ext cx="1557734" cy="646331"/>
+          </a:xfrm>
+          <a:prstGeom prst="rect">
+            <a:avLst/>
+          </a:prstGeom>
+          <a:noFill/>
+        </p:spPr>
+        <p:txBody>
+          <a:bodyPr wrap="square" rtlCol="0">
+            <a:spAutoFit/>
+          </a:bodyPr>
+          <a:lstStyle/>
+          <a:p>
+            <a:r>
+              <a:rPr lang="pt-BR" dirty="0"/>
+              <a:t>Operador </a:t>
+            </a:r>
+          </a:p>
+          <a:p>
+            <a:r>
+              <a:rPr lang="pt-BR" dirty="0"/>
+              <a:t>De Transporte</a:t>
+            </a:r>
+          </a:p>
+        </p:txBody>
+      </p:sp>
+      <p:sp>
+        <p:nvSpPr>
+          <p:cNvPr id="40" name="CaixaDeTexto 39">
+            <a:extLst>
+              <a:ext uri="{FF2B5EF4-FFF2-40B4-BE49-F238E27FC236}">
+                <a16:creationId xmlns:a16="http://schemas.microsoft.com/office/drawing/2014/main" id="{235FDD8C-7302-4A28-BB0B-CDA366B1BA4D}"/>
+              </a:ext>
+            </a:extLst>
+          </p:cNvPr>
+          <p:cNvSpPr txBox="1"/>
+          <p:nvPr/>
+        </p:nvSpPr>
+        <p:spPr>
+          <a:xfrm>
+            <a:off x="787364" y="2469838"/>
+            <a:ext cx="915635" cy="369332"/>
+          </a:xfrm>
+          <a:prstGeom prst="rect">
+            <a:avLst/>
+          </a:prstGeom>
+          <a:noFill/>
+        </p:spPr>
+        <p:txBody>
+          <a:bodyPr wrap="square" rtlCol="0">
+            <a:spAutoFit/>
+          </a:bodyPr>
+          <a:lstStyle/>
+          <a:p>
+            <a:r>
+              <a:rPr lang="pt-BR" dirty="0"/>
+              <a:t>Modelo</a:t>
+            </a:r>
+          </a:p>
+        </p:txBody>
+      </p:sp>
+      <p:sp>
+        <p:nvSpPr>
+          <p:cNvPr id="47" name="Retângulo 46">
+            <a:extLst>
+              <a:ext uri="{FF2B5EF4-FFF2-40B4-BE49-F238E27FC236}">
+                <a16:creationId xmlns:a16="http://schemas.microsoft.com/office/drawing/2014/main" id="{71BB81B5-D360-4143-BF5F-FC35383A0B90}"/>
+              </a:ext>
+            </a:extLst>
+          </p:cNvPr>
+          <p:cNvSpPr/>
+          <p:nvPr/>
+        </p:nvSpPr>
+        <p:spPr>
+          <a:xfrm>
+            <a:off x="7310904" y="1272002"/>
+            <a:ext cx="2043431" cy="426375"/>
+          </a:xfrm>
+          <a:prstGeom prst="rect">
+            <a:avLst/>
+          </a:prstGeom>
+          <a:solidFill>
+            <a:schemeClr val="accent2">
+              <a:lumMod val="20000"/>
+              <a:lumOff val="80000"/>
+            </a:schemeClr>
+          </a:solidFill>
+          <a:ln>
+            <a:solidFill>
+              <a:schemeClr val="tx1"/>
+            </a:solidFill>
+          </a:ln>
+        </p:spPr>
+        <p:style>
+          <a:lnRef idx="2">
+            <a:schemeClr val="accent1">
+              <a:shade val="50000"/>
+            </a:schemeClr>
+          </a:lnRef>
+          <a:fillRef idx="1">
+            <a:schemeClr val="accent1"/>
+          </a:fillRef>
+          <a:effectRef idx="0">
+            <a:schemeClr val="accent1"/>
+          </a:effectRef>
+          <a:fontRef idx="minor">
+            <a:schemeClr val="lt1"/>
+          </a:fontRef>
+        </p:style>
+        <p:txBody>
+          <a:bodyPr rtlCol="0" anchor="ctr"/>
+          <a:lstStyle/>
+          <a:p>
+            <a:pPr algn="ctr"/>
+            <a:endParaRPr lang="pt-BR"/>
+          </a:p>
+        </p:txBody>
+      </p:sp>
+      <p:sp>
+        <p:nvSpPr>
+          <p:cNvPr id="48" name="Retângulo 47">
+            <a:extLst>
+              <a:ext uri="{FF2B5EF4-FFF2-40B4-BE49-F238E27FC236}">
+                <a16:creationId xmlns:a16="http://schemas.microsoft.com/office/drawing/2014/main" id="{A5DBF2A3-3857-47BE-B564-E01AF3A116E6}"/>
+              </a:ext>
+            </a:extLst>
+          </p:cNvPr>
+          <p:cNvSpPr/>
+          <p:nvPr/>
+        </p:nvSpPr>
+        <p:spPr>
+          <a:xfrm>
+            <a:off x="7310904" y="2004887"/>
+            <a:ext cx="4185634" cy="426375"/>
+          </a:xfrm>
+          <a:prstGeom prst="rect">
+            <a:avLst/>
+          </a:prstGeom>
+          <a:solidFill>
+            <a:schemeClr val="accent2">
+              <a:lumMod val="20000"/>
+              <a:lumOff val="80000"/>
+            </a:schemeClr>
+          </a:solidFill>
+          <a:ln>
+            <a:solidFill>
+              <a:schemeClr val="tx1"/>
+            </a:solidFill>
+          </a:ln>
+        </p:spPr>
+        <p:style>
+          <a:lnRef idx="2">
+            <a:schemeClr val="accent1">
+              <a:shade val="50000"/>
+            </a:schemeClr>
+          </a:lnRef>
+          <a:fillRef idx="1">
+            <a:schemeClr val="accent1"/>
+          </a:fillRef>
+          <a:effectRef idx="0">
+            <a:schemeClr val="accent1"/>
+          </a:effectRef>
+          <a:fontRef idx="minor">
+            <a:schemeClr val="lt1"/>
+          </a:fontRef>
+        </p:style>
+        <p:txBody>
+          <a:bodyPr rtlCol="0" anchor="ctr"/>
+          <a:lstStyle/>
+          <a:p>
+            <a:pPr algn="ctr"/>
+            <a:endParaRPr lang="pt-BR"/>
+          </a:p>
+        </p:txBody>
+      </p:sp>
+      <p:sp>
+        <p:nvSpPr>
+          <p:cNvPr id="49" name="Retângulo 48">
+            <a:extLst>
+              <a:ext uri="{FF2B5EF4-FFF2-40B4-BE49-F238E27FC236}">
+                <a16:creationId xmlns:a16="http://schemas.microsoft.com/office/drawing/2014/main" id="{D15FB763-8226-4DBE-8B3E-08E530FEC801}"/>
+              </a:ext>
+            </a:extLst>
+          </p:cNvPr>
+          <p:cNvSpPr/>
+          <p:nvPr/>
+        </p:nvSpPr>
+        <p:spPr>
+          <a:xfrm>
+            <a:off x="9523030" y="1268718"/>
+            <a:ext cx="1973508" cy="426375"/>
+          </a:xfrm>
+          <a:prstGeom prst="rect">
+            <a:avLst/>
+          </a:prstGeom>
+          <a:solidFill>
+            <a:schemeClr val="accent2">
+              <a:lumMod val="20000"/>
+              <a:lumOff val="80000"/>
+            </a:schemeClr>
+          </a:solidFill>
+          <a:ln>
+            <a:solidFill>
+              <a:schemeClr val="tx1"/>
+            </a:solidFill>
+          </a:ln>
+        </p:spPr>
+        <p:style>
+          <a:lnRef idx="2">
+            <a:schemeClr val="accent1">
+              <a:shade val="50000"/>
+            </a:schemeClr>
+          </a:lnRef>
+          <a:fillRef idx="1">
+            <a:schemeClr val="accent1"/>
+          </a:fillRef>
+          <a:effectRef idx="0">
+            <a:schemeClr val="accent1"/>
+          </a:effectRef>
+          <a:fontRef idx="minor">
+            <a:schemeClr val="lt1"/>
+          </a:fontRef>
+        </p:style>
+        <p:txBody>
+          <a:bodyPr rtlCol="0" anchor="ctr"/>
+          <a:lstStyle/>
+          <a:p>
+            <a:pPr algn="ctr"/>
+            <a:endParaRPr lang="pt-BR"/>
+          </a:p>
+        </p:txBody>
+      </p:sp>
+      <p:sp>
+        <p:nvSpPr>
+          <p:cNvPr id="50" name="CaixaDeTexto 49">
+            <a:extLst>
+              <a:ext uri="{FF2B5EF4-FFF2-40B4-BE49-F238E27FC236}">
+                <a16:creationId xmlns:a16="http://schemas.microsoft.com/office/drawing/2014/main" id="{394A7B46-E553-4428-87C5-99059C29AD2F}"/>
+              </a:ext>
+            </a:extLst>
+          </p:cNvPr>
+          <p:cNvSpPr txBox="1"/>
+          <p:nvPr/>
+        </p:nvSpPr>
+        <p:spPr>
+          <a:xfrm>
+            <a:off x="7569860" y="1308902"/>
+            <a:ext cx="1526252" cy="369332"/>
+          </a:xfrm>
+          <a:prstGeom prst="rect">
+            <a:avLst/>
+          </a:prstGeom>
+          <a:noFill/>
+        </p:spPr>
+        <p:txBody>
+          <a:bodyPr wrap="square" rtlCol="0">
+            <a:spAutoFit/>
+          </a:bodyPr>
+          <a:lstStyle/>
+          <a:p>
+            <a:r>
+              <a:rPr lang="pt-BR" dirty="0"/>
+              <a:t>Interface REST</a:t>
+            </a:r>
+          </a:p>
+        </p:txBody>
+      </p:sp>
+      <p:sp>
+        <p:nvSpPr>
+          <p:cNvPr id="51" name="CaixaDeTexto 50">
+            <a:extLst>
+              <a:ext uri="{FF2B5EF4-FFF2-40B4-BE49-F238E27FC236}">
+                <a16:creationId xmlns:a16="http://schemas.microsoft.com/office/drawing/2014/main" id="{7124EC4A-700B-4467-A700-D1B05D5D5BD9}"/>
+              </a:ext>
+            </a:extLst>
+          </p:cNvPr>
+          <p:cNvSpPr txBox="1"/>
+          <p:nvPr/>
+        </p:nvSpPr>
+        <p:spPr>
+          <a:xfrm>
+            <a:off x="9763826" y="1308902"/>
+            <a:ext cx="915635" cy="369332"/>
+          </a:xfrm>
+          <a:prstGeom prst="rect">
+            <a:avLst/>
+          </a:prstGeom>
+          <a:noFill/>
+        </p:spPr>
+        <p:txBody>
+          <a:bodyPr wrap="square" rtlCol="0">
+            <a:spAutoFit/>
+          </a:bodyPr>
+          <a:lstStyle/>
+          <a:p>
+            <a:r>
+              <a:rPr lang="pt-BR" dirty="0"/>
+              <a:t>Modelo</a:t>
+            </a:r>
+          </a:p>
+        </p:txBody>
+      </p:sp>
+      <p:sp>
+        <p:nvSpPr>
+          <p:cNvPr id="52" name="CaixaDeTexto 51">
+            <a:extLst>
+              <a:ext uri="{FF2B5EF4-FFF2-40B4-BE49-F238E27FC236}">
+                <a16:creationId xmlns:a16="http://schemas.microsoft.com/office/drawing/2014/main" id="{0C8D9DB9-FF23-40AE-8581-1EC5D7B5ED85}"/>
+              </a:ext>
+            </a:extLst>
+          </p:cNvPr>
+          <p:cNvSpPr txBox="1"/>
+          <p:nvPr/>
+        </p:nvSpPr>
+        <p:spPr>
+          <a:xfrm>
+            <a:off x="7591325" y="2027747"/>
+            <a:ext cx="606705" cy="369332"/>
+          </a:xfrm>
+          <a:prstGeom prst="rect">
+            <a:avLst/>
+          </a:prstGeom>
+          <a:noFill/>
+        </p:spPr>
+        <p:txBody>
+          <a:bodyPr wrap="square" rtlCol="0">
+            <a:spAutoFit/>
+          </a:bodyPr>
+          <a:lstStyle/>
+          <a:p>
+            <a:r>
+              <a:rPr lang="pt-BR" dirty="0"/>
+              <a:t>DAO</a:t>
+            </a:r>
+          </a:p>
+        </p:txBody>
+      </p:sp>
+      <p:sp>
+        <p:nvSpPr>
+          <p:cNvPr id="53" name="Retângulo 52">
+            <a:extLst>
+              <a:ext uri="{FF2B5EF4-FFF2-40B4-BE49-F238E27FC236}">
+                <a16:creationId xmlns:a16="http://schemas.microsoft.com/office/drawing/2014/main" id="{84D82F2E-A0BE-4F06-93AF-584C94F7D321}"/>
+              </a:ext>
+            </a:extLst>
+          </p:cNvPr>
+          <p:cNvSpPr/>
+          <p:nvPr/>
+        </p:nvSpPr>
+        <p:spPr>
+          <a:xfrm>
+            <a:off x="7310904" y="5562396"/>
+            <a:ext cx="2043431" cy="426375"/>
+          </a:xfrm>
+          <a:prstGeom prst="rect">
+            <a:avLst/>
+          </a:prstGeom>
+          <a:solidFill>
+            <a:schemeClr val="accent2">
+              <a:lumMod val="20000"/>
+              <a:lumOff val="80000"/>
+            </a:schemeClr>
+          </a:solidFill>
+          <a:ln>
+            <a:solidFill>
+              <a:schemeClr val="tx1"/>
+            </a:solidFill>
+          </a:ln>
+        </p:spPr>
+        <p:style>
+          <a:lnRef idx="2">
+            <a:schemeClr val="accent1">
+              <a:shade val="50000"/>
+            </a:schemeClr>
+          </a:lnRef>
+          <a:fillRef idx="1">
+            <a:schemeClr val="accent1"/>
+          </a:fillRef>
+          <a:effectRef idx="0">
+            <a:schemeClr val="accent1"/>
+          </a:effectRef>
+          <a:fontRef idx="minor">
+            <a:schemeClr val="lt1"/>
+          </a:fontRef>
+        </p:style>
+        <p:txBody>
+          <a:bodyPr rtlCol="0" anchor="ctr"/>
+          <a:lstStyle/>
+          <a:p>
+            <a:pPr algn="ctr"/>
+            <a:endParaRPr lang="pt-BR"/>
+          </a:p>
+        </p:txBody>
+      </p:sp>
+      <p:sp>
+        <p:nvSpPr>
+          <p:cNvPr id="54" name="Retângulo 53">
+            <a:extLst>
+              <a:ext uri="{FF2B5EF4-FFF2-40B4-BE49-F238E27FC236}">
+                <a16:creationId xmlns:a16="http://schemas.microsoft.com/office/drawing/2014/main" id="{EE96459C-8BC3-45D6-A161-F152927D1A04}"/>
+              </a:ext>
+            </a:extLst>
+          </p:cNvPr>
+          <p:cNvSpPr/>
+          <p:nvPr/>
+        </p:nvSpPr>
+        <p:spPr>
+          <a:xfrm>
+            <a:off x="7310904" y="4815564"/>
+            <a:ext cx="4185634" cy="426375"/>
+          </a:xfrm>
+          <a:prstGeom prst="rect">
+            <a:avLst/>
+          </a:prstGeom>
+          <a:solidFill>
+            <a:schemeClr val="accent2">
+              <a:lumMod val="20000"/>
+              <a:lumOff val="80000"/>
+            </a:schemeClr>
+          </a:solidFill>
+          <a:ln>
+            <a:solidFill>
+              <a:schemeClr val="tx1"/>
+            </a:solidFill>
+          </a:ln>
+        </p:spPr>
+        <p:style>
+          <a:lnRef idx="2">
+            <a:schemeClr val="accent1">
+              <a:shade val="50000"/>
+            </a:schemeClr>
+          </a:lnRef>
+          <a:fillRef idx="1">
+            <a:schemeClr val="accent1"/>
+          </a:fillRef>
+          <a:effectRef idx="0">
+            <a:schemeClr val="accent1"/>
+          </a:effectRef>
+          <a:fontRef idx="minor">
+            <a:schemeClr val="lt1"/>
+          </a:fontRef>
+        </p:style>
+        <p:txBody>
+          <a:bodyPr rtlCol="0" anchor="ctr"/>
+          <a:lstStyle/>
+          <a:p>
+            <a:pPr algn="ctr"/>
+            <a:endParaRPr lang="pt-BR"/>
+          </a:p>
+        </p:txBody>
+      </p:sp>
+      <p:sp>
+        <p:nvSpPr>
+          <p:cNvPr id="55" name="Retângulo 54">
+            <a:extLst>
+              <a:ext uri="{FF2B5EF4-FFF2-40B4-BE49-F238E27FC236}">
+                <a16:creationId xmlns:a16="http://schemas.microsoft.com/office/drawing/2014/main" id="{DEB829AD-6E47-4A21-85D8-2A3C40058E73}"/>
+              </a:ext>
+            </a:extLst>
+          </p:cNvPr>
+          <p:cNvSpPr/>
+          <p:nvPr/>
+        </p:nvSpPr>
+        <p:spPr>
+          <a:xfrm>
+            <a:off x="9523030" y="5566423"/>
+            <a:ext cx="1973508" cy="426375"/>
+          </a:xfrm>
+          <a:prstGeom prst="rect">
+            <a:avLst/>
+          </a:prstGeom>
+          <a:solidFill>
+            <a:schemeClr val="accent2">
+              <a:lumMod val="20000"/>
+              <a:lumOff val="80000"/>
+            </a:schemeClr>
+          </a:solidFill>
+          <a:ln>
+            <a:solidFill>
+              <a:schemeClr val="tx1"/>
+            </a:solidFill>
+          </a:ln>
+        </p:spPr>
+        <p:style>
+          <a:lnRef idx="2">
+            <a:schemeClr val="accent1">
+              <a:shade val="50000"/>
+            </a:schemeClr>
+          </a:lnRef>
+          <a:fillRef idx="1">
+            <a:schemeClr val="accent1"/>
+          </a:fillRef>
+          <a:effectRef idx="0">
+            <a:schemeClr val="accent1"/>
+          </a:effectRef>
+          <a:fontRef idx="minor">
+            <a:schemeClr val="lt1"/>
+          </a:fontRef>
+        </p:style>
+        <p:txBody>
+          <a:bodyPr rtlCol="0" anchor="ctr"/>
+          <a:lstStyle/>
+          <a:p>
+            <a:pPr algn="ctr"/>
+            <a:endParaRPr lang="pt-BR"/>
+          </a:p>
+        </p:txBody>
+      </p:sp>
+      <p:sp>
+        <p:nvSpPr>
+          <p:cNvPr id="56" name="CaixaDeTexto 55">
+            <a:extLst>
+              <a:ext uri="{FF2B5EF4-FFF2-40B4-BE49-F238E27FC236}">
+                <a16:creationId xmlns:a16="http://schemas.microsoft.com/office/drawing/2014/main" id="{49AB94F9-98D9-4FDE-BBA0-62B16A768AAB}"/>
+              </a:ext>
+            </a:extLst>
+          </p:cNvPr>
+          <p:cNvSpPr txBox="1"/>
+          <p:nvPr/>
+        </p:nvSpPr>
+        <p:spPr>
+          <a:xfrm>
+            <a:off x="7617469" y="4843365"/>
+            <a:ext cx="606705" cy="369332"/>
+          </a:xfrm>
+          <a:prstGeom prst="rect">
+            <a:avLst/>
+          </a:prstGeom>
+          <a:noFill/>
+        </p:spPr>
+        <p:txBody>
+          <a:bodyPr wrap="square" rtlCol="0">
+            <a:spAutoFit/>
+          </a:bodyPr>
+          <a:lstStyle/>
+          <a:p>
+            <a:r>
+              <a:rPr lang="pt-BR" dirty="0"/>
+              <a:t>DAO</a:t>
+            </a:r>
+          </a:p>
+        </p:txBody>
+      </p:sp>
+      <p:sp>
+        <p:nvSpPr>
+          <p:cNvPr id="57" name="CaixaDeTexto 56">
+            <a:extLst>
+              <a:ext uri="{FF2B5EF4-FFF2-40B4-BE49-F238E27FC236}">
+                <a16:creationId xmlns:a16="http://schemas.microsoft.com/office/drawing/2014/main" id="{435F9FC4-567A-4C6F-9A6D-0991D9502F3E}"/>
+              </a:ext>
+            </a:extLst>
+          </p:cNvPr>
+          <p:cNvSpPr txBox="1"/>
+          <p:nvPr/>
+        </p:nvSpPr>
+        <p:spPr>
+          <a:xfrm>
+            <a:off x="9763826" y="5578626"/>
+            <a:ext cx="915635" cy="369332"/>
+          </a:xfrm>
+          <a:prstGeom prst="rect">
+            <a:avLst/>
+          </a:prstGeom>
+          <a:noFill/>
+        </p:spPr>
+        <p:txBody>
+          <a:bodyPr wrap="square" rtlCol="0">
+            <a:spAutoFit/>
+          </a:bodyPr>
+          <a:lstStyle/>
+          <a:p>
+            <a:r>
+              <a:rPr lang="pt-BR" dirty="0"/>
+              <a:t>Modelo</a:t>
+            </a:r>
+          </a:p>
+        </p:txBody>
+      </p:sp>
+      <p:sp>
+        <p:nvSpPr>
+          <p:cNvPr id="58" name="CaixaDeTexto 57">
+            <a:extLst>
+              <a:ext uri="{FF2B5EF4-FFF2-40B4-BE49-F238E27FC236}">
+                <a16:creationId xmlns:a16="http://schemas.microsoft.com/office/drawing/2014/main" id="{1A720BAA-CB32-4D5F-99C6-3AB0743B7F1C}"/>
+              </a:ext>
+            </a:extLst>
+          </p:cNvPr>
+          <p:cNvSpPr txBox="1"/>
+          <p:nvPr/>
+        </p:nvSpPr>
+        <p:spPr>
+          <a:xfrm>
+            <a:off x="7334913" y="5590917"/>
+            <a:ext cx="2045816" cy="369332"/>
+          </a:xfrm>
+          <a:prstGeom prst="rect">
+            <a:avLst/>
+          </a:prstGeom>
+          <a:noFill/>
+        </p:spPr>
+        <p:txBody>
+          <a:bodyPr wrap="square" rtlCol="0">
+            <a:spAutoFit/>
+          </a:bodyPr>
+          <a:lstStyle/>
+          <a:p>
+            <a:r>
+              <a:rPr lang="pt-BR" dirty="0"/>
+              <a:t>Operador de sensor</a:t>
+            </a:r>
+          </a:p>
+        </p:txBody>
+      </p:sp>
       <p:grpSp>
         <p:nvGrpSpPr>
-          <p:cNvPr id="13" name="Agrupar 12">
-            <a:extLst>
-              <a:ext uri="{FF2B5EF4-FFF2-40B4-BE49-F238E27FC236}">
-                <a16:creationId xmlns:a16="http://schemas.microsoft.com/office/drawing/2014/main" id="{0E17D3EA-A35F-4EE2-A7F4-71143E69EF91}"/>
+          <p:cNvPr id="75" name="Agrupar 74">
+            <a:extLst>
+              <a:ext uri="{FF2B5EF4-FFF2-40B4-BE49-F238E27FC236}">
+                <a16:creationId xmlns:a16="http://schemas.microsoft.com/office/drawing/2014/main" id="{1A261A5B-D7DD-4C61-9922-B94A8353C762}"/>
               </a:ext>
             </a:extLst>
           </p:cNvPr>
@@ -4564,7 +6457,7 @@
         </p:nvGrpSpPr>
         <p:grpSpPr>
           <a:xfrm>
-            <a:off x="5709633" y="1944709"/>
+            <a:off x="5728841" y="1606193"/>
             <a:ext cx="772733" cy="772733"/>
             <a:chOff x="5709633" y="2009104"/>
             <a:chExt cx="772733" cy="772733"/>
@@ -4577,10 +6470,10 @@
         </p:grpSpPr>
         <p:sp>
           <p:nvSpPr>
-            <p:cNvPr id="6" name="Elipse 5">
+            <p:cNvPr id="76" name="Elipse 75">
               <a:extLst>
                 <a:ext uri="{FF2B5EF4-FFF2-40B4-BE49-F238E27FC236}">
-                  <a16:creationId xmlns:a16="http://schemas.microsoft.com/office/drawing/2014/main" id="{C2866C34-ED51-4291-8EDD-7DD2E3C9BA3C}"/>
+                  <a16:creationId xmlns:a16="http://schemas.microsoft.com/office/drawing/2014/main" id="{5658272D-4965-4946-9E23-080D2AC950F3}"/>
                 </a:ext>
               </a:extLst>
             </p:cNvPr>
@@ -4629,16 +6522,16 @@
         </p:sp>
         <p:cxnSp>
           <p:nvCxnSpPr>
-            <p:cNvPr id="8" name="Conector reto 7">
+            <p:cNvPr id="77" name="Conector reto 76">
               <a:extLst>
                 <a:ext uri="{FF2B5EF4-FFF2-40B4-BE49-F238E27FC236}">
-                  <a16:creationId xmlns:a16="http://schemas.microsoft.com/office/drawing/2014/main" id="{CB51ECC9-066C-4744-883C-FB41AD2E054F}"/>
+                  <a16:creationId xmlns:a16="http://schemas.microsoft.com/office/drawing/2014/main" id="{4F5FEDEE-CC63-47E1-ABAE-769461341152}"/>
                 </a:ext>
               </a:extLst>
             </p:cNvPr>
             <p:cNvCxnSpPr>
-              <a:stCxn id="6" idx="7"/>
-              <a:endCxn id="6" idx="3"/>
+              <a:stCxn id="76" idx="7"/>
+              <a:endCxn id="76" idx="3"/>
             </p:cNvCxnSpPr>
             <p:nvPr/>
           </p:nvCxnSpPr>
@@ -4674,16 +6567,16 @@
         </p:cxnSp>
         <p:cxnSp>
           <p:nvCxnSpPr>
-            <p:cNvPr id="10" name="Conector reto 9">
+            <p:cNvPr id="78" name="Conector reto 77">
               <a:extLst>
                 <a:ext uri="{FF2B5EF4-FFF2-40B4-BE49-F238E27FC236}">
-                  <a16:creationId xmlns:a16="http://schemas.microsoft.com/office/drawing/2014/main" id="{A8A7DB1F-8358-4BE2-9F77-0B58028EBC66}"/>
+                  <a16:creationId xmlns:a16="http://schemas.microsoft.com/office/drawing/2014/main" id="{220DEBD8-1E6C-41FC-A94A-5585CDEDCA1A}"/>
                 </a:ext>
               </a:extLst>
             </p:cNvPr>
             <p:cNvCxnSpPr>
-              <a:stCxn id="6" idx="1"/>
-              <a:endCxn id="6" idx="5"/>
+              <a:stCxn id="76" idx="1"/>
+              <a:endCxn id="76" idx="5"/>
             </p:cNvCxnSpPr>
             <p:nvPr/>
           </p:nvCxnSpPr>
@@ -4720,10 +6613,45 @@
       </p:grpSp>
       <p:sp>
         <p:nvSpPr>
-          <p:cNvPr id="12" name="Paralelogramo 11">
-            <a:extLst>
-              <a:ext uri="{FF2B5EF4-FFF2-40B4-BE49-F238E27FC236}">
-                <a16:creationId xmlns:a16="http://schemas.microsoft.com/office/drawing/2014/main" id="{B7931F14-75E4-4F31-B816-E41E87C500E1}"/>
+          <p:cNvPr id="79" name="CaixaDeTexto 78">
+            <a:extLst>
+              <a:ext uri="{FF2B5EF4-FFF2-40B4-BE49-F238E27FC236}">
+                <a16:creationId xmlns:a16="http://schemas.microsoft.com/office/drawing/2014/main" id="{2FBE7EC5-6CB1-460A-864C-1103FBE6CAF9}"/>
+              </a:ext>
+            </a:extLst>
+          </p:cNvPr>
+          <p:cNvSpPr txBox="1"/>
+          <p:nvPr/>
+        </p:nvSpPr>
+        <p:spPr>
+          <a:xfrm>
+            <a:off x="5596235" y="1268718"/>
+            <a:ext cx="1051057" cy="369332"/>
+          </a:xfrm>
+          <a:prstGeom prst="rect">
+            <a:avLst/>
+          </a:prstGeom>
+          <a:noFill/>
+        </p:spPr>
+        <p:txBody>
+          <a:bodyPr wrap="square" rtlCol="0">
+            <a:spAutoFit/>
+          </a:bodyPr>
+          <a:lstStyle/>
+          <a:p>
+            <a:r>
+              <a:rPr lang="pt-BR" dirty="0"/>
+              <a:t>Roteador</a:t>
+            </a:r>
+          </a:p>
+        </p:txBody>
+      </p:sp>
+      <p:sp>
+        <p:nvSpPr>
+          <p:cNvPr id="81" name="Retângulo 80">
+            <a:extLst>
+              <a:ext uri="{FF2B5EF4-FFF2-40B4-BE49-F238E27FC236}">
+                <a16:creationId xmlns:a16="http://schemas.microsoft.com/office/drawing/2014/main" id="{5376CCD0-C76C-4813-B070-11BF88E6AE9D}"/>
               </a:ext>
             </a:extLst>
           </p:cNvPr>
@@ -4732,15 +6660,16 @@
         </p:nvSpPr>
         <p:spPr>
           <a:xfrm>
-            <a:off x="5470122" y="4208031"/>
-            <a:ext cx="1270715" cy="772733"/>
-          </a:xfrm>
-          <a:prstGeom prst="parallelogram">
+            <a:off x="817216" y="5711672"/>
+            <a:ext cx="1188061" cy="426375"/>
+          </a:xfrm>
+          <a:prstGeom prst="rect">
             <a:avLst/>
           </a:prstGeom>
           <a:solidFill>
-            <a:schemeClr val="bg2">
-              <a:lumMod val="75000"/>
+            <a:schemeClr val="accent1">
+              <a:lumMod val="20000"/>
+              <a:lumOff val="80000"/>
             </a:schemeClr>
           </a:solidFill>
           <a:ln>
@@ -4776,67 +6705,10 @@
       </p:sp>
       <p:sp>
         <p:nvSpPr>
-          <p:cNvPr id="14" name="Retângulo: Cantos Arredondados 13">
-            <a:extLst>
-              <a:ext uri="{FF2B5EF4-FFF2-40B4-BE49-F238E27FC236}">
-                <a16:creationId xmlns:a16="http://schemas.microsoft.com/office/drawing/2014/main" id="{A5DC3BCF-A514-4667-8296-DE6B2C552167}"/>
-              </a:ext>
-            </a:extLst>
-          </p:cNvPr>
-          <p:cNvSpPr/>
-          <p:nvPr/>
-        </p:nvSpPr>
-        <p:spPr>
-          <a:xfrm>
-            <a:off x="528034" y="734096"/>
-            <a:ext cx="4520484" cy="4018208"/>
-          </a:xfrm>
-          <a:prstGeom prst="roundRect">
-            <a:avLst/>
-          </a:prstGeom>
-          <a:solidFill>
-            <a:schemeClr val="accent1">
-              <a:lumMod val="40000"/>
-              <a:lumOff val="60000"/>
-            </a:schemeClr>
-          </a:solidFill>
-          <a:ln>
-            <a:solidFill>
-              <a:schemeClr val="tx1"/>
-            </a:solidFill>
-          </a:ln>
-        </p:spPr>
-        <p:style>
-          <a:lnRef idx="2">
-            <a:schemeClr val="accent1">
-              <a:shade val="50000"/>
-            </a:schemeClr>
-          </a:lnRef>
-          <a:fillRef idx="1">
-            <a:schemeClr val="accent1"/>
-          </a:fillRef>
-          <a:effectRef idx="0">
-            <a:schemeClr val="accent1"/>
-          </a:effectRef>
-          <a:fontRef idx="minor">
-            <a:schemeClr val="lt1"/>
-          </a:fontRef>
-        </p:style>
-        <p:txBody>
-          <a:bodyPr rtlCol="0" anchor="ctr"/>
-          <a:lstStyle/>
-          <a:p>
-            <a:pPr algn="ctr"/>
-            <a:endParaRPr lang="pt-BR"/>
-          </a:p>
-        </p:txBody>
-      </p:sp>
-      <p:sp>
-        <p:nvSpPr>
-          <p:cNvPr id="15" name="CaixaDeTexto 14">
-            <a:extLst>
-              <a:ext uri="{FF2B5EF4-FFF2-40B4-BE49-F238E27FC236}">
-                <a16:creationId xmlns:a16="http://schemas.microsoft.com/office/drawing/2014/main" id="{DC274417-5573-4E46-B16B-A11FACD0EB26}"/>
+          <p:cNvPr id="84" name="CaixaDeTexto 83">
+            <a:extLst>
+              <a:ext uri="{FF2B5EF4-FFF2-40B4-BE49-F238E27FC236}">
+                <a16:creationId xmlns:a16="http://schemas.microsoft.com/office/drawing/2014/main" id="{70A06CF0-466F-4D0C-BFB9-410877EDE6B4}"/>
               </a:ext>
             </a:extLst>
           </p:cNvPr>
@@ -4845,8 +6717,8 @@
         </p:nvSpPr>
         <p:spPr>
           <a:xfrm>
-            <a:off x="244699" y="285413"/>
-            <a:ext cx="2038058" cy="369332"/>
+            <a:off x="816004" y="4088972"/>
+            <a:ext cx="618631" cy="369332"/>
           </a:xfrm>
           <a:prstGeom prst="rect">
             <a:avLst/>
@@ -4854,24 +6726,24 @@
           <a:noFill/>
         </p:spPr>
         <p:txBody>
-          <a:bodyPr wrap="none" rtlCol="0">
+          <a:bodyPr wrap="square" rtlCol="0">
             <a:spAutoFit/>
           </a:bodyPr>
           <a:lstStyle/>
           <a:p>
             <a:r>
               <a:rPr lang="pt-BR" dirty="0"/>
-              <a:t>Terminal de Acesso</a:t>
-            </a:r>
-          </a:p>
-        </p:txBody>
-      </p:sp>
-      <p:sp>
-        <p:nvSpPr>
-          <p:cNvPr id="16" name="CaixaDeTexto 15">
-            <a:extLst>
-              <a:ext uri="{FF2B5EF4-FFF2-40B4-BE49-F238E27FC236}">
-                <a16:creationId xmlns:a16="http://schemas.microsoft.com/office/drawing/2014/main" id="{93949F93-5314-4597-AF94-8EAB2481CB15}"/>
+              <a:t>Web</a:t>
+            </a:r>
+          </a:p>
+        </p:txBody>
+      </p:sp>
+      <p:sp>
+        <p:nvSpPr>
+          <p:cNvPr id="85" name="CaixaDeTexto 84">
+            <a:extLst>
+              <a:ext uri="{FF2B5EF4-FFF2-40B4-BE49-F238E27FC236}">
+                <a16:creationId xmlns:a16="http://schemas.microsoft.com/office/drawing/2014/main" id="{50229AC9-28A8-4E62-BB43-71BD9EC9A9F0}"/>
               </a:ext>
             </a:extLst>
           </p:cNvPr>
@@ -4880,8 +6752,8 @@
         </p:nvSpPr>
         <p:spPr>
           <a:xfrm>
-            <a:off x="2368834" y="734096"/>
-            <a:ext cx="838884" cy="369332"/>
+            <a:off x="369765" y="3703770"/>
+            <a:ext cx="2038058" cy="369332"/>
           </a:xfrm>
           <a:prstGeom prst="rect">
             <a:avLst/>
@@ -4889,80 +6761,24 @@
           <a:noFill/>
         </p:spPr>
         <p:txBody>
-          <a:bodyPr wrap="none" rtlCol="0">
+          <a:bodyPr wrap="square" rtlCol="0">
             <a:spAutoFit/>
           </a:bodyPr>
           <a:lstStyle/>
           <a:p>
             <a:r>
               <a:rPr lang="pt-BR" dirty="0"/>
-              <a:t>Cliente</a:t>
-            </a:r>
-          </a:p>
-        </p:txBody>
-      </p:sp>
-      <p:sp>
-        <p:nvSpPr>
-          <p:cNvPr id="17" name="Fluxograma: Disco Magnético 16">
-            <a:extLst>
-              <a:ext uri="{FF2B5EF4-FFF2-40B4-BE49-F238E27FC236}">
-                <a16:creationId xmlns:a16="http://schemas.microsoft.com/office/drawing/2014/main" id="{97632C8A-7399-4598-B947-D5326BD0EC95}"/>
-              </a:ext>
-            </a:extLst>
-          </p:cNvPr>
-          <p:cNvSpPr/>
-          <p:nvPr/>
-        </p:nvSpPr>
-        <p:spPr>
-          <a:xfrm>
-            <a:off x="8546838" y="3097369"/>
-            <a:ext cx="1713769" cy="656822"/>
-          </a:xfrm>
-          <a:prstGeom prst="flowChartMagneticDisk">
-            <a:avLst/>
-          </a:prstGeom>
-          <a:solidFill>
-            <a:schemeClr val="bg2">
-              <a:lumMod val="75000"/>
-            </a:schemeClr>
-          </a:solidFill>
-          <a:ln>
-            <a:solidFill>
-              <a:schemeClr val="tx1"/>
-            </a:solidFill>
-          </a:ln>
-        </p:spPr>
-        <p:style>
-          <a:lnRef idx="2">
-            <a:schemeClr val="accent1">
-              <a:shade val="50000"/>
-            </a:schemeClr>
-          </a:lnRef>
-          <a:fillRef idx="1">
-            <a:schemeClr val="accent1"/>
-          </a:fillRef>
-          <a:effectRef idx="0">
-            <a:schemeClr val="accent1"/>
-          </a:effectRef>
-          <a:fontRef idx="minor">
-            <a:schemeClr val="lt1"/>
-          </a:fontRef>
-        </p:style>
-        <p:txBody>
-          <a:bodyPr rtlCol="0" anchor="ctr"/>
-          <a:lstStyle/>
-          <a:p>
-            <a:pPr algn="ctr"/>
-            <a:endParaRPr lang="pt-BR"/>
-          </a:p>
-        </p:txBody>
-      </p:sp>
-      <p:sp>
-        <p:nvSpPr>
-          <p:cNvPr id="18" name="CaixaDeTexto 17">
-            <a:extLst>
-              <a:ext uri="{FF2B5EF4-FFF2-40B4-BE49-F238E27FC236}">
-                <a16:creationId xmlns:a16="http://schemas.microsoft.com/office/drawing/2014/main" id="{B733DF52-F6C8-4E15-8108-AA2E502C1B9F}"/>
+              <a:t>Terminal de Acesso</a:t>
+            </a:r>
+          </a:p>
+        </p:txBody>
+      </p:sp>
+      <p:sp>
+        <p:nvSpPr>
+          <p:cNvPr id="86" name="CaixaDeTexto 85">
+            <a:extLst>
+              <a:ext uri="{FF2B5EF4-FFF2-40B4-BE49-F238E27FC236}">
+                <a16:creationId xmlns:a16="http://schemas.microsoft.com/office/drawing/2014/main" id="{60455A35-2547-401B-A086-4DD9125AB610}"/>
               </a:ext>
             </a:extLst>
           </p:cNvPr>
@@ -4971,8 +6787,8 @@
         </p:nvSpPr>
         <p:spPr>
           <a:xfrm>
-            <a:off x="8781083" y="3346222"/>
-            <a:ext cx="1245277" cy="369332"/>
+            <a:off x="969458" y="5740193"/>
+            <a:ext cx="915635" cy="369332"/>
           </a:xfrm>
           <a:prstGeom prst="rect">
             <a:avLst/>
@@ -4980,386 +6796,273 @@
           <a:noFill/>
         </p:spPr>
         <p:txBody>
-          <a:bodyPr wrap="none" rtlCol="0">
+          <a:bodyPr wrap="square" rtlCol="0">
             <a:spAutoFit/>
           </a:bodyPr>
           <a:lstStyle/>
           <a:p>
             <a:r>
               <a:rPr lang="pt-BR" dirty="0"/>
-              <a:t>PostgreSQL</a:t>
-            </a:r>
-          </a:p>
-        </p:txBody>
-      </p:sp>
-      <p:sp>
-        <p:nvSpPr>
-          <p:cNvPr id="19" name="CaixaDeTexto 18">
-            <a:extLst>
-              <a:ext uri="{FF2B5EF4-FFF2-40B4-BE49-F238E27FC236}">
-                <a16:creationId xmlns:a16="http://schemas.microsoft.com/office/drawing/2014/main" id="{F48636BB-0194-4D4B-AC56-215245C3D578}"/>
-              </a:ext>
-            </a:extLst>
-          </p:cNvPr>
-          <p:cNvSpPr txBox="1"/>
-          <p:nvPr/>
-        </p:nvSpPr>
-        <p:spPr>
-          <a:xfrm>
-            <a:off x="5705481" y="4409731"/>
-            <a:ext cx="819455" cy="369332"/>
-          </a:xfrm>
-          <a:prstGeom prst="rect">
-            <a:avLst/>
-          </a:prstGeom>
-          <a:noFill/>
-        </p:spPr>
-        <p:txBody>
-          <a:bodyPr wrap="none" rtlCol="0">
-            <a:spAutoFit/>
-          </a:bodyPr>
-          <a:lstStyle/>
-          <a:p>
-            <a:r>
-              <a:rPr lang="pt-BR" dirty="0"/>
-              <a:t>Sensor</a:t>
-            </a:r>
-          </a:p>
-        </p:txBody>
-      </p:sp>
-      <p:sp>
-        <p:nvSpPr>
-          <p:cNvPr id="20" name="CaixaDeTexto 19">
-            <a:extLst>
-              <a:ext uri="{FF2B5EF4-FFF2-40B4-BE49-F238E27FC236}">
-                <a16:creationId xmlns:a16="http://schemas.microsoft.com/office/drawing/2014/main" id="{14C3D24D-B337-459D-A722-748E4C55CB80}"/>
-              </a:ext>
-            </a:extLst>
-          </p:cNvPr>
-          <p:cNvSpPr txBox="1"/>
-          <p:nvPr/>
-        </p:nvSpPr>
-        <p:spPr>
-          <a:xfrm>
-            <a:off x="5570471" y="2805978"/>
-            <a:ext cx="1051057" cy="369332"/>
-          </a:xfrm>
-          <a:prstGeom prst="rect">
-            <a:avLst/>
-          </a:prstGeom>
-          <a:noFill/>
-        </p:spPr>
-        <p:txBody>
-          <a:bodyPr wrap="none" rtlCol="0">
-            <a:spAutoFit/>
-          </a:bodyPr>
-          <a:lstStyle/>
-          <a:p>
-            <a:r>
-              <a:rPr lang="pt-BR" dirty="0"/>
-              <a:t>Roteador</a:t>
-            </a:r>
-          </a:p>
-        </p:txBody>
-      </p:sp>
-      <p:sp>
-        <p:nvSpPr>
-          <p:cNvPr id="21" name="Retângulo: Cantos Arredondados 20">
-            <a:extLst>
-              <a:ext uri="{FF2B5EF4-FFF2-40B4-BE49-F238E27FC236}">
-                <a16:creationId xmlns:a16="http://schemas.microsoft.com/office/drawing/2014/main" id="{FA5D9024-7DCE-4709-82C8-E9D785B6ACB2}"/>
-              </a:ext>
-            </a:extLst>
-          </p:cNvPr>
-          <p:cNvSpPr/>
-          <p:nvPr/>
-        </p:nvSpPr>
-        <p:spPr>
-          <a:xfrm>
-            <a:off x="7144749" y="734095"/>
-            <a:ext cx="4520484" cy="1934577"/>
-          </a:xfrm>
-          <a:prstGeom prst="roundRect">
-            <a:avLst/>
-          </a:prstGeom>
-          <a:solidFill>
-            <a:schemeClr val="accent2">
-              <a:lumMod val="40000"/>
-              <a:lumOff val="60000"/>
-            </a:schemeClr>
-          </a:solidFill>
-          <a:ln>
+              <a:t>Modelo</a:t>
+            </a:r>
+          </a:p>
+        </p:txBody>
+      </p:sp>
+      <p:grpSp>
+        <p:nvGrpSpPr>
+          <p:cNvPr id="20" name="Agrupar 19">
+            <a:extLst>
+              <a:ext uri="{FF2B5EF4-FFF2-40B4-BE49-F238E27FC236}">
+                <a16:creationId xmlns:a16="http://schemas.microsoft.com/office/drawing/2014/main" id="{372149FF-6B80-4B41-A491-9D410DC44948}"/>
+              </a:ext>
+            </a:extLst>
+          </p:cNvPr>
+          <p:cNvGrpSpPr/>
+          <p:nvPr/>
+        </p:nvGrpSpPr>
+        <p:grpSpPr>
+          <a:xfrm>
+            <a:off x="3702312" y="4338469"/>
+            <a:ext cx="1227624" cy="426375"/>
+            <a:chOff x="2181180" y="4338470"/>
+            <a:chExt cx="1227624" cy="426375"/>
+          </a:xfrm>
+        </p:grpSpPr>
+        <p:sp>
+          <p:nvSpPr>
+            <p:cNvPr id="82" name="Retângulo 81">
+              <a:extLst>
+                <a:ext uri="{FF2B5EF4-FFF2-40B4-BE49-F238E27FC236}">
+                  <a16:creationId xmlns:a16="http://schemas.microsoft.com/office/drawing/2014/main" id="{1FDE5ADC-A04F-43BC-AFB5-20FCFAAFECF1}"/>
+                </a:ext>
+              </a:extLst>
+            </p:cNvPr>
+            <p:cNvSpPr/>
+            <p:nvPr/>
+          </p:nvSpPr>
+          <p:spPr>
+            <a:xfrm>
+              <a:off x="2220743" y="4338470"/>
+              <a:ext cx="1188061" cy="426375"/>
+            </a:xfrm>
+            <a:prstGeom prst="rect">
+              <a:avLst/>
+            </a:prstGeom>
             <a:solidFill>
-              <a:schemeClr val="tx1"/>
+              <a:schemeClr val="accent1">
+                <a:lumMod val="20000"/>
+                <a:lumOff val="80000"/>
+              </a:schemeClr>
             </a:solidFill>
-          </a:ln>
-        </p:spPr>
-        <p:style>
-          <a:lnRef idx="2">
-            <a:schemeClr val="accent1">
-              <a:shade val="50000"/>
-            </a:schemeClr>
-          </a:lnRef>
-          <a:fillRef idx="1">
-            <a:schemeClr val="accent1"/>
-          </a:fillRef>
-          <a:effectRef idx="0">
-            <a:schemeClr val="accent1"/>
-          </a:effectRef>
-          <a:fontRef idx="minor">
-            <a:schemeClr val="lt1"/>
-          </a:fontRef>
-        </p:style>
-        <p:txBody>
-          <a:bodyPr rtlCol="0" anchor="ctr"/>
-          <a:lstStyle/>
-          <a:p>
-            <a:pPr algn="ctr"/>
-            <a:endParaRPr lang="pt-BR"/>
-          </a:p>
-        </p:txBody>
-      </p:sp>
-      <p:sp>
-        <p:nvSpPr>
-          <p:cNvPr id="22" name="Retângulo: Cantos Arredondados 21">
-            <a:extLst>
-              <a:ext uri="{FF2B5EF4-FFF2-40B4-BE49-F238E27FC236}">
-                <a16:creationId xmlns:a16="http://schemas.microsoft.com/office/drawing/2014/main" id="{D95E201C-3F7A-49C1-9890-1A509EF89620}"/>
-              </a:ext>
-            </a:extLst>
-          </p:cNvPr>
-          <p:cNvSpPr/>
-          <p:nvPr/>
-        </p:nvSpPr>
-        <p:spPr>
-          <a:xfrm>
-            <a:off x="7144749" y="4182887"/>
-            <a:ext cx="4520484" cy="2383260"/>
-          </a:xfrm>
-          <a:prstGeom prst="roundRect">
-            <a:avLst/>
-          </a:prstGeom>
-          <a:solidFill>
-            <a:schemeClr val="accent2">
-              <a:lumMod val="40000"/>
-              <a:lumOff val="60000"/>
-            </a:schemeClr>
-          </a:solidFill>
-          <a:ln>
+            <a:ln>
+              <a:solidFill>
+                <a:schemeClr val="tx1"/>
+              </a:solidFill>
+            </a:ln>
+          </p:spPr>
+          <p:style>
+            <a:lnRef idx="2">
+              <a:schemeClr val="accent1">
+                <a:shade val="50000"/>
+              </a:schemeClr>
+            </a:lnRef>
+            <a:fillRef idx="1">
+              <a:schemeClr val="accent1"/>
+            </a:fillRef>
+            <a:effectRef idx="0">
+              <a:schemeClr val="accent1"/>
+            </a:effectRef>
+            <a:fontRef idx="minor">
+              <a:schemeClr val="lt1"/>
+            </a:fontRef>
+          </p:style>
+          <p:txBody>
+            <a:bodyPr rtlCol="0" anchor="ctr"/>
+            <a:lstStyle/>
+            <a:p>
+              <a:pPr algn="ctr"/>
+              <a:endParaRPr lang="pt-BR"/>
+            </a:p>
+          </p:txBody>
+        </p:sp>
+        <p:sp>
+          <p:nvSpPr>
+            <p:cNvPr id="87" name="CaixaDeTexto 86">
+              <a:extLst>
+                <a:ext uri="{FF2B5EF4-FFF2-40B4-BE49-F238E27FC236}">
+                  <a16:creationId xmlns:a16="http://schemas.microsoft.com/office/drawing/2014/main" id="{A0FDEC35-D844-4CAB-B0DF-F39683819062}"/>
+                </a:ext>
+              </a:extLst>
+            </p:cNvPr>
+            <p:cNvSpPr txBox="1"/>
+            <p:nvPr/>
+          </p:nvSpPr>
+          <p:spPr>
+            <a:xfrm>
+              <a:off x="2181180" y="4353626"/>
+              <a:ext cx="862929" cy="369332"/>
+            </a:xfrm>
+            <a:prstGeom prst="rect">
+              <a:avLst/>
+            </a:prstGeom>
+            <a:noFill/>
+          </p:spPr>
+          <p:txBody>
+            <a:bodyPr wrap="none" rtlCol="0">
+              <a:spAutoFit/>
+            </a:bodyPr>
+            <a:lstStyle/>
+            <a:p>
+              <a:r>
+                <a:rPr lang="pt-BR" dirty="0"/>
+                <a:t>Serviço</a:t>
+              </a:r>
+            </a:p>
+          </p:txBody>
+        </p:sp>
+      </p:grpSp>
+      <p:grpSp>
+        <p:nvGrpSpPr>
+          <p:cNvPr id="13" name="Agrupar 12">
+            <a:extLst>
+              <a:ext uri="{FF2B5EF4-FFF2-40B4-BE49-F238E27FC236}">
+                <a16:creationId xmlns:a16="http://schemas.microsoft.com/office/drawing/2014/main" id="{F728F1FC-2D60-4E87-8D64-C86FD4B6891A}"/>
+              </a:ext>
+            </a:extLst>
+          </p:cNvPr>
+          <p:cNvGrpSpPr/>
+          <p:nvPr/>
+        </p:nvGrpSpPr>
+        <p:grpSpPr>
+          <a:xfrm>
+            <a:off x="2144818" y="5133755"/>
+            <a:ext cx="1581281" cy="426375"/>
+            <a:chOff x="3494025" y="5133754"/>
+            <a:chExt cx="1188061" cy="426375"/>
+          </a:xfrm>
+        </p:grpSpPr>
+        <p:sp>
+          <p:nvSpPr>
+            <p:cNvPr id="83" name="Retângulo 82">
+              <a:extLst>
+                <a:ext uri="{FF2B5EF4-FFF2-40B4-BE49-F238E27FC236}">
+                  <a16:creationId xmlns:a16="http://schemas.microsoft.com/office/drawing/2014/main" id="{6A54B7C0-989B-4194-9954-D7A00761C370}"/>
+                </a:ext>
+              </a:extLst>
+            </p:cNvPr>
+            <p:cNvSpPr/>
+            <p:nvPr/>
+          </p:nvSpPr>
+          <p:spPr>
+            <a:xfrm>
+              <a:off x="3494025" y="5133754"/>
+              <a:ext cx="1188061" cy="426375"/>
+            </a:xfrm>
+            <a:prstGeom prst="rect">
+              <a:avLst/>
+            </a:prstGeom>
             <a:solidFill>
-              <a:schemeClr val="tx1"/>
+              <a:schemeClr val="accent1">
+                <a:lumMod val="20000"/>
+                <a:lumOff val="80000"/>
+              </a:schemeClr>
             </a:solidFill>
-          </a:ln>
-        </p:spPr>
-        <p:style>
-          <a:lnRef idx="2">
-            <a:schemeClr val="accent1">
-              <a:shade val="50000"/>
-            </a:schemeClr>
-          </a:lnRef>
-          <a:fillRef idx="1">
-            <a:schemeClr val="accent1"/>
-          </a:fillRef>
-          <a:effectRef idx="0">
-            <a:schemeClr val="accent1"/>
-          </a:effectRef>
-          <a:fontRef idx="minor">
-            <a:schemeClr val="lt1"/>
-          </a:fontRef>
-        </p:style>
-        <p:txBody>
-          <a:bodyPr rtlCol="0" anchor="ctr"/>
-          <a:lstStyle/>
-          <a:p>
-            <a:pPr algn="ctr"/>
-            <a:endParaRPr lang="pt-BR"/>
-          </a:p>
-        </p:txBody>
-      </p:sp>
-      <p:sp>
-        <p:nvSpPr>
-          <p:cNvPr id="23" name="CaixaDeTexto 22">
-            <a:extLst>
-              <a:ext uri="{FF2B5EF4-FFF2-40B4-BE49-F238E27FC236}">
-                <a16:creationId xmlns:a16="http://schemas.microsoft.com/office/drawing/2014/main" id="{826A007D-0603-48B9-AFC1-73D7102CA7E8}"/>
-              </a:ext>
-            </a:extLst>
-          </p:cNvPr>
-          <p:cNvSpPr txBox="1"/>
-          <p:nvPr/>
-        </p:nvSpPr>
-        <p:spPr>
-          <a:xfrm>
-            <a:off x="8667045" y="729940"/>
-            <a:ext cx="1473352" cy="369332"/>
-          </a:xfrm>
-          <a:prstGeom prst="rect">
-            <a:avLst/>
-          </a:prstGeom>
-          <a:noFill/>
-        </p:spPr>
-        <p:txBody>
-          <a:bodyPr wrap="none" rtlCol="0">
-            <a:spAutoFit/>
-          </a:bodyPr>
-          <a:lstStyle/>
-          <a:p>
-            <a:r>
-              <a:rPr lang="pt-BR" dirty="0"/>
-              <a:t>Servidor REST</a:t>
-            </a:r>
-          </a:p>
-        </p:txBody>
-      </p:sp>
-      <p:sp>
-        <p:nvSpPr>
-          <p:cNvPr id="24" name="CaixaDeTexto 23">
-            <a:extLst>
-              <a:ext uri="{FF2B5EF4-FFF2-40B4-BE49-F238E27FC236}">
-                <a16:creationId xmlns:a16="http://schemas.microsoft.com/office/drawing/2014/main" id="{B31C1505-47CF-4AED-A852-7F99097F2362}"/>
-              </a:ext>
-            </a:extLst>
-          </p:cNvPr>
-          <p:cNvSpPr txBox="1"/>
-          <p:nvPr/>
-        </p:nvSpPr>
-        <p:spPr>
-          <a:xfrm>
-            <a:off x="7777827" y="4282362"/>
-            <a:ext cx="3251788" cy="369332"/>
-          </a:xfrm>
-          <a:prstGeom prst="rect">
-            <a:avLst/>
-          </a:prstGeom>
-          <a:noFill/>
-        </p:spPr>
-        <p:txBody>
-          <a:bodyPr wrap="none" rtlCol="0">
-            <a:spAutoFit/>
-          </a:bodyPr>
-          <a:lstStyle/>
-          <a:p>
-            <a:r>
-              <a:rPr lang="pt-BR" dirty="0"/>
-              <a:t>Captador de Estado de Sensores</a:t>
-            </a:r>
-          </a:p>
-        </p:txBody>
-      </p:sp>
+            <a:ln>
+              <a:solidFill>
+                <a:schemeClr val="tx1"/>
+              </a:solidFill>
+            </a:ln>
+          </p:spPr>
+          <p:style>
+            <a:lnRef idx="2">
+              <a:schemeClr val="accent1">
+                <a:shade val="50000"/>
+              </a:schemeClr>
+            </a:lnRef>
+            <a:fillRef idx="1">
+              <a:schemeClr val="accent1"/>
+            </a:fillRef>
+            <a:effectRef idx="0">
+              <a:schemeClr val="accent1"/>
+            </a:effectRef>
+            <a:fontRef idx="minor">
+              <a:schemeClr val="lt1"/>
+            </a:fontRef>
+          </p:style>
+          <p:txBody>
+            <a:bodyPr rtlCol="0" anchor="ctr"/>
+            <a:lstStyle/>
+            <a:p>
+              <a:pPr algn="ctr"/>
+              <a:endParaRPr lang="pt-BR"/>
+            </a:p>
+          </p:txBody>
+        </p:sp>
+        <p:sp>
+          <p:nvSpPr>
+            <p:cNvPr id="88" name="CaixaDeTexto 87">
+              <a:extLst>
+                <a:ext uri="{FF2B5EF4-FFF2-40B4-BE49-F238E27FC236}">
+                  <a16:creationId xmlns:a16="http://schemas.microsoft.com/office/drawing/2014/main" id="{06B33989-44DD-4D9A-A5C9-B22CBD3F0B8A}"/>
+                </a:ext>
+              </a:extLst>
+            </p:cNvPr>
+            <p:cNvSpPr txBox="1"/>
+            <p:nvPr/>
+          </p:nvSpPr>
+          <p:spPr>
+            <a:xfrm>
+              <a:off x="3498208" y="5148715"/>
+              <a:ext cx="1055424" cy="369332"/>
+            </a:xfrm>
+            <a:prstGeom prst="rect">
+              <a:avLst/>
+            </a:prstGeom>
+            <a:noFill/>
+          </p:spPr>
+          <p:txBody>
+            <a:bodyPr wrap="none" rtlCol="0">
+              <a:spAutoFit/>
+            </a:bodyPr>
+            <a:lstStyle/>
+            <a:p>
+              <a:r>
+                <a:rPr lang="pt-BR" dirty="0"/>
+                <a:t>Componente</a:t>
+              </a:r>
+            </a:p>
+          </p:txBody>
+        </p:sp>
+      </p:grpSp>
       <p:cxnSp>
         <p:nvCxnSpPr>
-          <p:cNvPr id="28" name="Conector: Angulado 27">
-            <a:extLst>
-              <a:ext uri="{FF2B5EF4-FFF2-40B4-BE49-F238E27FC236}">
-                <a16:creationId xmlns:a16="http://schemas.microsoft.com/office/drawing/2014/main" id="{798760F6-709F-4423-BD52-991DD8123372}"/>
+          <p:cNvPr id="67" name="Conector de Seta Reta 66">
+            <a:extLst>
+              <a:ext uri="{FF2B5EF4-FFF2-40B4-BE49-F238E27FC236}">
+                <a16:creationId xmlns:a16="http://schemas.microsoft.com/office/drawing/2014/main" id="{0AAF0FF4-D760-4E7B-8701-D8BD1E64149B}"/>
               </a:ext>
             </a:extLst>
           </p:cNvPr>
           <p:cNvCxnSpPr>
             <a:cxnSpLocks/>
-            <a:stCxn id="47" idx="1"/>
-            <a:endCxn id="6" idx="6"/>
+            <a:stCxn id="76" idx="4"/>
+            <a:endCxn id="82" idx="3"/>
           </p:cNvCxnSpPr>
           <p:nvPr/>
         </p:nvCxnSpPr>
         <p:spPr>
-          <a:xfrm rot="10800000" flipV="1">
-            <a:off x="6482366" y="1485190"/>
-            <a:ext cx="828538" cy="845886"/>
-          </a:xfrm>
-          <a:prstGeom prst="bentConnector3">
-            <a:avLst>
-              <a:gd name="adj1" fmla="val 39119"/>
-            </a:avLst>
+          <a:xfrm rot="5400000">
+            <a:off x="4436207" y="2872655"/>
+            <a:ext cx="2172731" cy="1185272"/>
+          </a:xfrm>
+          <a:prstGeom prst="bentConnector2">
+            <a:avLst/>
           </a:prstGeom>
           <a:ln w="38100">
             <a:solidFill>
               <a:schemeClr val="tx1"/>
             </a:solidFill>
-            <a:tailEnd type="triangle"/>
-          </a:ln>
-        </p:spPr>
-        <p:style>
-          <a:lnRef idx="1">
-            <a:schemeClr val="accent1"/>
-          </a:lnRef>
-          <a:fillRef idx="0">
-            <a:schemeClr val="accent1"/>
-          </a:fillRef>
-          <a:effectRef idx="0">
-            <a:schemeClr val="accent1"/>
-          </a:effectRef>
-          <a:fontRef idx="minor">
-            <a:schemeClr val="tx1"/>
-          </a:fontRef>
-        </p:style>
-      </p:cxnSp>
-      <p:sp>
-        <p:nvSpPr>
-          <p:cNvPr id="35" name="CaixaDeTexto 34">
-            <a:extLst>
-              <a:ext uri="{FF2B5EF4-FFF2-40B4-BE49-F238E27FC236}">
-                <a16:creationId xmlns:a16="http://schemas.microsoft.com/office/drawing/2014/main" id="{B96143FE-2467-452E-80C3-F35400408E86}"/>
-              </a:ext>
-            </a:extLst>
-          </p:cNvPr>
-          <p:cNvSpPr txBox="1"/>
-          <p:nvPr/>
-        </p:nvSpPr>
-        <p:spPr>
-          <a:xfrm>
-            <a:off x="6860146" y="281258"/>
-            <a:ext cx="1364028" cy="369332"/>
-          </a:xfrm>
-          <a:prstGeom prst="rect">
-            <a:avLst/>
-          </a:prstGeom>
-          <a:noFill/>
-        </p:spPr>
-        <p:txBody>
-          <a:bodyPr wrap="none" rtlCol="0">
-            <a:spAutoFit/>
-          </a:bodyPr>
-          <a:lstStyle/>
-          <a:p>
-            <a:r>
-              <a:rPr lang="pt-BR" dirty="0" err="1"/>
-              <a:t>Raspberry</a:t>
-            </a:r>
-            <a:r>
-              <a:rPr lang="pt-BR" dirty="0"/>
-              <a:t> PI</a:t>
-            </a:r>
-          </a:p>
-        </p:txBody>
-      </p:sp>
-      <p:cxnSp>
-        <p:nvCxnSpPr>
-          <p:cNvPr id="37" name="Conector de Seta Reta 36">
-            <a:extLst>
-              <a:ext uri="{FF2B5EF4-FFF2-40B4-BE49-F238E27FC236}">
-                <a16:creationId xmlns:a16="http://schemas.microsoft.com/office/drawing/2014/main" id="{A3C82E3B-D744-4E20-98D8-FAA484E03707}"/>
-              </a:ext>
-            </a:extLst>
-          </p:cNvPr>
-          <p:cNvCxnSpPr>
-            <a:stCxn id="21" idx="2"/>
-            <a:endCxn id="17" idx="1"/>
-          </p:cNvCxnSpPr>
-          <p:nvPr/>
-        </p:nvCxnSpPr>
-        <p:spPr>
-          <a:xfrm flipH="1">
-            <a:off x="9403723" y="2668672"/>
-            <a:ext cx="1268" cy="428697"/>
-          </a:xfrm>
-          <a:prstGeom prst="straightConnector1">
-            <a:avLst/>
-          </a:prstGeom>
-          <a:ln w="38100">
-            <a:solidFill>
-              <a:schemeClr val="tx1"/>
-            </a:solidFill>
+            <a:headEnd type="triangle"/>
             <a:tailEnd type="triangle"/>
           </a:ln>
         </p:spPr>
@@ -5380,23 +7083,24 @@
       </p:cxnSp>
       <p:cxnSp>
         <p:nvCxnSpPr>
-          <p:cNvPr id="38" name="Conector de Seta Reta 37">
-            <a:extLst>
-              <a:ext uri="{FF2B5EF4-FFF2-40B4-BE49-F238E27FC236}">
-                <a16:creationId xmlns:a16="http://schemas.microsoft.com/office/drawing/2014/main" id="{17A13188-B998-462E-AB32-9E53AFEA4F15}"/>
+          <p:cNvPr id="70" name="Conector de Seta Reta 69">
+            <a:extLst>
+              <a:ext uri="{FF2B5EF4-FFF2-40B4-BE49-F238E27FC236}">
+                <a16:creationId xmlns:a16="http://schemas.microsoft.com/office/drawing/2014/main" id="{3777CE73-497C-480D-90F0-18BEA61E914B}"/>
               </a:ext>
             </a:extLst>
           </p:cNvPr>
           <p:cNvCxnSpPr>
             <a:cxnSpLocks/>
-            <a:stCxn id="12" idx="2"/>
+            <a:stCxn id="76" idx="2"/>
+            <a:endCxn id="32" idx="3"/>
           </p:cNvCxnSpPr>
           <p:nvPr/>
         </p:nvCxnSpPr>
         <p:spPr>
-          <a:xfrm>
-            <a:off x="6644245" y="4594398"/>
-            <a:ext cx="499236" cy="0"/>
+          <a:xfrm flipH="1" flipV="1">
+            <a:off x="4910908" y="1984918"/>
+            <a:ext cx="817933" cy="7642"/>
           </a:xfrm>
           <a:prstGeom prst="straightConnector1">
             <a:avLst/>
@@ -5405,6 +7109,7 @@
             <a:solidFill>
               <a:schemeClr val="tx1"/>
             </a:solidFill>
+            <a:headEnd type="triangle"/>
             <a:tailEnd type="triangle"/>
           </a:ln>
         </p:spPr>
@@ -5425,25 +7130,29 @@
       </p:cxnSp>
       <p:cxnSp>
         <p:nvCxnSpPr>
-          <p:cNvPr id="42" name="Conector de Seta Reta 41">
-            <a:extLst>
-              <a:ext uri="{FF2B5EF4-FFF2-40B4-BE49-F238E27FC236}">
-                <a16:creationId xmlns:a16="http://schemas.microsoft.com/office/drawing/2014/main" id="{E7A16B00-D97D-4B80-841A-DEA92AA31CF1}"/>
+          <p:cNvPr id="73" name="Conector de Seta Reta 72">
+            <a:extLst>
+              <a:ext uri="{FF2B5EF4-FFF2-40B4-BE49-F238E27FC236}">
+                <a16:creationId xmlns:a16="http://schemas.microsoft.com/office/drawing/2014/main" id="{8B1506F1-39C0-49B3-9E37-3D9D0A8B990F}"/>
               </a:ext>
             </a:extLst>
           </p:cNvPr>
           <p:cNvCxnSpPr>
-            <a:stCxn id="17" idx="3"/>
+            <a:cxnSpLocks/>
+            <a:stCxn id="47" idx="1"/>
+            <a:endCxn id="76" idx="6"/>
           </p:cNvCxnSpPr>
           <p:nvPr/>
         </p:nvCxnSpPr>
         <p:spPr>
-          <a:xfrm flipH="1">
-            <a:off x="9403721" y="3754191"/>
-            <a:ext cx="2" cy="428696"/>
-          </a:xfrm>
-          <a:prstGeom prst="straightConnector1">
-            <a:avLst/>
+          <a:xfrm rot="10800000" flipV="1">
+            <a:off x="6501574" y="1485190"/>
+            <a:ext cx="809330" cy="507370"/>
+          </a:xfrm>
+          <a:prstGeom prst="bentConnector3">
+            <a:avLst>
+              <a:gd name="adj1" fmla="val 42154"/>
+            </a:avLst>
           </a:prstGeom>
           <a:ln w="38100">
             <a:solidFill>
@@ -5468,12 +7177,87 @@
           </a:fontRef>
         </p:style>
       </p:cxnSp>
-      <p:sp>
-        <p:nvSpPr>
-          <p:cNvPr id="2" name="Retângulo 1">
-            <a:extLst>
-              <a:ext uri="{FF2B5EF4-FFF2-40B4-BE49-F238E27FC236}">
-                <a16:creationId xmlns:a16="http://schemas.microsoft.com/office/drawing/2014/main" id="{468F06B3-22A9-49E0-A746-0237A07D228E}"/>
+      <p:cxnSp>
+        <p:nvCxnSpPr>
+          <p:cNvPr id="89" name="Conector de Seta Reta 88">
+            <a:extLst>
+              <a:ext uri="{FF2B5EF4-FFF2-40B4-BE49-F238E27FC236}">
+                <a16:creationId xmlns:a16="http://schemas.microsoft.com/office/drawing/2014/main" id="{15434B7D-189E-4996-BE05-8AD9C3C330E7}"/>
+              </a:ext>
+            </a:extLst>
+          </p:cNvPr>
+          <p:cNvCxnSpPr>
+            <a:cxnSpLocks/>
+          </p:cNvCxnSpPr>
+          <p:nvPr/>
+        </p:nvCxnSpPr>
+        <p:spPr>
+          <a:xfrm flipH="1">
+            <a:off x="9380727" y="2664670"/>
+            <a:ext cx="2" cy="428696"/>
+          </a:xfrm>
+          <a:prstGeom prst="straightConnector1">
+            <a:avLst/>
+          </a:prstGeom>
+          <a:ln w="38100">
+            <a:solidFill>
+              <a:schemeClr val="tx1"/>
+            </a:solidFill>
+            <a:headEnd type="triangle"/>
+            <a:tailEnd type="triangle"/>
+          </a:ln>
+        </p:spPr>
+        <p:style>
+          <a:lnRef idx="1">
+            <a:schemeClr val="accent1"/>
+          </a:lnRef>
+          <a:fillRef idx="0">
+            <a:schemeClr val="accent1"/>
+          </a:fillRef>
+          <a:effectRef idx="0">
+            <a:schemeClr val="accent1"/>
+          </a:effectRef>
+          <a:fontRef idx="minor">
+            <a:schemeClr val="tx1"/>
+          </a:fontRef>
+        </p:style>
+      </p:cxnSp>
+    </p:spTree>
+    <p:extLst>
+      <p:ext uri="{BB962C8B-B14F-4D97-AF65-F5344CB8AC3E}">
+        <p14:creationId xmlns:p14="http://schemas.microsoft.com/office/powerpoint/2010/main" val="209628740"/>
+      </p:ext>
+    </p:extLst>
+  </p:cSld>
+  <p:clrMapOvr>
+    <a:masterClrMapping/>
+  </p:clrMapOvr>
+</p:sld>
+</file>
+
+<file path=ppt/slides/slide3.xml><?xml version="1.0" encoding="utf-8"?>
+<p:sld xmlns:a="http://schemas.openxmlformats.org/drawingml/2006/main" xmlns:r="http://schemas.openxmlformats.org/officeDocument/2006/relationships" xmlns:p="http://schemas.openxmlformats.org/presentationml/2006/main">
+  <p:cSld>
+    <p:spTree>
+      <p:nvGrpSpPr>
+        <p:cNvPr id="1" name=""/>
+        <p:cNvGrpSpPr/>
+        <p:nvPr/>
+      </p:nvGrpSpPr>
+      <p:grpSpPr>
+        <a:xfrm>
+          <a:off x="0" y="0"/>
+          <a:ext cx="0" cy="0"/>
+          <a:chOff x="0" y="0"/>
+          <a:chExt cx="0" cy="0"/>
+        </a:xfrm>
+      </p:grpSpPr>
+      <p:sp>
+        <p:nvSpPr>
+          <p:cNvPr id="4" name="Retângulo 3">
+            <a:extLst>
+              <a:ext uri="{FF2B5EF4-FFF2-40B4-BE49-F238E27FC236}">
+                <a16:creationId xmlns:a16="http://schemas.microsoft.com/office/drawing/2014/main" id="{6522D095-2E71-4FD7-8CF1-77A0ECDB477E}"/>
               </a:ext>
             </a:extLst>
           </p:cNvPr>
@@ -5482,16 +7266,16 @@
         </p:nvSpPr>
         <p:spPr>
           <a:xfrm>
-            <a:off x="708338" y="1275008"/>
-            <a:ext cx="4185634" cy="426375"/>
+            <a:off x="6860146" y="206062"/>
+            <a:ext cx="5087155" cy="6439437"/>
           </a:xfrm>
           <a:prstGeom prst="rect">
             <a:avLst/>
           </a:prstGeom>
           <a:solidFill>
-            <a:schemeClr val="accent1">
-              <a:lumMod val="20000"/>
-              <a:lumOff val="80000"/>
+            <a:schemeClr val="accent2">
+              <a:lumMod val="60000"/>
+              <a:lumOff val="40000"/>
             </a:schemeClr>
           </a:solidFill>
           <a:ln>
@@ -5527,10 +7311,10 @@
       </p:sp>
       <p:sp>
         <p:nvSpPr>
-          <p:cNvPr id="30" name="Retângulo 29">
-            <a:extLst>
-              <a:ext uri="{FF2B5EF4-FFF2-40B4-BE49-F238E27FC236}">
-                <a16:creationId xmlns:a16="http://schemas.microsoft.com/office/drawing/2014/main" id="{EEAECDC4-0F37-4F40-9CFE-D6C3A600A814}"/>
+          <p:cNvPr id="5" name="Fluxograma: Disco Magnético 4">
+            <a:extLst>
+              <a:ext uri="{FF2B5EF4-FFF2-40B4-BE49-F238E27FC236}">
+                <a16:creationId xmlns:a16="http://schemas.microsoft.com/office/drawing/2014/main" id="{815931D9-B37A-4080-BF11-FD3A1A46C433}"/>
               </a:ext>
             </a:extLst>
           </p:cNvPr>
@@ -5539,16 +7323,15 @@
         </p:nvSpPr>
         <p:spPr>
           <a:xfrm>
-            <a:off x="708338" y="2946180"/>
-            <a:ext cx="4185634" cy="426375"/>
-          </a:xfrm>
-          <a:prstGeom prst="rect">
+            <a:off x="8546838" y="3097369"/>
+            <a:ext cx="1713769" cy="656822"/>
+          </a:xfrm>
+          <a:prstGeom prst="flowChartMagneticDisk">
             <a:avLst/>
           </a:prstGeom>
           <a:solidFill>
-            <a:schemeClr val="accent1">
-              <a:lumMod val="20000"/>
-              <a:lumOff val="80000"/>
+            <a:schemeClr val="bg2">
+              <a:lumMod val="75000"/>
             </a:schemeClr>
           </a:solidFill>
           <a:ln>
@@ -5584,10 +7367,45 @@
       </p:sp>
       <p:sp>
         <p:nvSpPr>
-          <p:cNvPr id="31" name="Retângulo 30">
-            <a:extLst>
-              <a:ext uri="{FF2B5EF4-FFF2-40B4-BE49-F238E27FC236}">
-                <a16:creationId xmlns:a16="http://schemas.microsoft.com/office/drawing/2014/main" id="{A2F2D0A3-6994-4F59-BE44-C5EADCDC4F04}"/>
+          <p:cNvPr id="6" name="CaixaDeTexto 5">
+            <a:extLst>
+              <a:ext uri="{FF2B5EF4-FFF2-40B4-BE49-F238E27FC236}">
+                <a16:creationId xmlns:a16="http://schemas.microsoft.com/office/drawing/2014/main" id="{8DC95118-4F77-4607-8A52-272F041FB7C4}"/>
+              </a:ext>
+            </a:extLst>
+          </p:cNvPr>
+          <p:cNvSpPr txBox="1"/>
+          <p:nvPr/>
+        </p:nvSpPr>
+        <p:spPr>
+          <a:xfrm>
+            <a:off x="8781083" y="3346222"/>
+            <a:ext cx="1245277" cy="369332"/>
+          </a:xfrm>
+          <a:prstGeom prst="rect">
+            <a:avLst/>
+          </a:prstGeom>
+          <a:noFill/>
+        </p:spPr>
+        <p:txBody>
+          <a:bodyPr wrap="square" rtlCol="0">
+            <a:spAutoFit/>
+          </a:bodyPr>
+          <a:lstStyle/>
+          <a:p>
+            <a:r>
+              <a:rPr lang="pt-BR" dirty="0"/>
+              <a:t>PostgreSQL</a:t>
+            </a:r>
+          </a:p>
+        </p:txBody>
+      </p:sp>
+      <p:sp>
+        <p:nvSpPr>
+          <p:cNvPr id="7" name="Retângulo: Cantos Arredondados 6">
+            <a:extLst>
+              <a:ext uri="{FF2B5EF4-FFF2-40B4-BE49-F238E27FC236}">
+                <a16:creationId xmlns:a16="http://schemas.microsoft.com/office/drawing/2014/main" id="{618C7182-2FB2-4EBB-8C3A-81789598E486}"/>
               </a:ext>
             </a:extLst>
           </p:cNvPr>
@@ -5596,16 +7414,16 @@
         </p:nvSpPr>
         <p:spPr>
           <a:xfrm>
-            <a:off x="708339" y="2122268"/>
-            <a:ext cx="1056068" cy="426375"/>
-          </a:xfrm>
-          <a:prstGeom prst="rect">
+            <a:off x="7144749" y="734095"/>
+            <a:ext cx="4520484" cy="1934577"/>
+          </a:xfrm>
+          <a:prstGeom prst="roundRect">
             <a:avLst/>
           </a:prstGeom>
           <a:solidFill>
-            <a:schemeClr val="accent1">
-              <a:lumMod val="20000"/>
-              <a:lumOff val="80000"/>
+            <a:schemeClr val="accent2">
+              <a:lumMod val="40000"/>
+              <a:lumOff val="60000"/>
             </a:schemeClr>
           </a:solidFill>
           <a:ln>
@@ -5641,10 +7459,10 @@
       </p:sp>
       <p:sp>
         <p:nvSpPr>
-          <p:cNvPr id="32" name="Retângulo 31">
-            <a:extLst>
-              <a:ext uri="{FF2B5EF4-FFF2-40B4-BE49-F238E27FC236}">
-                <a16:creationId xmlns:a16="http://schemas.microsoft.com/office/drawing/2014/main" id="{91384776-F012-475B-B693-9BB669F6FC8C}"/>
+          <p:cNvPr id="8" name="Retângulo: Cantos Arredondados 7">
+            <a:extLst>
+              <a:ext uri="{FF2B5EF4-FFF2-40B4-BE49-F238E27FC236}">
+                <a16:creationId xmlns:a16="http://schemas.microsoft.com/office/drawing/2014/main" id="{83CAE8E1-91B0-43A5-8ABC-7447602B7E2B}"/>
               </a:ext>
             </a:extLst>
           </p:cNvPr>
@@ -5653,16 +7471,16 @@
         </p:nvSpPr>
         <p:spPr>
           <a:xfrm>
-            <a:off x="2681398" y="1997597"/>
-            <a:ext cx="1979054" cy="659567"/>
-          </a:xfrm>
-          <a:prstGeom prst="rect">
+            <a:off x="7144749" y="4182887"/>
+            <a:ext cx="4520484" cy="2383260"/>
+          </a:xfrm>
+          <a:prstGeom prst="roundRect">
             <a:avLst/>
           </a:prstGeom>
           <a:solidFill>
-            <a:schemeClr val="accent1">
-              <a:lumMod val="20000"/>
-              <a:lumOff val="80000"/>
+            <a:schemeClr val="accent2">
+              <a:lumMod val="40000"/>
+              <a:lumOff val="60000"/>
             </a:schemeClr>
           </a:solidFill>
           <a:ln>
@@ -5698,10 +7516,10 @@
       </p:sp>
       <p:sp>
         <p:nvSpPr>
-          <p:cNvPr id="33" name="CaixaDeTexto 32">
-            <a:extLst>
-              <a:ext uri="{FF2B5EF4-FFF2-40B4-BE49-F238E27FC236}">
-                <a16:creationId xmlns:a16="http://schemas.microsoft.com/office/drawing/2014/main" id="{81C7AB82-4A06-4052-BF8A-94B84BE148D3}"/>
+          <p:cNvPr id="9" name="CaixaDeTexto 8">
+            <a:extLst>
+              <a:ext uri="{FF2B5EF4-FFF2-40B4-BE49-F238E27FC236}">
+                <a16:creationId xmlns:a16="http://schemas.microsoft.com/office/drawing/2014/main" id="{1E1797A8-19C6-4897-9706-A73EFF358A26}"/>
               </a:ext>
             </a:extLst>
           </p:cNvPr>
@@ -5710,8 +7528,8 @@
         </p:nvSpPr>
         <p:spPr>
           <a:xfrm>
-            <a:off x="747852" y="1308902"/>
-            <a:ext cx="691215" cy="369332"/>
+            <a:off x="8667045" y="729940"/>
+            <a:ext cx="1473352" cy="369332"/>
           </a:xfrm>
           <a:prstGeom prst="rect">
             <a:avLst/>
@@ -5719,24 +7537,24 @@
           <a:noFill/>
         </p:spPr>
         <p:txBody>
-          <a:bodyPr wrap="none" rtlCol="0">
+          <a:bodyPr wrap="square" rtlCol="0">
             <a:spAutoFit/>
           </a:bodyPr>
           <a:lstStyle/>
           <a:p>
             <a:r>
               <a:rPr lang="pt-BR" dirty="0"/>
-              <a:t>Visão</a:t>
-            </a:r>
-          </a:p>
-        </p:txBody>
-      </p:sp>
-      <p:sp>
-        <p:nvSpPr>
-          <p:cNvPr id="34" name="CaixaDeTexto 33">
-            <a:extLst>
-              <a:ext uri="{FF2B5EF4-FFF2-40B4-BE49-F238E27FC236}">
-                <a16:creationId xmlns:a16="http://schemas.microsoft.com/office/drawing/2014/main" id="{2E80A6EE-B8FF-4DFF-A972-41FC30A7C627}"/>
+              <a:t>Servidor REST</a:t>
+            </a:r>
+          </a:p>
+        </p:txBody>
+      </p:sp>
+      <p:sp>
+        <p:nvSpPr>
+          <p:cNvPr id="10" name="CaixaDeTexto 9">
+            <a:extLst>
+              <a:ext uri="{FF2B5EF4-FFF2-40B4-BE49-F238E27FC236}">
+                <a16:creationId xmlns:a16="http://schemas.microsoft.com/office/drawing/2014/main" id="{6FA685BD-25BF-46C1-9963-1269F8367F34}"/>
               </a:ext>
             </a:extLst>
           </p:cNvPr>
@@ -5745,8 +7563,8 @@
         </p:nvSpPr>
         <p:spPr>
           <a:xfrm>
-            <a:off x="747852" y="2143605"/>
-            <a:ext cx="993157" cy="369332"/>
+            <a:off x="7777827" y="4282362"/>
+            <a:ext cx="3251788" cy="369332"/>
           </a:xfrm>
           <a:prstGeom prst="rect">
             <a:avLst/>
@@ -5754,24 +7572,24 @@
           <a:noFill/>
         </p:spPr>
         <p:txBody>
-          <a:bodyPr wrap="none" rtlCol="0">
+          <a:bodyPr wrap="square" rtlCol="0">
             <a:spAutoFit/>
           </a:bodyPr>
           <a:lstStyle/>
           <a:p>
             <a:r>
               <a:rPr lang="pt-BR" dirty="0"/>
-              <a:t>Controle</a:t>
-            </a:r>
-          </a:p>
-        </p:txBody>
-      </p:sp>
-      <p:sp>
-        <p:nvSpPr>
-          <p:cNvPr id="36" name="CaixaDeTexto 35">
-            <a:extLst>
-              <a:ext uri="{FF2B5EF4-FFF2-40B4-BE49-F238E27FC236}">
-                <a16:creationId xmlns:a16="http://schemas.microsoft.com/office/drawing/2014/main" id="{30E9E533-5EDE-4FA0-9A35-3131710D575C}"/>
+              <a:t>Captador de Estado de Sensores</a:t>
+            </a:r>
+          </a:p>
+        </p:txBody>
+      </p:sp>
+      <p:sp>
+        <p:nvSpPr>
+          <p:cNvPr id="11" name="CaixaDeTexto 10">
+            <a:extLst>
+              <a:ext uri="{FF2B5EF4-FFF2-40B4-BE49-F238E27FC236}">
+                <a16:creationId xmlns:a16="http://schemas.microsoft.com/office/drawing/2014/main" id="{71D06D99-30B9-4D34-8C4A-55B8CA387B74}"/>
               </a:ext>
             </a:extLst>
           </p:cNvPr>
@@ -5780,8 +7598,8 @@
         </p:nvSpPr>
         <p:spPr>
           <a:xfrm>
-            <a:off x="2891521" y="1996111"/>
-            <a:ext cx="1557734" cy="646331"/>
+            <a:off x="6860146" y="281258"/>
+            <a:ext cx="3960254" cy="369332"/>
           </a:xfrm>
           <a:prstGeom prst="rect">
             <a:avLst/>
@@ -5789,44 +7607,40 @@
           <a:noFill/>
         </p:spPr>
         <p:txBody>
-          <a:bodyPr wrap="none" rtlCol="0">
+          <a:bodyPr wrap="square" rtlCol="0">
             <a:spAutoFit/>
           </a:bodyPr>
           <a:lstStyle/>
           <a:p>
             <a:r>
+              <a:rPr lang="pt-BR" dirty="0" err="1"/>
+              <a:t>Raspberry</a:t>
+            </a:r>
+            <a:r>
               <a:rPr lang="pt-BR" dirty="0"/>
-              <a:t>Operador </a:t>
-            </a:r>
-          </a:p>
-          <a:p>
-            <a:r>
-              <a:rPr lang="pt-BR" dirty="0"/>
-              <a:t>De Transporte</a:t>
+              <a:t> PI – Coletores Secundários</a:t>
             </a:r>
           </a:p>
         </p:txBody>
       </p:sp>
       <p:cxnSp>
         <p:nvCxnSpPr>
-          <p:cNvPr id="39" name="Conector de Seta Reta 38">
-            <a:extLst>
-              <a:ext uri="{FF2B5EF4-FFF2-40B4-BE49-F238E27FC236}">
-                <a16:creationId xmlns:a16="http://schemas.microsoft.com/office/drawing/2014/main" id="{07B90CC0-D9C2-476A-B748-70AD7FC99BCE}"/>
+          <p:cNvPr id="12" name="Conector de Seta Reta 11">
+            <a:extLst>
+              <a:ext uri="{FF2B5EF4-FFF2-40B4-BE49-F238E27FC236}">
+                <a16:creationId xmlns:a16="http://schemas.microsoft.com/office/drawing/2014/main" id="{95DB8781-D190-4624-AB09-937C34333794}"/>
               </a:ext>
             </a:extLst>
           </p:cNvPr>
           <p:cNvCxnSpPr>
-            <a:cxnSpLocks/>
-            <a:stCxn id="6" idx="2"/>
-            <a:endCxn id="32" idx="3"/>
+            <a:stCxn id="5" idx="3"/>
           </p:cNvCxnSpPr>
           <p:nvPr/>
         </p:nvCxnSpPr>
         <p:spPr>
-          <a:xfrm flipH="1" flipV="1">
-            <a:off x="4660452" y="2327381"/>
-            <a:ext cx="1049181" cy="3695"/>
+          <a:xfrm flipH="1">
+            <a:off x="9403721" y="3754191"/>
+            <a:ext cx="2" cy="428696"/>
           </a:xfrm>
           <a:prstGeom prst="straightConnector1">
             <a:avLst/>
@@ -5835,6 +7649,7 @@
             <a:solidFill>
               <a:schemeClr val="tx1"/>
             </a:solidFill>
+            <a:headEnd type="triangle"/>
             <a:tailEnd type="triangle"/>
           </a:ln>
         </p:spPr>
@@ -5855,61 +7670,26 @@
       </p:cxnSp>
       <p:sp>
         <p:nvSpPr>
-          <p:cNvPr id="40" name="CaixaDeTexto 39">
-            <a:extLst>
-              <a:ext uri="{FF2B5EF4-FFF2-40B4-BE49-F238E27FC236}">
-                <a16:creationId xmlns:a16="http://schemas.microsoft.com/office/drawing/2014/main" id="{235FDD8C-7302-4A28-BB0B-CDA366B1BA4D}"/>
-              </a:ext>
-            </a:extLst>
-          </p:cNvPr>
-          <p:cNvSpPr txBox="1"/>
-          <p:nvPr/>
-        </p:nvSpPr>
-        <p:spPr>
-          <a:xfrm>
-            <a:off x="747851" y="2976890"/>
-            <a:ext cx="915635" cy="369332"/>
+          <p:cNvPr id="13" name="Retângulo 12">
+            <a:extLst>
+              <a:ext uri="{FF2B5EF4-FFF2-40B4-BE49-F238E27FC236}">
+                <a16:creationId xmlns:a16="http://schemas.microsoft.com/office/drawing/2014/main" id="{2057FC03-2BD7-4B63-9007-0A79AB1CEC4C}"/>
+              </a:ext>
+            </a:extLst>
+          </p:cNvPr>
+          <p:cNvSpPr/>
+          <p:nvPr/>
+        </p:nvSpPr>
+        <p:spPr>
+          <a:xfrm>
+            <a:off x="7310904" y="1272002"/>
+            <a:ext cx="2043431" cy="426375"/>
           </a:xfrm>
           <a:prstGeom prst="rect">
             <a:avLst/>
           </a:prstGeom>
-          <a:noFill/>
-        </p:spPr>
-        <p:txBody>
-          <a:bodyPr wrap="none" rtlCol="0">
-            <a:spAutoFit/>
-          </a:bodyPr>
-          <a:lstStyle/>
-          <a:p>
-            <a:r>
-              <a:rPr lang="pt-BR" dirty="0"/>
-              <a:t>Modelo</a:t>
-            </a:r>
-          </a:p>
-        </p:txBody>
-      </p:sp>
-      <p:sp>
-        <p:nvSpPr>
-          <p:cNvPr id="41" name="Retângulo 40">
-            <a:extLst>
-              <a:ext uri="{FF2B5EF4-FFF2-40B4-BE49-F238E27FC236}">
-                <a16:creationId xmlns:a16="http://schemas.microsoft.com/office/drawing/2014/main" id="{A094E902-996D-4B36-AEDA-AE19AEE55523}"/>
-              </a:ext>
-            </a:extLst>
-          </p:cNvPr>
-          <p:cNvSpPr/>
-          <p:nvPr/>
-        </p:nvSpPr>
-        <p:spPr>
-          <a:xfrm>
-            <a:off x="708338" y="3781656"/>
-            <a:ext cx="1056068" cy="426375"/>
-          </a:xfrm>
-          <a:prstGeom prst="rect">
-            <a:avLst/>
-          </a:prstGeom>
           <a:solidFill>
-            <a:schemeClr val="accent1">
+            <a:schemeClr val="accent2">
               <a:lumMod val="20000"/>
               <a:lumOff val="80000"/>
             </a:schemeClr>
@@ -5947,61 +7727,26 @@
       </p:sp>
       <p:sp>
         <p:nvSpPr>
-          <p:cNvPr id="44" name="CaixaDeTexto 43">
-            <a:extLst>
-              <a:ext uri="{FF2B5EF4-FFF2-40B4-BE49-F238E27FC236}">
-                <a16:creationId xmlns:a16="http://schemas.microsoft.com/office/drawing/2014/main" id="{8565EB9F-528E-425F-A599-CBB25EF6BB90}"/>
-              </a:ext>
-            </a:extLst>
-          </p:cNvPr>
-          <p:cNvSpPr txBox="1"/>
-          <p:nvPr/>
-        </p:nvSpPr>
-        <p:spPr>
-          <a:xfrm>
-            <a:off x="747851" y="3802993"/>
-            <a:ext cx="993157" cy="369332"/>
+          <p:cNvPr id="14" name="Retângulo 13">
+            <a:extLst>
+              <a:ext uri="{FF2B5EF4-FFF2-40B4-BE49-F238E27FC236}">
+                <a16:creationId xmlns:a16="http://schemas.microsoft.com/office/drawing/2014/main" id="{2D1FE63F-BCBB-4EE1-873A-567D876C966B}"/>
+              </a:ext>
+            </a:extLst>
+          </p:cNvPr>
+          <p:cNvSpPr/>
+          <p:nvPr/>
+        </p:nvSpPr>
+        <p:spPr>
+          <a:xfrm>
+            <a:off x="7310904" y="2004887"/>
+            <a:ext cx="4185634" cy="426375"/>
           </a:xfrm>
           <a:prstGeom prst="rect">
             <a:avLst/>
           </a:prstGeom>
-          <a:noFill/>
-        </p:spPr>
-        <p:txBody>
-          <a:bodyPr wrap="none" rtlCol="0">
-            <a:spAutoFit/>
-          </a:bodyPr>
-          <a:lstStyle/>
-          <a:p>
-            <a:r>
-              <a:rPr lang="pt-BR" dirty="0"/>
-              <a:t>Controle</a:t>
-            </a:r>
-          </a:p>
-        </p:txBody>
-      </p:sp>
-      <p:sp>
-        <p:nvSpPr>
-          <p:cNvPr id="45" name="Fluxograma: Disco Magnético 44">
-            <a:extLst>
-              <a:ext uri="{FF2B5EF4-FFF2-40B4-BE49-F238E27FC236}">
-                <a16:creationId xmlns:a16="http://schemas.microsoft.com/office/drawing/2014/main" id="{580D9DAA-5CFE-4313-845A-3129101994AF}"/>
-              </a:ext>
-            </a:extLst>
-          </p:cNvPr>
-          <p:cNvSpPr/>
-          <p:nvPr/>
-        </p:nvSpPr>
-        <p:spPr>
-          <a:xfrm>
-            <a:off x="2794874" y="3635673"/>
-            <a:ext cx="1713769" cy="895184"/>
-          </a:xfrm>
-          <a:prstGeom prst="flowChartMagneticDisk">
-            <a:avLst/>
-          </a:prstGeom>
           <a:solidFill>
-            <a:schemeClr val="accent1">
+            <a:schemeClr val="accent2">
               <a:lumMod val="20000"/>
               <a:lumOff val="80000"/>
             </a:schemeClr>
@@ -6039,53 +7784,10 @@
       </p:sp>
       <p:sp>
         <p:nvSpPr>
-          <p:cNvPr id="46" name="CaixaDeTexto 45">
-            <a:extLst>
-              <a:ext uri="{FF2B5EF4-FFF2-40B4-BE49-F238E27FC236}">
-                <a16:creationId xmlns:a16="http://schemas.microsoft.com/office/drawing/2014/main" id="{28983245-ED16-4C21-97F7-828D44276605}"/>
-              </a:ext>
-            </a:extLst>
-          </p:cNvPr>
-          <p:cNvSpPr txBox="1"/>
-          <p:nvPr/>
-        </p:nvSpPr>
-        <p:spPr>
-          <a:xfrm>
-            <a:off x="3292698" y="3885092"/>
-            <a:ext cx="814647" cy="646331"/>
-          </a:xfrm>
-          <a:prstGeom prst="rect">
-            <a:avLst/>
-          </a:prstGeom>
-          <a:noFill/>
-        </p:spPr>
-        <p:txBody>
-          <a:bodyPr wrap="none" rtlCol="0">
-            <a:spAutoFit/>
-          </a:bodyPr>
-          <a:lstStyle/>
-          <a:p>
-            <a:r>
-              <a:rPr lang="pt-BR" dirty="0" err="1"/>
-              <a:t>NoSQL</a:t>
-            </a:r>
-            <a:endParaRPr lang="pt-BR" dirty="0"/>
-          </a:p>
-          <a:p>
-            <a:r>
-              <a:rPr lang="pt-BR" dirty="0" err="1"/>
-              <a:t>LiteDB</a:t>
-            </a:r>
-            <a:endParaRPr lang="pt-BR" dirty="0"/>
-          </a:p>
-        </p:txBody>
-      </p:sp>
-      <p:sp>
-        <p:nvSpPr>
-          <p:cNvPr id="47" name="Retângulo 46">
-            <a:extLst>
-              <a:ext uri="{FF2B5EF4-FFF2-40B4-BE49-F238E27FC236}">
-                <a16:creationId xmlns:a16="http://schemas.microsoft.com/office/drawing/2014/main" id="{71BB81B5-D360-4143-BF5F-FC35383A0B90}"/>
+          <p:cNvPr id="15" name="Retângulo 14">
+            <a:extLst>
+              <a:ext uri="{FF2B5EF4-FFF2-40B4-BE49-F238E27FC236}">
+                <a16:creationId xmlns:a16="http://schemas.microsoft.com/office/drawing/2014/main" id="{E70AFD51-E75C-4EA7-8442-DBE374E32200}"/>
               </a:ext>
             </a:extLst>
           </p:cNvPr>
@@ -6094,8 +7796,8 @@
         </p:nvSpPr>
         <p:spPr>
           <a:xfrm>
-            <a:off x="7310904" y="1272002"/>
-            <a:ext cx="2043431" cy="426375"/>
+            <a:off x="9523030" y="1268718"/>
+            <a:ext cx="1973508" cy="426375"/>
           </a:xfrm>
           <a:prstGeom prst="rect">
             <a:avLst/>
@@ -6139,10 +7841,115 @@
       </p:sp>
       <p:sp>
         <p:nvSpPr>
-          <p:cNvPr id="48" name="Retângulo 47">
-            <a:extLst>
-              <a:ext uri="{FF2B5EF4-FFF2-40B4-BE49-F238E27FC236}">
-                <a16:creationId xmlns:a16="http://schemas.microsoft.com/office/drawing/2014/main" id="{A5DBF2A3-3857-47BE-B564-E01AF3A116E6}"/>
+          <p:cNvPr id="16" name="CaixaDeTexto 15">
+            <a:extLst>
+              <a:ext uri="{FF2B5EF4-FFF2-40B4-BE49-F238E27FC236}">
+                <a16:creationId xmlns:a16="http://schemas.microsoft.com/office/drawing/2014/main" id="{2EE0F236-E4C4-4F86-83AD-B86C0B679494}"/>
+              </a:ext>
+            </a:extLst>
+          </p:cNvPr>
+          <p:cNvSpPr txBox="1"/>
+          <p:nvPr/>
+        </p:nvSpPr>
+        <p:spPr>
+          <a:xfrm>
+            <a:off x="7569860" y="1308902"/>
+            <a:ext cx="1526252" cy="369332"/>
+          </a:xfrm>
+          <a:prstGeom prst="rect">
+            <a:avLst/>
+          </a:prstGeom>
+          <a:noFill/>
+        </p:spPr>
+        <p:txBody>
+          <a:bodyPr wrap="square" rtlCol="0">
+            <a:spAutoFit/>
+          </a:bodyPr>
+          <a:lstStyle/>
+          <a:p>
+            <a:r>
+              <a:rPr lang="pt-BR" dirty="0"/>
+              <a:t>Interface REST</a:t>
+            </a:r>
+          </a:p>
+        </p:txBody>
+      </p:sp>
+      <p:sp>
+        <p:nvSpPr>
+          <p:cNvPr id="17" name="CaixaDeTexto 16">
+            <a:extLst>
+              <a:ext uri="{FF2B5EF4-FFF2-40B4-BE49-F238E27FC236}">
+                <a16:creationId xmlns:a16="http://schemas.microsoft.com/office/drawing/2014/main" id="{3EC7DD5B-2113-4A9C-A192-71A6968E3FEE}"/>
+              </a:ext>
+            </a:extLst>
+          </p:cNvPr>
+          <p:cNvSpPr txBox="1"/>
+          <p:nvPr/>
+        </p:nvSpPr>
+        <p:spPr>
+          <a:xfrm>
+            <a:off x="9763826" y="1308902"/>
+            <a:ext cx="915635" cy="369332"/>
+          </a:xfrm>
+          <a:prstGeom prst="rect">
+            <a:avLst/>
+          </a:prstGeom>
+          <a:noFill/>
+        </p:spPr>
+        <p:txBody>
+          <a:bodyPr wrap="square" rtlCol="0">
+            <a:spAutoFit/>
+          </a:bodyPr>
+          <a:lstStyle/>
+          <a:p>
+            <a:r>
+              <a:rPr lang="pt-BR" dirty="0"/>
+              <a:t>Modelo</a:t>
+            </a:r>
+          </a:p>
+        </p:txBody>
+      </p:sp>
+      <p:sp>
+        <p:nvSpPr>
+          <p:cNvPr id="18" name="CaixaDeTexto 17">
+            <a:extLst>
+              <a:ext uri="{FF2B5EF4-FFF2-40B4-BE49-F238E27FC236}">
+                <a16:creationId xmlns:a16="http://schemas.microsoft.com/office/drawing/2014/main" id="{D3FA3CB9-2FC8-4DA2-8F3E-5B4F61009811}"/>
+              </a:ext>
+            </a:extLst>
+          </p:cNvPr>
+          <p:cNvSpPr txBox="1"/>
+          <p:nvPr/>
+        </p:nvSpPr>
+        <p:spPr>
+          <a:xfrm>
+            <a:off x="7591325" y="2027747"/>
+            <a:ext cx="606705" cy="369332"/>
+          </a:xfrm>
+          <a:prstGeom prst="rect">
+            <a:avLst/>
+          </a:prstGeom>
+          <a:noFill/>
+        </p:spPr>
+        <p:txBody>
+          <a:bodyPr wrap="square" rtlCol="0">
+            <a:spAutoFit/>
+          </a:bodyPr>
+          <a:lstStyle/>
+          <a:p>
+            <a:r>
+              <a:rPr lang="pt-BR" dirty="0"/>
+              <a:t>DAO</a:t>
+            </a:r>
+          </a:p>
+        </p:txBody>
+      </p:sp>
+      <p:sp>
+        <p:nvSpPr>
+          <p:cNvPr id="19" name="Retângulo 18">
+            <a:extLst>
+              <a:ext uri="{FF2B5EF4-FFF2-40B4-BE49-F238E27FC236}">
+                <a16:creationId xmlns:a16="http://schemas.microsoft.com/office/drawing/2014/main" id="{F65EB522-1504-425D-9131-95259D485191}"/>
               </a:ext>
             </a:extLst>
           </p:cNvPr>
@@ -6151,8 +7958,8 @@
         </p:nvSpPr>
         <p:spPr>
           <a:xfrm>
-            <a:off x="7310904" y="2004887"/>
-            <a:ext cx="4185634" cy="426375"/>
+            <a:off x="7310904" y="5562396"/>
+            <a:ext cx="2043431" cy="426375"/>
           </a:xfrm>
           <a:prstGeom prst="rect">
             <a:avLst/>
@@ -6196,10 +8003,10 @@
       </p:sp>
       <p:sp>
         <p:nvSpPr>
-          <p:cNvPr id="49" name="Retângulo 48">
-            <a:extLst>
-              <a:ext uri="{FF2B5EF4-FFF2-40B4-BE49-F238E27FC236}">
-                <a16:creationId xmlns:a16="http://schemas.microsoft.com/office/drawing/2014/main" id="{D15FB763-8226-4DBE-8B3E-08E530FEC801}"/>
+          <p:cNvPr id="20" name="Retângulo 19">
+            <a:extLst>
+              <a:ext uri="{FF2B5EF4-FFF2-40B4-BE49-F238E27FC236}">
+                <a16:creationId xmlns:a16="http://schemas.microsoft.com/office/drawing/2014/main" id="{BBC659E7-964F-456E-9742-7D47C5477D3B}"/>
               </a:ext>
             </a:extLst>
           </p:cNvPr>
@@ -6208,8 +8015,8 @@
         </p:nvSpPr>
         <p:spPr>
           <a:xfrm>
-            <a:off x="9523030" y="1268718"/>
-            <a:ext cx="1973508" cy="426375"/>
+            <a:off x="7310904" y="4815564"/>
+            <a:ext cx="4185634" cy="426375"/>
           </a:xfrm>
           <a:prstGeom prst="rect">
             <a:avLst/>
@@ -6253,115 +8060,10 @@
       </p:sp>
       <p:sp>
         <p:nvSpPr>
-          <p:cNvPr id="50" name="CaixaDeTexto 49">
-            <a:extLst>
-              <a:ext uri="{FF2B5EF4-FFF2-40B4-BE49-F238E27FC236}">
-                <a16:creationId xmlns:a16="http://schemas.microsoft.com/office/drawing/2014/main" id="{394A7B46-E553-4428-87C5-99059C29AD2F}"/>
-              </a:ext>
-            </a:extLst>
-          </p:cNvPr>
-          <p:cNvSpPr txBox="1"/>
-          <p:nvPr/>
-        </p:nvSpPr>
-        <p:spPr>
-          <a:xfrm>
-            <a:off x="7569860" y="1308902"/>
-            <a:ext cx="1526252" cy="369332"/>
-          </a:xfrm>
-          <a:prstGeom prst="rect">
-            <a:avLst/>
-          </a:prstGeom>
-          <a:noFill/>
-        </p:spPr>
-        <p:txBody>
-          <a:bodyPr wrap="none" rtlCol="0">
-            <a:spAutoFit/>
-          </a:bodyPr>
-          <a:lstStyle/>
-          <a:p>
-            <a:r>
-              <a:rPr lang="pt-BR" dirty="0"/>
-              <a:t>Interface REST</a:t>
-            </a:r>
-          </a:p>
-        </p:txBody>
-      </p:sp>
-      <p:sp>
-        <p:nvSpPr>
-          <p:cNvPr id="51" name="CaixaDeTexto 50">
-            <a:extLst>
-              <a:ext uri="{FF2B5EF4-FFF2-40B4-BE49-F238E27FC236}">
-                <a16:creationId xmlns:a16="http://schemas.microsoft.com/office/drawing/2014/main" id="{7124EC4A-700B-4467-A700-D1B05D5D5BD9}"/>
-              </a:ext>
-            </a:extLst>
-          </p:cNvPr>
-          <p:cNvSpPr txBox="1"/>
-          <p:nvPr/>
-        </p:nvSpPr>
-        <p:spPr>
-          <a:xfrm>
-            <a:off x="9763826" y="1308902"/>
-            <a:ext cx="915635" cy="369332"/>
-          </a:xfrm>
-          <a:prstGeom prst="rect">
-            <a:avLst/>
-          </a:prstGeom>
-          <a:noFill/>
-        </p:spPr>
-        <p:txBody>
-          <a:bodyPr wrap="none" rtlCol="0">
-            <a:spAutoFit/>
-          </a:bodyPr>
-          <a:lstStyle/>
-          <a:p>
-            <a:r>
-              <a:rPr lang="pt-BR" dirty="0"/>
-              <a:t>Modelo</a:t>
-            </a:r>
-          </a:p>
-        </p:txBody>
-      </p:sp>
-      <p:sp>
-        <p:nvSpPr>
-          <p:cNvPr id="52" name="CaixaDeTexto 51">
-            <a:extLst>
-              <a:ext uri="{FF2B5EF4-FFF2-40B4-BE49-F238E27FC236}">
-                <a16:creationId xmlns:a16="http://schemas.microsoft.com/office/drawing/2014/main" id="{0C8D9DB9-FF23-40AE-8581-1EC5D7B5ED85}"/>
-              </a:ext>
-            </a:extLst>
-          </p:cNvPr>
-          <p:cNvSpPr txBox="1"/>
-          <p:nvPr/>
-        </p:nvSpPr>
-        <p:spPr>
-          <a:xfrm>
-            <a:off x="7591325" y="2027747"/>
-            <a:ext cx="606705" cy="369332"/>
-          </a:xfrm>
-          <a:prstGeom prst="rect">
-            <a:avLst/>
-          </a:prstGeom>
-          <a:noFill/>
-        </p:spPr>
-        <p:txBody>
-          <a:bodyPr wrap="none" rtlCol="0">
-            <a:spAutoFit/>
-          </a:bodyPr>
-          <a:lstStyle/>
-          <a:p>
-            <a:r>
-              <a:rPr lang="pt-BR" dirty="0"/>
-              <a:t>DAO</a:t>
-            </a:r>
-          </a:p>
-        </p:txBody>
-      </p:sp>
-      <p:sp>
-        <p:nvSpPr>
-          <p:cNvPr id="53" name="Retângulo 52">
-            <a:extLst>
-              <a:ext uri="{FF2B5EF4-FFF2-40B4-BE49-F238E27FC236}">
-                <a16:creationId xmlns:a16="http://schemas.microsoft.com/office/drawing/2014/main" id="{84D82F2E-A0BE-4F06-93AF-584C94F7D321}"/>
+          <p:cNvPr id="21" name="Retângulo 20">
+            <a:extLst>
+              <a:ext uri="{FF2B5EF4-FFF2-40B4-BE49-F238E27FC236}">
+                <a16:creationId xmlns:a16="http://schemas.microsoft.com/office/drawing/2014/main" id="{1D234D77-0EDF-4C3A-9B19-DB3814967E4B}"/>
               </a:ext>
             </a:extLst>
           </p:cNvPr>
@@ -6370,8 +8072,8 @@
         </p:nvSpPr>
         <p:spPr>
           <a:xfrm>
-            <a:off x="7310904" y="5562396"/>
-            <a:ext cx="2043431" cy="426375"/>
+            <a:off x="9523030" y="5566423"/>
+            <a:ext cx="1973508" cy="426375"/>
           </a:xfrm>
           <a:prstGeom prst="rect">
             <a:avLst/>
@@ -6415,10 +8117,160 @@
       </p:sp>
       <p:sp>
         <p:nvSpPr>
-          <p:cNvPr id="54" name="Retângulo 53">
-            <a:extLst>
-              <a:ext uri="{FF2B5EF4-FFF2-40B4-BE49-F238E27FC236}">
-                <a16:creationId xmlns:a16="http://schemas.microsoft.com/office/drawing/2014/main" id="{EE96459C-8BC3-45D6-A161-F152927D1A04}"/>
+          <p:cNvPr id="22" name="CaixaDeTexto 21">
+            <a:extLst>
+              <a:ext uri="{FF2B5EF4-FFF2-40B4-BE49-F238E27FC236}">
+                <a16:creationId xmlns:a16="http://schemas.microsoft.com/office/drawing/2014/main" id="{AC55146B-7DFD-4A71-8500-22D74E4A89C1}"/>
+              </a:ext>
+            </a:extLst>
+          </p:cNvPr>
+          <p:cNvSpPr txBox="1"/>
+          <p:nvPr/>
+        </p:nvSpPr>
+        <p:spPr>
+          <a:xfrm>
+            <a:off x="7617469" y="4843365"/>
+            <a:ext cx="606705" cy="369332"/>
+          </a:xfrm>
+          <a:prstGeom prst="rect">
+            <a:avLst/>
+          </a:prstGeom>
+          <a:noFill/>
+        </p:spPr>
+        <p:txBody>
+          <a:bodyPr wrap="square" rtlCol="0">
+            <a:spAutoFit/>
+          </a:bodyPr>
+          <a:lstStyle/>
+          <a:p>
+            <a:r>
+              <a:rPr lang="pt-BR" dirty="0"/>
+              <a:t>DAO</a:t>
+            </a:r>
+          </a:p>
+        </p:txBody>
+      </p:sp>
+      <p:sp>
+        <p:nvSpPr>
+          <p:cNvPr id="23" name="CaixaDeTexto 22">
+            <a:extLst>
+              <a:ext uri="{FF2B5EF4-FFF2-40B4-BE49-F238E27FC236}">
+                <a16:creationId xmlns:a16="http://schemas.microsoft.com/office/drawing/2014/main" id="{F9E7C345-1586-4696-91B1-5A32DF600D65}"/>
+              </a:ext>
+            </a:extLst>
+          </p:cNvPr>
+          <p:cNvSpPr txBox="1"/>
+          <p:nvPr/>
+        </p:nvSpPr>
+        <p:spPr>
+          <a:xfrm>
+            <a:off x="9763826" y="5578626"/>
+            <a:ext cx="915635" cy="369332"/>
+          </a:xfrm>
+          <a:prstGeom prst="rect">
+            <a:avLst/>
+          </a:prstGeom>
+          <a:noFill/>
+        </p:spPr>
+        <p:txBody>
+          <a:bodyPr wrap="square" rtlCol="0">
+            <a:spAutoFit/>
+          </a:bodyPr>
+          <a:lstStyle/>
+          <a:p>
+            <a:r>
+              <a:rPr lang="pt-BR" dirty="0"/>
+              <a:t>Modelo</a:t>
+            </a:r>
+          </a:p>
+        </p:txBody>
+      </p:sp>
+      <p:sp>
+        <p:nvSpPr>
+          <p:cNvPr id="24" name="CaixaDeTexto 23">
+            <a:extLst>
+              <a:ext uri="{FF2B5EF4-FFF2-40B4-BE49-F238E27FC236}">
+                <a16:creationId xmlns:a16="http://schemas.microsoft.com/office/drawing/2014/main" id="{CF4383CD-FC1D-43AA-B6B0-BA843FB440BF}"/>
+              </a:ext>
+            </a:extLst>
+          </p:cNvPr>
+          <p:cNvSpPr txBox="1"/>
+          <p:nvPr/>
+        </p:nvSpPr>
+        <p:spPr>
+          <a:xfrm>
+            <a:off x="7334913" y="5590917"/>
+            <a:ext cx="2045816" cy="369332"/>
+          </a:xfrm>
+          <a:prstGeom prst="rect">
+            <a:avLst/>
+          </a:prstGeom>
+          <a:noFill/>
+        </p:spPr>
+        <p:txBody>
+          <a:bodyPr wrap="square" rtlCol="0">
+            <a:spAutoFit/>
+          </a:bodyPr>
+          <a:lstStyle/>
+          <a:p>
+            <a:r>
+              <a:rPr lang="pt-BR" dirty="0"/>
+              <a:t>Operador de sensor</a:t>
+            </a:r>
+          </a:p>
+        </p:txBody>
+      </p:sp>
+      <p:cxnSp>
+        <p:nvCxnSpPr>
+          <p:cNvPr id="25" name="Conector de Seta Reta 24">
+            <a:extLst>
+              <a:ext uri="{FF2B5EF4-FFF2-40B4-BE49-F238E27FC236}">
+                <a16:creationId xmlns:a16="http://schemas.microsoft.com/office/drawing/2014/main" id="{D192F2AE-D82A-45AF-ABC2-72ACE935623A}"/>
+              </a:ext>
+            </a:extLst>
+          </p:cNvPr>
+          <p:cNvCxnSpPr>
+            <a:cxnSpLocks/>
+          </p:cNvCxnSpPr>
+          <p:nvPr/>
+        </p:nvCxnSpPr>
+        <p:spPr>
+          <a:xfrm flipH="1">
+            <a:off x="9380727" y="2664670"/>
+            <a:ext cx="2" cy="428696"/>
+          </a:xfrm>
+          <a:prstGeom prst="straightConnector1">
+            <a:avLst/>
+          </a:prstGeom>
+          <a:ln w="38100">
+            <a:solidFill>
+              <a:schemeClr val="tx1"/>
+            </a:solidFill>
+            <a:headEnd type="triangle"/>
+            <a:tailEnd type="triangle"/>
+          </a:ln>
+        </p:spPr>
+        <p:style>
+          <a:lnRef idx="1">
+            <a:schemeClr val="accent1"/>
+          </a:lnRef>
+          <a:fillRef idx="0">
+            <a:schemeClr val="accent1"/>
+          </a:fillRef>
+          <a:effectRef idx="0">
+            <a:schemeClr val="accent1"/>
+          </a:effectRef>
+          <a:fontRef idx="minor">
+            <a:schemeClr val="tx1"/>
+          </a:fontRef>
+        </p:style>
+      </p:cxnSp>
+      <p:sp>
+        <p:nvSpPr>
+          <p:cNvPr id="48" name="Retângulo 47">
+            <a:extLst>
+              <a:ext uri="{FF2B5EF4-FFF2-40B4-BE49-F238E27FC236}">
+                <a16:creationId xmlns:a16="http://schemas.microsoft.com/office/drawing/2014/main" id="{A4DE01B2-803D-4512-A993-8381830C380C}"/>
               </a:ext>
             </a:extLst>
           </p:cNvPr>
@@ -6427,16 +8279,16 @@
         </p:nvSpPr>
         <p:spPr>
           <a:xfrm>
-            <a:off x="7310904" y="4815564"/>
-            <a:ext cx="4185634" cy="426375"/>
+            <a:off x="218046" y="218762"/>
+            <a:ext cx="5087155" cy="6439437"/>
           </a:xfrm>
           <a:prstGeom prst="rect">
             <a:avLst/>
           </a:prstGeom>
           <a:solidFill>
             <a:schemeClr val="accent2">
-              <a:lumMod val="20000"/>
-              <a:lumOff val="80000"/>
+              <a:lumMod val="60000"/>
+              <a:lumOff val="40000"/>
             </a:schemeClr>
           </a:solidFill>
           <a:ln>
@@ -6472,10 +8324,10 @@
       </p:sp>
       <p:sp>
         <p:nvSpPr>
-          <p:cNvPr id="55" name="Retângulo 54">
-            <a:extLst>
-              <a:ext uri="{FF2B5EF4-FFF2-40B4-BE49-F238E27FC236}">
-                <a16:creationId xmlns:a16="http://schemas.microsoft.com/office/drawing/2014/main" id="{DEB829AD-6E47-4A21-85D8-2A3C40058E73}"/>
+          <p:cNvPr id="49" name="Fluxograma: Disco Magnético 48">
+            <a:extLst>
+              <a:ext uri="{FF2B5EF4-FFF2-40B4-BE49-F238E27FC236}">
+                <a16:creationId xmlns:a16="http://schemas.microsoft.com/office/drawing/2014/main" id="{68FA707E-6E61-4535-A22D-5A72679014FD}"/>
               </a:ext>
             </a:extLst>
           </p:cNvPr>
@@ -6484,16 +8336,15 @@
         </p:nvSpPr>
         <p:spPr>
           <a:xfrm>
-            <a:off x="9523030" y="5566423"/>
-            <a:ext cx="1973508" cy="426375"/>
-          </a:xfrm>
-          <a:prstGeom prst="rect">
+            <a:off x="1904738" y="3110069"/>
+            <a:ext cx="1713769" cy="656822"/>
+          </a:xfrm>
+          <a:prstGeom prst="flowChartMagneticDisk">
             <a:avLst/>
           </a:prstGeom>
           <a:solidFill>
-            <a:schemeClr val="accent2">
-              <a:lumMod val="20000"/>
-              <a:lumOff val="80000"/>
+            <a:schemeClr val="bg2">
+              <a:lumMod val="75000"/>
             </a:schemeClr>
           </a:solidFill>
           <a:ln>
@@ -6529,10 +8380,10 @@
       </p:sp>
       <p:sp>
         <p:nvSpPr>
-          <p:cNvPr id="56" name="CaixaDeTexto 55">
-            <a:extLst>
-              <a:ext uri="{FF2B5EF4-FFF2-40B4-BE49-F238E27FC236}">
-                <a16:creationId xmlns:a16="http://schemas.microsoft.com/office/drawing/2014/main" id="{49AB94F9-98D9-4FDE-BBA0-62B16A768AAB}"/>
+          <p:cNvPr id="50" name="CaixaDeTexto 49">
+            <a:extLst>
+              <a:ext uri="{FF2B5EF4-FFF2-40B4-BE49-F238E27FC236}">
+                <a16:creationId xmlns:a16="http://schemas.microsoft.com/office/drawing/2014/main" id="{46088E08-2BDB-4C41-B2B1-7A90EC6599EA}"/>
               </a:ext>
             </a:extLst>
           </p:cNvPr>
@@ -6541,8 +8392,8 @@
         </p:nvSpPr>
         <p:spPr>
           <a:xfrm>
-            <a:off x="7617469" y="4843365"/>
-            <a:ext cx="606705" cy="369332"/>
+            <a:off x="2138983" y="3358922"/>
+            <a:ext cx="1245277" cy="369332"/>
           </a:xfrm>
           <a:prstGeom prst="rect">
             <a:avLst/>
@@ -6550,24 +8401,138 @@
           <a:noFill/>
         </p:spPr>
         <p:txBody>
-          <a:bodyPr wrap="none" rtlCol="0">
+          <a:bodyPr wrap="square" rtlCol="0">
             <a:spAutoFit/>
           </a:bodyPr>
           <a:lstStyle/>
           <a:p>
             <a:r>
               <a:rPr lang="pt-BR" dirty="0"/>
-              <a:t>DAO</a:t>
-            </a:r>
-          </a:p>
-        </p:txBody>
-      </p:sp>
-      <p:sp>
-        <p:nvSpPr>
-          <p:cNvPr id="57" name="CaixaDeTexto 56">
-            <a:extLst>
-              <a:ext uri="{FF2B5EF4-FFF2-40B4-BE49-F238E27FC236}">
-                <a16:creationId xmlns:a16="http://schemas.microsoft.com/office/drawing/2014/main" id="{435F9FC4-567A-4C6F-9A6D-0991D9502F3E}"/>
+              <a:t>PostgreSQL</a:t>
+            </a:r>
+          </a:p>
+        </p:txBody>
+      </p:sp>
+      <p:sp>
+        <p:nvSpPr>
+          <p:cNvPr id="51" name="Retângulo: Cantos Arredondados 50">
+            <a:extLst>
+              <a:ext uri="{FF2B5EF4-FFF2-40B4-BE49-F238E27FC236}">
+                <a16:creationId xmlns:a16="http://schemas.microsoft.com/office/drawing/2014/main" id="{682B36B1-F222-4666-8534-16E9D5AA50A9}"/>
+              </a:ext>
+            </a:extLst>
+          </p:cNvPr>
+          <p:cNvSpPr/>
+          <p:nvPr/>
+        </p:nvSpPr>
+        <p:spPr>
+          <a:xfrm>
+            <a:off x="502649" y="746795"/>
+            <a:ext cx="4520484" cy="1934577"/>
+          </a:xfrm>
+          <a:prstGeom prst="roundRect">
+            <a:avLst/>
+          </a:prstGeom>
+          <a:solidFill>
+            <a:schemeClr val="accent2">
+              <a:lumMod val="40000"/>
+              <a:lumOff val="60000"/>
+            </a:schemeClr>
+          </a:solidFill>
+          <a:ln>
+            <a:solidFill>
+              <a:schemeClr val="tx1"/>
+            </a:solidFill>
+          </a:ln>
+        </p:spPr>
+        <p:style>
+          <a:lnRef idx="2">
+            <a:schemeClr val="accent1">
+              <a:shade val="50000"/>
+            </a:schemeClr>
+          </a:lnRef>
+          <a:fillRef idx="1">
+            <a:schemeClr val="accent1"/>
+          </a:fillRef>
+          <a:effectRef idx="0">
+            <a:schemeClr val="accent1"/>
+          </a:effectRef>
+          <a:fontRef idx="minor">
+            <a:schemeClr val="lt1"/>
+          </a:fontRef>
+        </p:style>
+        <p:txBody>
+          <a:bodyPr rtlCol="0" anchor="ctr"/>
+          <a:lstStyle/>
+          <a:p>
+            <a:pPr algn="ctr"/>
+            <a:endParaRPr lang="pt-BR"/>
+          </a:p>
+        </p:txBody>
+      </p:sp>
+      <p:sp>
+        <p:nvSpPr>
+          <p:cNvPr id="52" name="Retângulo: Cantos Arredondados 51">
+            <a:extLst>
+              <a:ext uri="{FF2B5EF4-FFF2-40B4-BE49-F238E27FC236}">
+                <a16:creationId xmlns:a16="http://schemas.microsoft.com/office/drawing/2014/main" id="{E1619E67-98DA-4CBA-B941-BFC875051089}"/>
+              </a:ext>
+            </a:extLst>
+          </p:cNvPr>
+          <p:cNvSpPr/>
+          <p:nvPr/>
+        </p:nvSpPr>
+        <p:spPr>
+          <a:xfrm>
+            <a:off x="502649" y="4195587"/>
+            <a:ext cx="4520484" cy="2383260"/>
+          </a:xfrm>
+          <a:prstGeom prst="roundRect">
+            <a:avLst/>
+          </a:prstGeom>
+          <a:solidFill>
+            <a:schemeClr val="accent2">
+              <a:lumMod val="40000"/>
+              <a:lumOff val="60000"/>
+            </a:schemeClr>
+          </a:solidFill>
+          <a:ln>
+            <a:solidFill>
+              <a:schemeClr val="tx1"/>
+            </a:solidFill>
+          </a:ln>
+        </p:spPr>
+        <p:style>
+          <a:lnRef idx="2">
+            <a:schemeClr val="accent1">
+              <a:shade val="50000"/>
+            </a:schemeClr>
+          </a:lnRef>
+          <a:fillRef idx="1">
+            <a:schemeClr val="accent1"/>
+          </a:fillRef>
+          <a:effectRef idx="0">
+            <a:schemeClr val="accent1"/>
+          </a:effectRef>
+          <a:fontRef idx="minor">
+            <a:schemeClr val="lt1"/>
+          </a:fontRef>
+        </p:style>
+        <p:txBody>
+          <a:bodyPr rtlCol="0" anchor="ctr"/>
+          <a:lstStyle/>
+          <a:p>
+            <a:pPr algn="ctr"/>
+            <a:endParaRPr lang="pt-BR"/>
+          </a:p>
+        </p:txBody>
+      </p:sp>
+      <p:sp>
+        <p:nvSpPr>
+          <p:cNvPr id="53" name="CaixaDeTexto 52">
+            <a:extLst>
+              <a:ext uri="{FF2B5EF4-FFF2-40B4-BE49-F238E27FC236}">
+                <a16:creationId xmlns:a16="http://schemas.microsoft.com/office/drawing/2014/main" id="{B50E1521-D417-4071-B342-DE4EBBE9BE84}"/>
               </a:ext>
             </a:extLst>
           </p:cNvPr>
@@ -6576,8 +8541,8 @@
         </p:nvSpPr>
         <p:spPr>
           <a:xfrm>
-            <a:off x="9763826" y="5578626"/>
-            <a:ext cx="915635" cy="369332"/>
+            <a:off x="2024945" y="742640"/>
+            <a:ext cx="1473352" cy="369332"/>
           </a:xfrm>
           <a:prstGeom prst="rect">
             <a:avLst/>
@@ -6585,24 +8550,24 @@
           <a:noFill/>
         </p:spPr>
         <p:txBody>
-          <a:bodyPr wrap="none" rtlCol="0">
+          <a:bodyPr wrap="square" rtlCol="0">
             <a:spAutoFit/>
           </a:bodyPr>
           <a:lstStyle/>
           <a:p>
             <a:r>
               <a:rPr lang="pt-BR" dirty="0"/>
-              <a:t>Modelo</a:t>
-            </a:r>
-          </a:p>
-        </p:txBody>
-      </p:sp>
-      <p:sp>
-        <p:nvSpPr>
-          <p:cNvPr id="58" name="CaixaDeTexto 57">
-            <a:extLst>
-              <a:ext uri="{FF2B5EF4-FFF2-40B4-BE49-F238E27FC236}">
-                <a16:creationId xmlns:a16="http://schemas.microsoft.com/office/drawing/2014/main" id="{1A720BAA-CB32-4D5F-99C6-3AB0743B7F1C}"/>
+              <a:t>Servidor REST</a:t>
+            </a:r>
+          </a:p>
+        </p:txBody>
+      </p:sp>
+      <p:sp>
+        <p:nvSpPr>
+          <p:cNvPr id="54" name="CaixaDeTexto 53">
+            <a:extLst>
+              <a:ext uri="{FF2B5EF4-FFF2-40B4-BE49-F238E27FC236}">
+                <a16:creationId xmlns:a16="http://schemas.microsoft.com/office/drawing/2014/main" id="{157417E6-B627-4C7B-A2C3-BBDB22CC46B2}"/>
               </a:ext>
             </a:extLst>
           </p:cNvPr>
@@ -6611,8 +8576,8 @@
         </p:nvSpPr>
         <p:spPr>
           <a:xfrm>
-            <a:off x="7334913" y="5590917"/>
-            <a:ext cx="2045816" cy="369332"/>
+            <a:off x="1135727" y="4295062"/>
+            <a:ext cx="3251788" cy="369332"/>
           </a:xfrm>
           <a:prstGeom prst="rect">
             <a:avLst/>
@@ -6620,22 +8585,752 @@
           <a:noFill/>
         </p:spPr>
         <p:txBody>
-          <a:bodyPr wrap="none" rtlCol="0">
+          <a:bodyPr wrap="square" rtlCol="0">
             <a:spAutoFit/>
           </a:bodyPr>
           <a:lstStyle/>
           <a:p>
             <a:r>
               <a:rPr lang="pt-BR" dirty="0"/>
+              <a:t>Captador de Estado de Sensores</a:t>
+            </a:r>
+          </a:p>
+        </p:txBody>
+      </p:sp>
+      <p:sp>
+        <p:nvSpPr>
+          <p:cNvPr id="55" name="CaixaDeTexto 54">
+            <a:extLst>
+              <a:ext uri="{FF2B5EF4-FFF2-40B4-BE49-F238E27FC236}">
+                <a16:creationId xmlns:a16="http://schemas.microsoft.com/office/drawing/2014/main" id="{7A54E6D6-036C-436C-9123-75A021BA8E26}"/>
+              </a:ext>
+            </a:extLst>
+          </p:cNvPr>
+          <p:cNvSpPr txBox="1"/>
+          <p:nvPr/>
+        </p:nvSpPr>
+        <p:spPr>
+          <a:xfrm>
+            <a:off x="218045" y="293958"/>
+            <a:ext cx="3280251" cy="369332"/>
+          </a:xfrm>
+          <a:prstGeom prst="rect">
+            <a:avLst/>
+          </a:prstGeom>
+          <a:noFill/>
+        </p:spPr>
+        <p:txBody>
+          <a:bodyPr wrap="square" rtlCol="0">
+            <a:spAutoFit/>
+          </a:bodyPr>
+          <a:lstStyle/>
+          <a:p>
+            <a:r>
+              <a:rPr lang="pt-BR" dirty="0" err="1"/>
+              <a:t>Raspberry</a:t>
+            </a:r>
+            <a:r>
+              <a:rPr lang="pt-BR" dirty="0"/>
+              <a:t> PI – Coletor Primário</a:t>
+            </a:r>
+          </a:p>
+        </p:txBody>
+      </p:sp>
+      <p:cxnSp>
+        <p:nvCxnSpPr>
+          <p:cNvPr id="56" name="Conector de Seta Reta 55">
+            <a:extLst>
+              <a:ext uri="{FF2B5EF4-FFF2-40B4-BE49-F238E27FC236}">
+                <a16:creationId xmlns:a16="http://schemas.microsoft.com/office/drawing/2014/main" id="{329984C8-A849-4F73-88B7-890011675271}"/>
+              </a:ext>
+            </a:extLst>
+          </p:cNvPr>
+          <p:cNvCxnSpPr>
+            <a:stCxn id="49" idx="3"/>
+          </p:cNvCxnSpPr>
+          <p:nvPr/>
+        </p:nvCxnSpPr>
+        <p:spPr>
+          <a:xfrm flipH="1">
+            <a:off x="2761621" y="3766891"/>
+            <a:ext cx="2" cy="428696"/>
+          </a:xfrm>
+          <a:prstGeom prst="straightConnector1">
+            <a:avLst/>
+          </a:prstGeom>
+          <a:ln w="38100">
+            <a:solidFill>
+              <a:schemeClr val="tx1"/>
+            </a:solidFill>
+            <a:headEnd type="triangle"/>
+            <a:tailEnd type="triangle"/>
+          </a:ln>
+        </p:spPr>
+        <p:style>
+          <a:lnRef idx="1">
+            <a:schemeClr val="accent1"/>
+          </a:lnRef>
+          <a:fillRef idx="0">
+            <a:schemeClr val="accent1"/>
+          </a:fillRef>
+          <a:effectRef idx="0">
+            <a:schemeClr val="accent1"/>
+          </a:effectRef>
+          <a:fontRef idx="minor">
+            <a:schemeClr val="tx1"/>
+          </a:fontRef>
+        </p:style>
+      </p:cxnSp>
+      <p:sp>
+        <p:nvSpPr>
+          <p:cNvPr id="57" name="Retângulo 56">
+            <a:extLst>
+              <a:ext uri="{FF2B5EF4-FFF2-40B4-BE49-F238E27FC236}">
+                <a16:creationId xmlns:a16="http://schemas.microsoft.com/office/drawing/2014/main" id="{F640FCA0-8D46-477A-8C87-3725D493E38E}"/>
+              </a:ext>
+            </a:extLst>
+          </p:cNvPr>
+          <p:cNvSpPr/>
+          <p:nvPr/>
+        </p:nvSpPr>
+        <p:spPr>
+          <a:xfrm>
+            <a:off x="668804" y="1284702"/>
+            <a:ext cx="2043431" cy="426375"/>
+          </a:xfrm>
+          <a:prstGeom prst="rect">
+            <a:avLst/>
+          </a:prstGeom>
+          <a:solidFill>
+            <a:schemeClr val="accent2">
+              <a:lumMod val="20000"/>
+              <a:lumOff val="80000"/>
+            </a:schemeClr>
+          </a:solidFill>
+          <a:ln>
+            <a:solidFill>
+              <a:schemeClr val="tx1"/>
+            </a:solidFill>
+          </a:ln>
+        </p:spPr>
+        <p:style>
+          <a:lnRef idx="2">
+            <a:schemeClr val="accent1">
+              <a:shade val="50000"/>
+            </a:schemeClr>
+          </a:lnRef>
+          <a:fillRef idx="1">
+            <a:schemeClr val="accent1"/>
+          </a:fillRef>
+          <a:effectRef idx="0">
+            <a:schemeClr val="accent1"/>
+          </a:effectRef>
+          <a:fontRef idx="minor">
+            <a:schemeClr val="lt1"/>
+          </a:fontRef>
+        </p:style>
+        <p:txBody>
+          <a:bodyPr rtlCol="0" anchor="ctr"/>
+          <a:lstStyle/>
+          <a:p>
+            <a:pPr algn="ctr"/>
+            <a:endParaRPr lang="pt-BR"/>
+          </a:p>
+        </p:txBody>
+      </p:sp>
+      <p:sp>
+        <p:nvSpPr>
+          <p:cNvPr id="58" name="Retângulo 57">
+            <a:extLst>
+              <a:ext uri="{FF2B5EF4-FFF2-40B4-BE49-F238E27FC236}">
+                <a16:creationId xmlns:a16="http://schemas.microsoft.com/office/drawing/2014/main" id="{DA9C70AC-82BA-42A8-AD12-66AABB5D98E3}"/>
+              </a:ext>
+            </a:extLst>
+          </p:cNvPr>
+          <p:cNvSpPr/>
+          <p:nvPr/>
+        </p:nvSpPr>
+        <p:spPr>
+          <a:xfrm>
+            <a:off x="668804" y="2017587"/>
+            <a:ext cx="4185634" cy="426375"/>
+          </a:xfrm>
+          <a:prstGeom prst="rect">
+            <a:avLst/>
+          </a:prstGeom>
+          <a:solidFill>
+            <a:schemeClr val="accent2">
+              <a:lumMod val="20000"/>
+              <a:lumOff val="80000"/>
+            </a:schemeClr>
+          </a:solidFill>
+          <a:ln>
+            <a:solidFill>
+              <a:schemeClr val="tx1"/>
+            </a:solidFill>
+          </a:ln>
+        </p:spPr>
+        <p:style>
+          <a:lnRef idx="2">
+            <a:schemeClr val="accent1">
+              <a:shade val="50000"/>
+            </a:schemeClr>
+          </a:lnRef>
+          <a:fillRef idx="1">
+            <a:schemeClr val="accent1"/>
+          </a:fillRef>
+          <a:effectRef idx="0">
+            <a:schemeClr val="accent1"/>
+          </a:effectRef>
+          <a:fontRef idx="minor">
+            <a:schemeClr val="lt1"/>
+          </a:fontRef>
+        </p:style>
+        <p:txBody>
+          <a:bodyPr rtlCol="0" anchor="ctr"/>
+          <a:lstStyle/>
+          <a:p>
+            <a:pPr algn="ctr"/>
+            <a:endParaRPr lang="pt-BR"/>
+          </a:p>
+        </p:txBody>
+      </p:sp>
+      <p:sp>
+        <p:nvSpPr>
+          <p:cNvPr id="59" name="Retângulo 58">
+            <a:extLst>
+              <a:ext uri="{FF2B5EF4-FFF2-40B4-BE49-F238E27FC236}">
+                <a16:creationId xmlns:a16="http://schemas.microsoft.com/office/drawing/2014/main" id="{016EA998-AD99-43B4-A9DD-0C5A32D123B5}"/>
+              </a:ext>
+            </a:extLst>
+          </p:cNvPr>
+          <p:cNvSpPr/>
+          <p:nvPr/>
+        </p:nvSpPr>
+        <p:spPr>
+          <a:xfrm>
+            <a:off x="2880930" y="1281418"/>
+            <a:ext cx="1973508" cy="426375"/>
+          </a:xfrm>
+          <a:prstGeom prst="rect">
+            <a:avLst/>
+          </a:prstGeom>
+          <a:solidFill>
+            <a:schemeClr val="accent2">
+              <a:lumMod val="20000"/>
+              <a:lumOff val="80000"/>
+            </a:schemeClr>
+          </a:solidFill>
+          <a:ln>
+            <a:solidFill>
+              <a:schemeClr val="tx1"/>
+            </a:solidFill>
+          </a:ln>
+        </p:spPr>
+        <p:style>
+          <a:lnRef idx="2">
+            <a:schemeClr val="accent1">
+              <a:shade val="50000"/>
+            </a:schemeClr>
+          </a:lnRef>
+          <a:fillRef idx="1">
+            <a:schemeClr val="accent1"/>
+          </a:fillRef>
+          <a:effectRef idx="0">
+            <a:schemeClr val="accent1"/>
+          </a:effectRef>
+          <a:fontRef idx="minor">
+            <a:schemeClr val="lt1"/>
+          </a:fontRef>
+        </p:style>
+        <p:txBody>
+          <a:bodyPr rtlCol="0" anchor="ctr"/>
+          <a:lstStyle/>
+          <a:p>
+            <a:pPr algn="ctr"/>
+            <a:endParaRPr lang="pt-BR"/>
+          </a:p>
+        </p:txBody>
+      </p:sp>
+      <p:sp>
+        <p:nvSpPr>
+          <p:cNvPr id="60" name="CaixaDeTexto 59">
+            <a:extLst>
+              <a:ext uri="{FF2B5EF4-FFF2-40B4-BE49-F238E27FC236}">
+                <a16:creationId xmlns:a16="http://schemas.microsoft.com/office/drawing/2014/main" id="{2E31373B-4DDB-4DBC-8639-29AB9A56E8D9}"/>
+              </a:ext>
+            </a:extLst>
+          </p:cNvPr>
+          <p:cNvSpPr txBox="1"/>
+          <p:nvPr/>
+        </p:nvSpPr>
+        <p:spPr>
+          <a:xfrm>
+            <a:off x="927760" y="1321602"/>
+            <a:ext cx="1526252" cy="369332"/>
+          </a:xfrm>
+          <a:prstGeom prst="rect">
+            <a:avLst/>
+          </a:prstGeom>
+          <a:noFill/>
+        </p:spPr>
+        <p:txBody>
+          <a:bodyPr wrap="square" rtlCol="0">
+            <a:spAutoFit/>
+          </a:bodyPr>
+          <a:lstStyle/>
+          <a:p>
+            <a:r>
+              <a:rPr lang="pt-BR" dirty="0"/>
+              <a:t>Interface REST</a:t>
+            </a:r>
+          </a:p>
+        </p:txBody>
+      </p:sp>
+      <p:sp>
+        <p:nvSpPr>
+          <p:cNvPr id="61" name="CaixaDeTexto 60">
+            <a:extLst>
+              <a:ext uri="{FF2B5EF4-FFF2-40B4-BE49-F238E27FC236}">
+                <a16:creationId xmlns:a16="http://schemas.microsoft.com/office/drawing/2014/main" id="{FA303CC0-2AFC-4ADC-A952-41F44CB25FF1}"/>
+              </a:ext>
+            </a:extLst>
+          </p:cNvPr>
+          <p:cNvSpPr txBox="1"/>
+          <p:nvPr/>
+        </p:nvSpPr>
+        <p:spPr>
+          <a:xfrm>
+            <a:off x="3121726" y="1321602"/>
+            <a:ext cx="915635" cy="369332"/>
+          </a:xfrm>
+          <a:prstGeom prst="rect">
+            <a:avLst/>
+          </a:prstGeom>
+          <a:noFill/>
+        </p:spPr>
+        <p:txBody>
+          <a:bodyPr wrap="square" rtlCol="0">
+            <a:spAutoFit/>
+          </a:bodyPr>
+          <a:lstStyle/>
+          <a:p>
+            <a:r>
+              <a:rPr lang="pt-BR" dirty="0"/>
+              <a:t>Modelo</a:t>
+            </a:r>
+          </a:p>
+        </p:txBody>
+      </p:sp>
+      <p:sp>
+        <p:nvSpPr>
+          <p:cNvPr id="62" name="CaixaDeTexto 61">
+            <a:extLst>
+              <a:ext uri="{FF2B5EF4-FFF2-40B4-BE49-F238E27FC236}">
+                <a16:creationId xmlns:a16="http://schemas.microsoft.com/office/drawing/2014/main" id="{4C14C231-CD16-4EBD-B390-2EE5CDC50867}"/>
+              </a:ext>
+            </a:extLst>
+          </p:cNvPr>
+          <p:cNvSpPr txBox="1"/>
+          <p:nvPr/>
+        </p:nvSpPr>
+        <p:spPr>
+          <a:xfrm>
+            <a:off x="949225" y="2040447"/>
+            <a:ext cx="606705" cy="369332"/>
+          </a:xfrm>
+          <a:prstGeom prst="rect">
+            <a:avLst/>
+          </a:prstGeom>
+          <a:noFill/>
+        </p:spPr>
+        <p:txBody>
+          <a:bodyPr wrap="square" rtlCol="0">
+            <a:spAutoFit/>
+          </a:bodyPr>
+          <a:lstStyle/>
+          <a:p>
+            <a:r>
+              <a:rPr lang="pt-BR" dirty="0"/>
+              <a:t>DAO</a:t>
+            </a:r>
+          </a:p>
+        </p:txBody>
+      </p:sp>
+      <p:sp>
+        <p:nvSpPr>
+          <p:cNvPr id="63" name="Retângulo 62">
+            <a:extLst>
+              <a:ext uri="{FF2B5EF4-FFF2-40B4-BE49-F238E27FC236}">
+                <a16:creationId xmlns:a16="http://schemas.microsoft.com/office/drawing/2014/main" id="{5A6E7BBD-4800-4E0F-8D4B-727C53966689}"/>
+              </a:ext>
+            </a:extLst>
+          </p:cNvPr>
+          <p:cNvSpPr/>
+          <p:nvPr/>
+        </p:nvSpPr>
+        <p:spPr>
+          <a:xfrm>
+            <a:off x="668804" y="5575096"/>
+            <a:ext cx="2043431" cy="426375"/>
+          </a:xfrm>
+          <a:prstGeom prst="rect">
+            <a:avLst/>
+          </a:prstGeom>
+          <a:solidFill>
+            <a:schemeClr val="accent2">
+              <a:lumMod val="20000"/>
+              <a:lumOff val="80000"/>
+            </a:schemeClr>
+          </a:solidFill>
+          <a:ln>
+            <a:solidFill>
+              <a:schemeClr val="tx1"/>
+            </a:solidFill>
+          </a:ln>
+        </p:spPr>
+        <p:style>
+          <a:lnRef idx="2">
+            <a:schemeClr val="accent1">
+              <a:shade val="50000"/>
+            </a:schemeClr>
+          </a:lnRef>
+          <a:fillRef idx="1">
+            <a:schemeClr val="accent1"/>
+          </a:fillRef>
+          <a:effectRef idx="0">
+            <a:schemeClr val="accent1"/>
+          </a:effectRef>
+          <a:fontRef idx="minor">
+            <a:schemeClr val="lt1"/>
+          </a:fontRef>
+        </p:style>
+        <p:txBody>
+          <a:bodyPr rtlCol="0" anchor="ctr"/>
+          <a:lstStyle/>
+          <a:p>
+            <a:pPr algn="ctr"/>
+            <a:endParaRPr lang="pt-BR"/>
+          </a:p>
+        </p:txBody>
+      </p:sp>
+      <p:sp>
+        <p:nvSpPr>
+          <p:cNvPr id="64" name="Retângulo 63">
+            <a:extLst>
+              <a:ext uri="{FF2B5EF4-FFF2-40B4-BE49-F238E27FC236}">
+                <a16:creationId xmlns:a16="http://schemas.microsoft.com/office/drawing/2014/main" id="{CDC83FC0-DD22-46F9-863C-60C4FCB6EFBD}"/>
+              </a:ext>
+            </a:extLst>
+          </p:cNvPr>
+          <p:cNvSpPr/>
+          <p:nvPr/>
+        </p:nvSpPr>
+        <p:spPr>
+          <a:xfrm>
+            <a:off x="668804" y="4828264"/>
+            <a:ext cx="4185634" cy="426375"/>
+          </a:xfrm>
+          <a:prstGeom prst="rect">
+            <a:avLst/>
+          </a:prstGeom>
+          <a:solidFill>
+            <a:schemeClr val="accent2">
+              <a:lumMod val="20000"/>
+              <a:lumOff val="80000"/>
+            </a:schemeClr>
+          </a:solidFill>
+          <a:ln>
+            <a:solidFill>
+              <a:schemeClr val="tx1"/>
+            </a:solidFill>
+          </a:ln>
+        </p:spPr>
+        <p:style>
+          <a:lnRef idx="2">
+            <a:schemeClr val="accent1">
+              <a:shade val="50000"/>
+            </a:schemeClr>
+          </a:lnRef>
+          <a:fillRef idx="1">
+            <a:schemeClr val="accent1"/>
+          </a:fillRef>
+          <a:effectRef idx="0">
+            <a:schemeClr val="accent1"/>
+          </a:effectRef>
+          <a:fontRef idx="minor">
+            <a:schemeClr val="lt1"/>
+          </a:fontRef>
+        </p:style>
+        <p:txBody>
+          <a:bodyPr rtlCol="0" anchor="ctr"/>
+          <a:lstStyle/>
+          <a:p>
+            <a:pPr algn="ctr"/>
+            <a:endParaRPr lang="pt-BR"/>
+          </a:p>
+        </p:txBody>
+      </p:sp>
+      <p:sp>
+        <p:nvSpPr>
+          <p:cNvPr id="65" name="Retângulo 64">
+            <a:extLst>
+              <a:ext uri="{FF2B5EF4-FFF2-40B4-BE49-F238E27FC236}">
+                <a16:creationId xmlns:a16="http://schemas.microsoft.com/office/drawing/2014/main" id="{438FDEE2-2DCD-4B90-B601-F0847CDAC3D5}"/>
+              </a:ext>
+            </a:extLst>
+          </p:cNvPr>
+          <p:cNvSpPr/>
+          <p:nvPr/>
+        </p:nvSpPr>
+        <p:spPr>
+          <a:xfrm>
+            <a:off x="2880930" y="5579123"/>
+            <a:ext cx="1973508" cy="426375"/>
+          </a:xfrm>
+          <a:prstGeom prst="rect">
+            <a:avLst/>
+          </a:prstGeom>
+          <a:solidFill>
+            <a:schemeClr val="accent2">
+              <a:lumMod val="20000"/>
+              <a:lumOff val="80000"/>
+            </a:schemeClr>
+          </a:solidFill>
+          <a:ln>
+            <a:solidFill>
+              <a:schemeClr val="tx1"/>
+            </a:solidFill>
+          </a:ln>
+        </p:spPr>
+        <p:style>
+          <a:lnRef idx="2">
+            <a:schemeClr val="accent1">
+              <a:shade val="50000"/>
+            </a:schemeClr>
+          </a:lnRef>
+          <a:fillRef idx="1">
+            <a:schemeClr val="accent1"/>
+          </a:fillRef>
+          <a:effectRef idx="0">
+            <a:schemeClr val="accent1"/>
+          </a:effectRef>
+          <a:fontRef idx="minor">
+            <a:schemeClr val="lt1"/>
+          </a:fontRef>
+        </p:style>
+        <p:txBody>
+          <a:bodyPr rtlCol="0" anchor="ctr"/>
+          <a:lstStyle/>
+          <a:p>
+            <a:pPr algn="ctr"/>
+            <a:endParaRPr lang="pt-BR"/>
+          </a:p>
+        </p:txBody>
+      </p:sp>
+      <p:sp>
+        <p:nvSpPr>
+          <p:cNvPr id="66" name="CaixaDeTexto 65">
+            <a:extLst>
+              <a:ext uri="{FF2B5EF4-FFF2-40B4-BE49-F238E27FC236}">
+                <a16:creationId xmlns:a16="http://schemas.microsoft.com/office/drawing/2014/main" id="{76DF8EC8-D9BA-4E36-AAAF-7448621AE6A2}"/>
+              </a:ext>
+            </a:extLst>
+          </p:cNvPr>
+          <p:cNvSpPr txBox="1"/>
+          <p:nvPr/>
+        </p:nvSpPr>
+        <p:spPr>
+          <a:xfrm>
+            <a:off x="975369" y="4856065"/>
+            <a:ext cx="606705" cy="369332"/>
+          </a:xfrm>
+          <a:prstGeom prst="rect">
+            <a:avLst/>
+          </a:prstGeom>
+          <a:noFill/>
+        </p:spPr>
+        <p:txBody>
+          <a:bodyPr wrap="square" rtlCol="0">
+            <a:spAutoFit/>
+          </a:bodyPr>
+          <a:lstStyle/>
+          <a:p>
+            <a:r>
+              <a:rPr lang="pt-BR" dirty="0"/>
+              <a:t>DAO</a:t>
+            </a:r>
+          </a:p>
+        </p:txBody>
+      </p:sp>
+      <p:sp>
+        <p:nvSpPr>
+          <p:cNvPr id="67" name="CaixaDeTexto 66">
+            <a:extLst>
+              <a:ext uri="{FF2B5EF4-FFF2-40B4-BE49-F238E27FC236}">
+                <a16:creationId xmlns:a16="http://schemas.microsoft.com/office/drawing/2014/main" id="{A2AC51B0-D128-4CF5-AB39-545C9A158DC9}"/>
+              </a:ext>
+            </a:extLst>
+          </p:cNvPr>
+          <p:cNvSpPr txBox="1"/>
+          <p:nvPr/>
+        </p:nvSpPr>
+        <p:spPr>
+          <a:xfrm>
+            <a:off x="3121726" y="5591326"/>
+            <a:ext cx="915635" cy="369332"/>
+          </a:xfrm>
+          <a:prstGeom prst="rect">
+            <a:avLst/>
+          </a:prstGeom>
+          <a:noFill/>
+        </p:spPr>
+        <p:txBody>
+          <a:bodyPr wrap="square" rtlCol="0">
+            <a:spAutoFit/>
+          </a:bodyPr>
+          <a:lstStyle/>
+          <a:p>
+            <a:r>
+              <a:rPr lang="pt-BR" dirty="0"/>
+              <a:t>Modelo</a:t>
+            </a:r>
+          </a:p>
+        </p:txBody>
+      </p:sp>
+      <p:sp>
+        <p:nvSpPr>
+          <p:cNvPr id="68" name="CaixaDeTexto 67">
+            <a:extLst>
+              <a:ext uri="{FF2B5EF4-FFF2-40B4-BE49-F238E27FC236}">
+                <a16:creationId xmlns:a16="http://schemas.microsoft.com/office/drawing/2014/main" id="{6425CE13-332E-4857-A0C4-23EA608C43CB}"/>
+              </a:ext>
+            </a:extLst>
+          </p:cNvPr>
+          <p:cNvSpPr txBox="1"/>
+          <p:nvPr/>
+        </p:nvSpPr>
+        <p:spPr>
+          <a:xfrm>
+            <a:off x="692813" y="5603617"/>
+            <a:ext cx="2045816" cy="369332"/>
+          </a:xfrm>
+          <a:prstGeom prst="rect">
+            <a:avLst/>
+          </a:prstGeom>
+          <a:noFill/>
+        </p:spPr>
+        <p:txBody>
+          <a:bodyPr wrap="square" rtlCol="0">
+            <a:spAutoFit/>
+          </a:bodyPr>
+          <a:lstStyle/>
+          <a:p>
+            <a:r>
+              <a:rPr lang="pt-BR" dirty="0"/>
               <a:t>Operador de sensor</a:t>
             </a:r>
           </a:p>
         </p:txBody>
       </p:sp>
+      <p:cxnSp>
+        <p:nvCxnSpPr>
+          <p:cNvPr id="69" name="Conector de Seta Reta 68">
+            <a:extLst>
+              <a:ext uri="{FF2B5EF4-FFF2-40B4-BE49-F238E27FC236}">
+                <a16:creationId xmlns:a16="http://schemas.microsoft.com/office/drawing/2014/main" id="{1243C10D-35D7-4FBF-995C-BD8F80D50198}"/>
+              </a:ext>
+            </a:extLst>
+          </p:cNvPr>
+          <p:cNvCxnSpPr>
+            <a:cxnSpLocks/>
+          </p:cNvCxnSpPr>
+          <p:nvPr/>
+        </p:nvCxnSpPr>
+        <p:spPr>
+          <a:xfrm flipH="1">
+            <a:off x="2738627" y="2677370"/>
+            <a:ext cx="2" cy="428696"/>
+          </a:xfrm>
+          <a:prstGeom prst="straightConnector1">
+            <a:avLst/>
+          </a:prstGeom>
+          <a:ln w="38100">
+            <a:solidFill>
+              <a:schemeClr val="tx1"/>
+            </a:solidFill>
+            <a:headEnd type="triangle"/>
+            <a:tailEnd type="triangle"/>
+          </a:ln>
+        </p:spPr>
+        <p:style>
+          <a:lnRef idx="1">
+            <a:schemeClr val="accent1"/>
+          </a:lnRef>
+          <a:fillRef idx="0">
+            <a:schemeClr val="accent1"/>
+          </a:fillRef>
+          <a:effectRef idx="0">
+            <a:schemeClr val="accent1"/>
+          </a:effectRef>
+          <a:fontRef idx="minor">
+            <a:schemeClr val="tx1"/>
+          </a:fontRef>
+        </p:style>
+      </p:cxnSp>
+      <p:cxnSp>
+        <p:nvCxnSpPr>
+          <p:cNvPr id="70" name="Conector de Seta Reta 69">
+            <a:extLst>
+              <a:ext uri="{FF2B5EF4-FFF2-40B4-BE49-F238E27FC236}">
+                <a16:creationId xmlns:a16="http://schemas.microsoft.com/office/drawing/2014/main" id="{FF0E1DD1-1C5B-4BA4-B60B-0AED465B5037}"/>
+              </a:ext>
+            </a:extLst>
+          </p:cNvPr>
+          <p:cNvCxnSpPr>
+            <a:cxnSpLocks/>
+            <a:stCxn id="14" idx="1"/>
+            <a:endCxn id="49" idx="4"/>
+          </p:cNvCxnSpPr>
+          <p:nvPr/>
+        </p:nvCxnSpPr>
+        <p:spPr>
+          <a:xfrm rot="10800000" flipV="1">
+            <a:off x="3618508" y="2218074"/>
+            <a:ext cx="3692397" cy="1220405"/>
+          </a:xfrm>
+          <a:prstGeom prst="bentConnector3">
+            <a:avLst>
+              <a:gd name="adj1" fmla="val 35554"/>
+            </a:avLst>
+          </a:prstGeom>
+          <a:ln w="38100">
+            <a:solidFill>
+              <a:schemeClr val="tx1"/>
+            </a:solidFill>
+            <a:headEnd type="triangle"/>
+            <a:tailEnd type="triangle"/>
+          </a:ln>
+        </p:spPr>
+        <p:style>
+          <a:lnRef idx="1">
+            <a:schemeClr val="accent1"/>
+          </a:lnRef>
+          <a:fillRef idx="0">
+            <a:schemeClr val="accent1"/>
+          </a:fillRef>
+          <a:effectRef idx="0">
+            <a:schemeClr val="accent1"/>
+          </a:effectRef>
+          <a:fontRef idx="minor">
+            <a:schemeClr val="tx1"/>
+          </a:fontRef>
+        </p:style>
+      </p:cxnSp>
     </p:spTree>
     <p:extLst>
       <p:ext uri="{BB962C8B-B14F-4D97-AF65-F5344CB8AC3E}">
-        <p14:creationId xmlns:p14="http://schemas.microsoft.com/office/powerpoint/2010/main" val="209628740"/>
+        <p14:creationId xmlns:p14="http://schemas.microsoft.com/office/powerpoint/2010/main" val="2522818067"/>
       </p:ext>
     </p:extLst>
   </p:cSld>
@@ -6938,4 +9633,218 @@
     </a:ext>
   </a:extLst>
 </a:theme>
+</file>
+
+<file path=customXml/item1.xml><?xml version="1.0" encoding="utf-8"?>
+<p:properties xmlns:p="http://schemas.microsoft.com/office/2006/metadata/properties" xmlns:xsi="http://www.w3.org/2001/XMLSchema-instance" xmlns:pc="http://schemas.microsoft.com/office/infopath/2007/PartnerControls">
+  <documentManagement/>
+</p:properties>
+</file>
+
+<file path=customXml/item2.xml><?xml version="1.0" encoding="utf-8"?>
+<?mso-contentType ?>
+<FormTemplates xmlns="http://schemas.microsoft.com/sharepoint/v3/contenttype/forms">
+  <Display>DocumentLibraryForm</Display>
+  <Edit>DocumentLibraryForm</Edit>
+  <New>DocumentLibraryForm</New>
+</FormTemplates>
+</file>
+
+<file path=customXml/item3.xml><?xml version="1.0" encoding="utf-8"?>
+<ct:contentTypeSchema xmlns:ct="http://schemas.microsoft.com/office/2006/metadata/contentType" xmlns:ma="http://schemas.microsoft.com/office/2006/metadata/properties/metaAttributes" ct:_="" ma:_="" ma:contentTypeName="Documento" ma:contentTypeID="0x01010087C2B580F7FFCE47BD5FA0ECB31517C8" ma:contentTypeVersion="7" ma:contentTypeDescription="Crie um novo documento." ma:contentTypeScope="" ma:versionID="7b1c288a35c83e18f807e0122de0069e">
+  <xsd:schema xmlns:xsd="http://www.w3.org/2001/XMLSchema" xmlns:xs="http://www.w3.org/2001/XMLSchema" xmlns:p="http://schemas.microsoft.com/office/2006/metadata/properties" xmlns:ns2="22494808-1a8c-41a9-b4d1-0c6e7965d4fe" targetNamespace="http://schemas.microsoft.com/office/2006/metadata/properties" ma:root="true" ma:fieldsID="1911b1acd542d3271f3cec90cc2bc618" ns2:_="">
+    <xsd:import namespace="22494808-1a8c-41a9-b4d1-0c6e7965d4fe"/>
+    <xsd:element name="properties">
+      <xsd:complexType>
+        <xsd:sequence>
+          <xsd:element name="documentManagement">
+            <xsd:complexType>
+              <xsd:all>
+                <xsd:element ref="ns2:MediaServiceMetadata" minOccurs="0"/>
+                <xsd:element ref="ns2:MediaServiceFastMetadata" minOccurs="0"/>
+                <xsd:element ref="ns2:MediaServiceDateTaken" minOccurs="0"/>
+                <xsd:element ref="ns2:MediaServiceAutoTags" minOccurs="0"/>
+                <xsd:element ref="ns2:MediaServiceGenerationTime" minOccurs="0"/>
+                <xsd:element ref="ns2:MediaServiceEventHashCode" minOccurs="0"/>
+                <xsd:element ref="ns2:MediaServiceOCR" minOccurs="0"/>
+              </xsd:all>
+            </xsd:complexType>
+          </xsd:element>
+        </xsd:sequence>
+      </xsd:complexType>
+    </xsd:element>
+  </xsd:schema>
+  <xsd:schema xmlns:xsd="http://www.w3.org/2001/XMLSchema" xmlns:xs="http://www.w3.org/2001/XMLSchema" xmlns:dms="http://schemas.microsoft.com/office/2006/documentManagement/types" xmlns:pc="http://schemas.microsoft.com/office/infopath/2007/PartnerControls" targetNamespace="22494808-1a8c-41a9-b4d1-0c6e7965d4fe" elementFormDefault="qualified">
+    <xsd:import namespace="http://schemas.microsoft.com/office/2006/documentManagement/types"/>
+    <xsd:import namespace="http://schemas.microsoft.com/office/infopath/2007/PartnerControls"/>
+    <xsd:element name="MediaServiceMetadata" ma:index="8" nillable="true" ma:displayName="MediaServiceMetadata" ma:hidden="true" ma:internalName="MediaServiceMetadata" ma:readOnly="true">
+      <xsd:simpleType>
+        <xsd:restriction base="dms:Note"/>
+      </xsd:simpleType>
+    </xsd:element>
+    <xsd:element name="MediaServiceFastMetadata" ma:index="9" nillable="true" ma:displayName="MediaServiceFastMetadata" ma:hidden="true" ma:internalName="MediaServiceFastMetadata" ma:readOnly="true">
+      <xsd:simpleType>
+        <xsd:restriction base="dms:Note"/>
+      </xsd:simpleType>
+    </xsd:element>
+    <xsd:element name="MediaServiceDateTaken" ma:index="10" nillable="true" ma:displayName="MediaServiceDateTaken" ma:hidden="true" ma:internalName="MediaServiceDateTaken" ma:readOnly="true">
+      <xsd:simpleType>
+        <xsd:restriction base="dms:Text"/>
+      </xsd:simpleType>
+    </xsd:element>
+    <xsd:element name="MediaServiceAutoTags" ma:index="11" nillable="true" ma:displayName="Tags" ma:internalName="MediaServiceAutoTags" ma:readOnly="true">
+      <xsd:simpleType>
+        <xsd:restriction base="dms:Text"/>
+      </xsd:simpleType>
+    </xsd:element>
+    <xsd:element name="MediaServiceGenerationTime" ma:index="12" nillable="true" ma:displayName="MediaServiceGenerationTime" ma:hidden="true" ma:internalName="MediaServiceGenerationTime" ma:readOnly="true">
+      <xsd:simpleType>
+        <xsd:restriction base="dms:Text"/>
+      </xsd:simpleType>
+    </xsd:element>
+    <xsd:element name="MediaServiceEventHashCode" ma:index="13" nillable="true" ma:displayName="MediaServiceEventHashCode" ma:hidden="true" ma:internalName="MediaServiceEventHashCode" ma:readOnly="true">
+      <xsd:simpleType>
+        <xsd:restriction base="dms:Text"/>
+      </xsd:simpleType>
+    </xsd:element>
+    <xsd:element name="MediaServiceOCR" ma:index="14" nillable="true" ma:displayName="Extracted Text" ma:internalName="MediaServiceOCR" ma:readOnly="true">
+      <xsd:simpleType>
+        <xsd:restriction base="dms:Note">
+          <xsd:maxLength value="255"/>
+        </xsd:restriction>
+      </xsd:simpleType>
+    </xsd:element>
+  </xsd:schema>
+  <xsd:schema xmlns="http://schemas.openxmlformats.org/package/2006/metadata/core-properties" xmlns:xsd="http://www.w3.org/2001/XMLSchema" xmlns:xsi="http://www.w3.org/2001/XMLSchema-instance" xmlns:dc="http://purl.org/dc/elements/1.1/" xmlns:dcterms="http://purl.org/dc/terms/" xmlns:odoc="http://schemas.microsoft.com/internal/obd" targetNamespace="http://schemas.openxmlformats.org/package/2006/metadata/core-properties" elementFormDefault="qualified" attributeFormDefault="unqualified" blockDefault="#all">
+    <xsd:import namespace="http://purl.org/dc/elements/1.1/" schemaLocation="http://dublincore.org/schemas/xmls/qdc/2003/04/02/dc.xsd"/>
+    <xsd:import namespace="http://purl.org/dc/terms/" schemaLocation="http://dublincore.org/schemas/xmls/qdc/2003/04/02/dcterms.xsd"/>
+    <xsd:element name="coreProperties" type="CT_coreProperties"/>
+    <xsd:complexType name="CT_coreProperties">
+      <xsd:all>
+        <xsd:element ref="dc:creator" minOccurs="0" maxOccurs="1"/>
+        <xsd:element ref="dcterms:created" minOccurs="0" maxOccurs="1"/>
+        <xsd:element ref="dc:identifier" minOccurs="0" maxOccurs="1"/>
+        <xsd:element name="contentType" minOccurs="0" maxOccurs="1" type="xsd:string" ma:index="0" ma:displayName="Tipo de Conteúdo"/>
+        <xsd:element ref="dc:title" minOccurs="0" maxOccurs="1" ma:index="4" ma:displayName="Título"/>
+        <xsd:element ref="dc:subject" minOccurs="0" maxOccurs="1"/>
+        <xsd:element ref="dc:description" minOccurs="0" maxOccurs="1"/>
+        <xsd:element name="keywords" minOccurs="0" maxOccurs="1" type="xsd:string"/>
+        <xsd:element ref="dc:language" minOccurs="0" maxOccurs="1"/>
+        <xsd:element name="category" minOccurs="0" maxOccurs="1" type="xsd:string"/>
+        <xsd:element name="version" minOccurs="0" maxOccurs="1" type="xsd:string"/>
+        <xsd:element name="revision" minOccurs="0" maxOccurs="1" type="xsd:string">
+          <xsd:annotation>
+            <xsd:documentation>
+                        This value indicates the number of saves or revisions. The application is responsible for updating this value after each revision.
+                    </xsd:documentation>
+          </xsd:annotation>
+        </xsd:element>
+        <xsd:element name="lastModifiedBy" minOccurs="0" maxOccurs="1" type="xsd:string"/>
+        <xsd:element ref="dcterms:modified" minOccurs="0" maxOccurs="1"/>
+        <xsd:element name="contentStatus" minOccurs="0" maxOccurs="1" type="xsd:string"/>
+      </xsd:all>
+    </xsd:complexType>
+  </xsd:schema>
+  <xs:schema xmlns:pc="http://schemas.microsoft.com/office/infopath/2007/PartnerControls" xmlns:xs="http://www.w3.org/2001/XMLSchema" targetNamespace="http://schemas.microsoft.com/office/infopath/2007/PartnerControls" elementFormDefault="qualified" attributeFormDefault="unqualified">
+    <xs:element name="Person">
+      <xs:complexType>
+        <xs:sequence>
+          <xs:element ref="pc:DisplayName" minOccurs="0"/>
+          <xs:element ref="pc:AccountId" minOccurs="0"/>
+          <xs:element ref="pc:AccountType" minOccurs="0"/>
+        </xs:sequence>
+      </xs:complexType>
+    </xs:element>
+    <xs:element name="DisplayName" type="xs:string"/>
+    <xs:element name="AccountId" type="xs:string"/>
+    <xs:element name="AccountType" type="xs:string"/>
+    <xs:element name="BDCAssociatedEntity">
+      <xs:complexType>
+        <xs:sequence>
+          <xs:element ref="pc:BDCEntity" minOccurs="0" maxOccurs="unbounded"/>
+        </xs:sequence>
+        <xs:attribute ref="pc:EntityNamespace"/>
+        <xs:attribute ref="pc:EntityName"/>
+        <xs:attribute ref="pc:SystemInstanceName"/>
+        <xs:attribute ref="pc:AssociationName"/>
+      </xs:complexType>
+    </xs:element>
+    <xs:attribute name="EntityNamespace" type="xs:string"/>
+    <xs:attribute name="EntityName" type="xs:string"/>
+    <xs:attribute name="SystemInstanceName" type="xs:string"/>
+    <xs:attribute name="AssociationName" type="xs:string"/>
+    <xs:element name="BDCEntity">
+      <xs:complexType>
+        <xs:sequence>
+          <xs:element ref="pc:EntityDisplayName" minOccurs="0"/>
+          <xs:element ref="pc:EntityInstanceReference" minOccurs="0"/>
+          <xs:element ref="pc:EntityId1" minOccurs="0"/>
+          <xs:element ref="pc:EntityId2" minOccurs="0"/>
+          <xs:element ref="pc:EntityId3" minOccurs="0"/>
+          <xs:element ref="pc:EntityId4" minOccurs="0"/>
+          <xs:element ref="pc:EntityId5" minOccurs="0"/>
+        </xs:sequence>
+      </xs:complexType>
+    </xs:element>
+    <xs:element name="EntityDisplayName" type="xs:string"/>
+    <xs:element name="EntityInstanceReference" type="xs:string"/>
+    <xs:element name="EntityId1" type="xs:string"/>
+    <xs:element name="EntityId2" type="xs:string"/>
+    <xs:element name="EntityId3" type="xs:string"/>
+    <xs:element name="EntityId4" type="xs:string"/>
+    <xs:element name="EntityId5" type="xs:string"/>
+    <xs:element name="Terms">
+      <xs:complexType>
+        <xs:sequence>
+          <xs:element ref="pc:TermInfo" minOccurs="0" maxOccurs="unbounded"/>
+        </xs:sequence>
+      </xs:complexType>
+    </xs:element>
+    <xs:element name="TermInfo">
+      <xs:complexType>
+        <xs:sequence>
+          <xs:element ref="pc:TermName" minOccurs="0"/>
+          <xs:element ref="pc:TermId" minOccurs="0"/>
+        </xs:sequence>
+      </xs:complexType>
+    </xs:element>
+    <xs:element name="TermName" type="xs:string"/>
+    <xs:element name="TermId" type="xs:string"/>
+  </xs:schema>
+</ct:contentTypeSchema>
+</file>
+
+<file path=customXml/itemProps1.xml><?xml version="1.0" encoding="utf-8"?>
+<ds:datastoreItem xmlns:ds="http://schemas.openxmlformats.org/officeDocument/2006/customXml" ds:itemID="{503FF900-A5A5-4A63-9BC3-53FD70CD1AE4}">
+  <ds:schemaRefs>
+    <ds:schemaRef ds:uri="http://schemas.microsoft.com/office/2006/metadata/properties"/>
+    <ds:schemaRef ds:uri="http://schemas.microsoft.com/office/infopath/2007/PartnerControls"/>
+  </ds:schemaRefs>
+</ds:datastoreItem>
+</file>
+
+<file path=customXml/itemProps2.xml><?xml version="1.0" encoding="utf-8"?>
+<ds:datastoreItem xmlns:ds="http://schemas.openxmlformats.org/officeDocument/2006/customXml" ds:itemID="{D8C9EE04-2795-430E-A9CE-1235BC40B9ED}">
+  <ds:schemaRefs>
+    <ds:schemaRef ds:uri="http://schemas.microsoft.com/sharepoint/v3/contenttype/forms"/>
+  </ds:schemaRefs>
+</ds:datastoreItem>
+</file>
+
+<file path=customXml/itemProps3.xml><?xml version="1.0" encoding="utf-8"?>
+<ds:datastoreItem xmlns:ds="http://schemas.openxmlformats.org/officeDocument/2006/customXml" ds:itemID="{E2CF7604-67AE-496B-9882-398B1995DE1C}">
+  <ds:schemaRefs>
+    <ds:schemaRef ds:uri="http://schemas.microsoft.com/office/2006/metadata/contentType"/>
+    <ds:schemaRef ds:uri="http://schemas.microsoft.com/office/2006/metadata/properties/metaAttributes"/>
+    <ds:schemaRef ds:uri="http://www.w3.org/2001/XMLSchema"/>
+    <ds:schemaRef ds:uri="http://schemas.microsoft.com/office/2006/metadata/properties"/>
+    <ds:schemaRef ds:uri="22494808-1a8c-41a9-b4d1-0c6e7965d4fe"/>
+    <ds:schemaRef ds:uri="http://schemas.microsoft.com/office/2006/documentManagement/types"/>
+    <ds:schemaRef ds:uri="http://schemas.microsoft.com/office/infopath/2007/PartnerControls"/>
+    <ds:schemaRef ds:uri="http://schemas.openxmlformats.org/package/2006/metadata/core-properties"/>
+    <ds:schemaRef ds:uri="http://purl.org/dc/elements/1.1/"/>
+    <ds:schemaRef ds:uri="http://purl.org/dc/terms/"/>
+    <ds:schemaRef ds:uri="http://schemas.microsoft.com/internal/obd"/>
+  </ds:schemaRefs>
+</ds:datastoreItem>
 </file>
--- a/docs/Diagramas/Diagramas de Arquitetura.pptx
+++ b/docs/Diagramas/Diagramas de Arquitetura.pptx
@@ -261,7 +261,7 @@
           <a:p>
             <a:fld id="{E79AB282-DA06-4F6B-B5A0-2CC006DE651C}" type="datetimeFigureOut">
               <a:rPr lang="pt-BR" smtClean="0"/>
-              <a:t>25/11/2020</a:t>
+              <a:t>26/11/2020</a:t>
             </a:fld>
             <a:endParaRPr lang="pt-BR"/>
           </a:p>
@@ -459,7 +459,7 @@
           <a:p>
             <a:fld id="{E79AB282-DA06-4F6B-B5A0-2CC006DE651C}" type="datetimeFigureOut">
               <a:rPr lang="pt-BR" smtClean="0"/>
-              <a:t>25/11/2020</a:t>
+              <a:t>26/11/2020</a:t>
             </a:fld>
             <a:endParaRPr lang="pt-BR"/>
           </a:p>
@@ -667,7 +667,7 @@
           <a:p>
             <a:fld id="{E79AB282-DA06-4F6B-B5A0-2CC006DE651C}" type="datetimeFigureOut">
               <a:rPr lang="pt-BR" smtClean="0"/>
-              <a:t>25/11/2020</a:t>
+              <a:t>26/11/2020</a:t>
             </a:fld>
             <a:endParaRPr lang="pt-BR"/>
           </a:p>
@@ -865,7 +865,7 @@
           <a:p>
             <a:fld id="{E79AB282-DA06-4F6B-B5A0-2CC006DE651C}" type="datetimeFigureOut">
               <a:rPr lang="pt-BR" smtClean="0"/>
-              <a:t>25/11/2020</a:t>
+              <a:t>26/11/2020</a:t>
             </a:fld>
             <a:endParaRPr lang="pt-BR"/>
           </a:p>
@@ -1140,7 +1140,7 @@
           <a:p>
             <a:fld id="{E79AB282-DA06-4F6B-B5A0-2CC006DE651C}" type="datetimeFigureOut">
               <a:rPr lang="pt-BR" smtClean="0"/>
-              <a:t>25/11/2020</a:t>
+              <a:t>26/11/2020</a:t>
             </a:fld>
             <a:endParaRPr lang="pt-BR"/>
           </a:p>
@@ -1405,7 +1405,7 @@
           <a:p>
             <a:fld id="{E79AB282-DA06-4F6B-B5A0-2CC006DE651C}" type="datetimeFigureOut">
               <a:rPr lang="pt-BR" smtClean="0"/>
-              <a:t>25/11/2020</a:t>
+              <a:t>26/11/2020</a:t>
             </a:fld>
             <a:endParaRPr lang="pt-BR"/>
           </a:p>
@@ -1817,7 +1817,7 @@
           <a:p>
             <a:fld id="{E79AB282-DA06-4F6B-B5A0-2CC006DE651C}" type="datetimeFigureOut">
               <a:rPr lang="pt-BR" smtClean="0"/>
-              <a:t>25/11/2020</a:t>
+              <a:t>26/11/2020</a:t>
             </a:fld>
             <a:endParaRPr lang="pt-BR"/>
           </a:p>
@@ -1958,7 +1958,7 @@
           <a:p>
             <a:fld id="{E79AB282-DA06-4F6B-B5A0-2CC006DE651C}" type="datetimeFigureOut">
               <a:rPr lang="pt-BR" smtClean="0"/>
-              <a:t>25/11/2020</a:t>
+              <a:t>26/11/2020</a:t>
             </a:fld>
             <a:endParaRPr lang="pt-BR"/>
           </a:p>
@@ -2071,7 +2071,7 @@
           <a:p>
             <a:fld id="{E79AB282-DA06-4F6B-B5A0-2CC006DE651C}" type="datetimeFigureOut">
               <a:rPr lang="pt-BR" smtClean="0"/>
-              <a:t>25/11/2020</a:t>
+              <a:t>26/11/2020</a:t>
             </a:fld>
             <a:endParaRPr lang="pt-BR"/>
           </a:p>
@@ -2382,7 +2382,7 @@
           <a:p>
             <a:fld id="{E79AB282-DA06-4F6B-B5A0-2CC006DE651C}" type="datetimeFigureOut">
               <a:rPr lang="pt-BR" smtClean="0"/>
-              <a:t>25/11/2020</a:t>
+              <a:t>26/11/2020</a:t>
             </a:fld>
             <a:endParaRPr lang="pt-BR"/>
           </a:p>
@@ -2670,7 +2670,7 @@
           <a:p>
             <a:fld id="{E79AB282-DA06-4F6B-B5A0-2CC006DE651C}" type="datetimeFigureOut">
               <a:rPr lang="pt-BR" smtClean="0"/>
-              <a:t>25/11/2020</a:t>
+              <a:t>26/11/2020</a:t>
             </a:fld>
             <a:endParaRPr lang="pt-BR"/>
           </a:p>
@@ -2911,7 +2911,7 @@
           <a:p>
             <a:fld id="{E79AB282-DA06-4F6B-B5A0-2CC006DE651C}" type="datetimeFigureOut">
               <a:rPr lang="pt-BR" smtClean="0"/>
-              <a:t>25/11/2020</a:t>
+              <a:t>26/11/2020</a:t>
             </a:fld>
             <a:endParaRPr lang="pt-BR"/>
           </a:p>
@@ -9280,28 +9280,28 @@
       </p:cxnSp>
       <p:cxnSp>
         <p:nvCxnSpPr>
-          <p:cNvPr id="70" name="Conector de Seta Reta 69">
-            <a:extLst>
-              <a:ext uri="{FF2B5EF4-FFF2-40B4-BE49-F238E27FC236}">
-                <a16:creationId xmlns:a16="http://schemas.microsoft.com/office/drawing/2014/main" id="{FF0E1DD1-1C5B-4BA4-B60B-0AED465B5037}"/>
+          <p:cNvPr id="47" name="Conector de Seta Reta 69">
+            <a:extLst>
+              <a:ext uri="{FF2B5EF4-FFF2-40B4-BE49-F238E27FC236}">
+                <a16:creationId xmlns:a16="http://schemas.microsoft.com/office/drawing/2014/main" id="{4106261D-4DE6-44AC-A6C4-E5320A6E377E}"/>
               </a:ext>
             </a:extLst>
           </p:cNvPr>
           <p:cNvCxnSpPr>
             <a:cxnSpLocks/>
-            <a:stCxn id="14" idx="1"/>
-            <a:endCxn id="49" idx="4"/>
+            <a:stCxn id="5" idx="2"/>
+            <a:endCxn id="58" idx="3"/>
           </p:cNvCxnSpPr>
           <p:nvPr/>
         </p:nvCxnSpPr>
         <p:spPr>
-          <a:xfrm rot="10800000" flipV="1">
-            <a:off x="3618508" y="2218074"/>
-            <a:ext cx="3692397" cy="1220405"/>
+          <a:xfrm rot="10800000">
+            <a:off x="4854438" y="2230776"/>
+            <a:ext cx="3692400" cy="1195005"/>
           </a:xfrm>
           <a:prstGeom prst="bentConnector3">
             <a:avLst>
-              <a:gd name="adj1" fmla="val 35554"/>
+              <a:gd name="adj1" fmla="val 67226"/>
             </a:avLst>
           </a:prstGeom>
           <a:ln w="38100">
@@ -9636,21 +9636,6 @@
 </file>
 
 <file path=customXml/item1.xml><?xml version="1.0" encoding="utf-8"?>
-<p:properties xmlns:p="http://schemas.microsoft.com/office/2006/metadata/properties" xmlns:xsi="http://www.w3.org/2001/XMLSchema-instance" xmlns:pc="http://schemas.microsoft.com/office/infopath/2007/PartnerControls">
-  <documentManagement/>
-</p:properties>
-</file>
-
-<file path=customXml/item2.xml><?xml version="1.0" encoding="utf-8"?>
-<?mso-contentType ?>
-<FormTemplates xmlns="http://schemas.microsoft.com/sharepoint/v3/contenttype/forms">
-  <Display>DocumentLibraryForm</Display>
-  <Edit>DocumentLibraryForm</Edit>
-  <New>DocumentLibraryForm</New>
-</FormTemplates>
-</file>
-
-<file path=customXml/item3.xml><?xml version="1.0" encoding="utf-8"?>
 <ct:contentTypeSchema xmlns:ct="http://schemas.microsoft.com/office/2006/metadata/contentType" xmlns:ma="http://schemas.microsoft.com/office/2006/metadata/properties/metaAttributes" ct:_="" ma:_="" ma:contentTypeName="Documento" ma:contentTypeID="0x01010087C2B580F7FFCE47BD5FA0ECB31517C8" ma:contentTypeVersion="7" ma:contentTypeDescription="Crie um novo documento." ma:contentTypeScope="" ma:versionID="7b1c288a35c83e18f807e0122de0069e">
   <xsd:schema xmlns:xsd="http://www.w3.org/2001/XMLSchema" xmlns:xs="http://www.w3.org/2001/XMLSchema" xmlns:p="http://schemas.microsoft.com/office/2006/metadata/properties" xmlns:ns2="22494808-1a8c-41a9-b4d1-0c6e7965d4fe" targetNamespace="http://schemas.microsoft.com/office/2006/metadata/properties" ma:root="true" ma:fieldsID="1911b1acd542d3271f3cec90cc2bc618" ns2:_="">
     <xsd:import namespace="22494808-1a8c-41a9-b4d1-0c6e7965d4fe"/>
@@ -9814,24 +9799,22 @@
 </ct:contentTypeSchema>
 </file>
 
-<file path=customXml/itemProps1.xml><?xml version="1.0" encoding="utf-8"?>
-<ds:datastoreItem xmlns:ds="http://schemas.openxmlformats.org/officeDocument/2006/customXml" ds:itemID="{503FF900-A5A5-4A63-9BC3-53FD70CD1AE4}">
-  <ds:schemaRefs>
-    <ds:schemaRef ds:uri="http://schemas.microsoft.com/office/2006/metadata/properties"/>
-    <ds:schemaRef ds:uri="http://schemas.microsoft.com/office/infopath/2007/PartnerControls"/>
-  </ds:schemaRefs>
-</ds:datastoreItem>
+<file path=customXml/item2.xml><?xml version="1.0" encoding="utf-8"?>
+<?mso-contentType ?>
+<FormTemplates xmlns="http://schemas.microsoft.com/sharepoint/v3/contenttype/forms">
+  <Display>DocumentLibraryForm</Display>
+  <Edit>DocumentLibraryForm</Edit>
+  <New>DocumentLibraryForm</New>
+</FormTemplates>
 </file>
 
-<file path=customXml/itemProps2.xml><?xml version="1.0" encoding="utf-8"?>
-<ds:datastoreItem xmlns:ds="http://schemas.openxmlformats.org/officeDocument/2006/customXml" ds:itemID="{D8C9EE04-2795-430E-A9CE-1235BC40B9ED}">
-  <ds:schemaRefs>
-    <ds:schemaRef ds:uri="http://schemas.microsoft.com/sharepoint/v3/contenttype/forms"/>
-  </ds:schemaRefs>
-</ds:datastoreItem>
+<file path=customXml/item3.xml><?xml version="1.0" encoding="utf-8"?>
+<p:properties xmlns:p="http://schemas.microsoft.com/office/2006/metadata/properties" xmlns:xsi="http://www.w3.org/2001/XMLSchema-instance" xmlns:pc="http://schemas.microsoft.com/office/infopath/2007/PartnerControls">
+  <documentManagement/>
+</p:properties>
 </file>
 
-<file path=customXml/itemProps3.xml><?xml version="1.0" encoding="utf-8"?>
+<file path=customXml/itemProps1.xml><?xml version="1.0" encoding="utf-8"?>
 <ds:datastoreItem xmlns:ds="http://schemas.openxmlformats.org/officeDocument/2006/customXml" ds:itemID="{E2CF7604-67AE-496B-9882-398B1995DE1C}">
   <ds:schemaRefs>
     <ds:schemaRef ds:uri="http://schemas.microsoft.com/office/2006/metadata/contentType"/>
@@ -9847,4 +9830,21 @@
     <ds:schemaRef ds:uri="http://schemas.microsoft.com/internal/obd"/>
   </ds:schemaRefs>
 </ds:datastoreItem>
+</file>
+
+<file path=customXml/itemProps2.xml><?xml version="1.0" encoding="utf-8"?>
+<ds:datastoreItem xmlns:ds="http://schemas.openxmlformats.org/officeDocument/2006/customXml" ds:itemID="{D8C9EE04-2795-430E-A9CE-1235BC40B9ED}">
+  <ds:schemaRefs>
+    <ds:schemaRef ds:uri="http://schemas.microsoft.com/sharepoint/v3/contenttype/forms"/>
+  </ds:schemaRefs>
+</ds:datastoreItem>
+</file>
+
+<file path=customXml/itemProps3.xml><?xml version="1.0" encoding="utf-8"?>
+<ds:datastoreItem xmlns:ds="http://schemas.openxmlformats.org/officeDocument/2006/customXml" ds:itemID="{503FF900-A5A5-4A63-9BC3-53FD70CD1AE4}">
+  <ds:schemaRefs>
+    <ds:schemaRef ds:uri="http://schemas.microsoft.com/office/2006/metadata/properties"/>
+    <ds:schemaRef ds:uri="http://schemas.microsoft.com/office/infopath/2007/PartnerControls"/>
+  </ds:schemaRefs>
+</ds:datastoreItem>
 </file>